--- a/COOP.pptx
+++ b/COOP.pptx
@@ -256,7 +256,7 @@
           <a:p>
             <a:fld id="{9E2966B5-D90F-4948-8BCC-BB9CA59B2E06}" type="datetimeFigureOut">
               <a:rPr lang="en-US" smtClean="0"/>
-              <a:t>4/20/2016</a:t>
+              <a:t>9/24/2017</a:t>
             </a:fld>
             <a:endParaRPr lang="en-US"/>
           </a:p>
@@ -320,38 +320,37 @@
           <a:p>
             <a:pPr lvl="0"/>
             <a:r>
-              <a:rPr lang="en-US" smtClean="0"/>
+              <a:rPr lang="en-US"/>
               <a:t>Click to edit Master text styles</a:t>
             </a:r>
           </a:p>
           <a:p>
             <a:pPr lvl="1"/>
             <a:r>
-              <a:rPr lang="en-US" smtClean="0"/>
+              <a:rPr lang="en-US"/>
               <a:t>Second level</a:t>
             </a:r>
           </a:p>
           <a:p>
             <a:pPr lvl="2"/>
             <a:r>
-              <a:rPr lang="en-US" smtClean="0"/>
+              <a:rPr lang="en-US"/>
               <a:t>Third level</a:t>
             </a:r>
           </a:p>
           <a:p>
             <a:pPr lvl="3"/>
             <a:r>
-              <a:rPr lang="en-US" smtClean="0"/>
+              <a:rPr lang="en-US"/>
               <a:t>Fourth level</a:t>
             </a:r>
           </a:p>
           <a:p>
             <a:pPr lvl="4"/>
             <a:r>
-              <a:rPr lang="en-US" smtClean="0"/>
+              <a:rPr lang="en-US"/>
               <a:t>Fifth level</a:t>
             </a:r>
-            <a:endParaRPr lang="en-US"/>
           </a:p>
         </p:txBody>
       </p:sp>
@@ -568,7 +567,14 @@
           <a:bodyPr/>
           <a:lstStyle/>
           <a:p>
-            <a:endParaRPr lang="en-US" dirty="0"/>
+            <a:r>
+              <a:rPr lang="en-US" dirty="0"/>
+              <a:t>Classes “B” and “C” inherit from class “A”. A</a:t>
+            </a:r>
+            <a:r>
+              <a:rPr lang="en-US" baseline="0" dirty="0"/>
+              <a:t> pointer of type “A” may refer to instances of either class, which is selected via command line argument. In this way, the compiled application may exhibit dynamic functionality at runtime.</a:t>
+            </a:r>
           </a:p>
         </p:txBody>
       </p:sp>
@@ -589,7 +595,7 @@
           <a:p>
             <a:fld id="{0F7BB88C-87E2-44F9-A268-46B4C19CC696}" type="slidenum">
               <a:rPr lang="en-US" smtClean="0"/>
-              <a:t>19</a:t>
+              <a:t>13</a:t>
             </a:fld>
             <a:endParaRPr lang="en-US"/>
           </a:p>
@@ -598,7 +604,7 @@
     </p:spTree>
     <p:extLst>
       <p:ext uri="{BB962C8B-B14F-4D97-AF65-F5344CB8AC3E}">
-        <p14:creationId xmlns:p14="http://schemas.microsoft.com/office/powerpoint/2010/main" val="1877908616"/>
+        <p14:creationId xmlns:p14="http://schemas.microsoft.com/office/powerpoint/2010/main" val="4215245486"/>
       </p:ext>
     </p:extLst>
   </p:cSld>
@@ -673,7 +679,7 @@
           <a:p>
             <a:fld id="{0F7BB88C-87E2-44F9-A268-46B4C19CC696}" type="slidenum">
               <a:rPr lang="en-US" smtClean="0"/>
-              <a:t>20</a:t>
+              <a:t>19</a:t>
             </a:fld>
             <a:endParaRPr lang="en-US"/>
           </a:p>
@@ -682,7 +688,7 @@
     </p:spTree>
     <p:extLst>
       <p:ext uri="{BB962C8B-B14F-4D97-AF65-F5344CB8AC3E}">
-        <p14:creationId xmlns:p14="http://schemas.microsoft.com/office/powerpoint/2010/main" val="476270556"/>
+        <p14:creationId xmlns:p14="http://schemas.microsoft.com/office/powerpoint/2010/main" val="1877908616"/>
       </p:ext>
     </p:extLst>
   </p:cSld>
@@ -736,46 +742,6 @@
           <a:bodyPr/>
           <a:lstStyle/>
           <a:p>
-            <a:r>
-              <a:rPr lang="en-US" dirty="0" smtClean="0"/>
-              <a:t>A specialized</a:t>
-            </a:r>
-            <a:r>
-              <a:rPr lang="en-US" baseline="0" dirty="0" smtClean="0"/>
-              <a:t> compiler creates </a:t>
-            </a:r>
-            <a:r>
-              <a:rPr lang="en-US" baseline="0" dirty="0" err="1" smtClean="0"/>
-              <a:t>Readactor</a:t>
-            </a:r>
-            <a:r>
-              <a:rPr lang="en-US" baseline="0" dirty="0" smtClean="0"/>
-              <a:t>++ apps that randomize their in memory representation. A small runtime component, </a:t>
-            </a:r>
-            <a:r>
-              <a:rPr lang="en-US" baseline="0" dirty="0" err="1" smtClean="0"/>
-              <a:t>RandoLib</a:t>
-            </a:r>
-            <a:r>
-              <a:rPr lang="en-US" baseline="0" dirty="0" smtClean="0"/>
-              <a:t> uses </a:t>
-            </a:r>
-            <a:r>
-              <a:rPr lang="en-US" baseline="0" dirty="0" err="1" smtClean="0"/>
-              <a:t>TRaP</a:t>
-            </a:r>
-            <a:r>
-              <a:rPr lang="en-US" baseline="0" dirty="0" smtClean="0"/>
-              <a:t> metadata embedded in binaries to safely permute the layout of </a:t>
-            </a:r>
-            <a:r>
-              <a:rPr lang="en-US" baseline="0" dirty="0" err="1" smtClean="0"/>
-              <a:t>vtables</a:t>
-            </a:r>
-            <a:r>
-              <a:rPr lang="en-US" baseline="0" dirty="0" smtClean="0"/>
-              <a:t> and procedure linkage tables without disassemble the entire application. We prevent the disclosure of randomized code using execute-only memory.</a:t>
-            </a:r>
             <a:endParaRPr lang="en-US" dirty="0"/>
           </a:p>
         </p:txBody>
@@ -797,7 +763,7 @@
           <a:p>
             <a:fld id="{0F7BB88C-87E2-44F9-A268-46B4C19CC696}" type="slidenum">
               <a:rPr lang="en-US" smtClean="0"/>
-              <a:t>24</a:t>
+              <a:t>20</a:t>
             </a:fld>
             <a:endParaRPr lang="en-US"/>
           </a:p>
@@ -806,7 +772,7 @@
     </p:spTree>
     <p:extLst>
       <p:ext uri="{BB962C8B-B14F-4D97-AF65-F5344CB8AC3E}">
-        <p14:creationId xmlns:p14="http://schemas.microsoft.com/office/powerpoint/2010/main" val="1344077763"/>
+        <p14:creationId xmlns:p14="http://schemas.microsoft.com/office/powerpoint/2010/main" val="476270556"/>
       </p:ext>
     </p:extLst>
   </p:cSld>
@@ -861,12 +827,44 @@
           <a:lstStyle/>
           <a:p>
             <a:r>
-              <a:rPr lang="en-US" dirty="0" smtClean="0"/>
-              <a:t>In traditional</a:t>
-            </a:r>
-            <a:r>
-              <a:rPr lang="en-US" baseline="0" dirty="0" smtClean="0"/>
-              <a:t> apps, adversaries can locate and read functions by following code pointers. We only store pointers to trampolines in readable memory. Trampolines prevent indirect disclosure of the function layout because trampolines are non-readable and their layout is randomized independently of other code.</a:t>
+              <a:rPr lang="en-US" dirty="0"/>
+              <a:t>A specialized</a:t>
+            </a:r>
+            <a:r>
+              <a:rPr lang="en-US" baseline="0" dirty="0"/>
+              <a:t> compiler creates </a:t>
+            </a:r>
+            <a:r>
+              <a:rPr lang="en-US" baseline="0" dirty="0" err="1"/>
+              <a:t>Readactor</a:t>
+            </a:r>
+            <a:r>
+              <a:rPr lang="en-US" baseline="0" dirty="0"/>
+              <a:t>++ apps that randomize their in memory representation. A small runtime component, </a:t>
+            </a:r>
+            <a:r>
+              <a:rPr lang="en-US" baseline="0" dirty="0" err="1"/>
+              <a:t>RandoLib</a:t>
+            </a:r>
+            <a:r>
+              <a:rPr lang="en-US" baseline="0" dirty="0"/>
+              <a:t> uses </a:t>
+            </a:r>
+            <a:r>
+              <a:rPr lang="en-US" baseline="0" dirty="0" err="1"/>
+              <a:t>TRaP</a:t>
+            </a:r>
+            <a:r>
+              <a:rPr lang="en-US" baseline="0" dirty="0"/>
+              <a:t> metadata embedded in binaries to safely permute the layout of </a:t>
+            </a:r>
+            <a:r>
+              <a:rPr lang="en-US" baseline="0" dirty="0" err="1"/>
+              <a:t>vtables</a:t>
+            </a:r>
+            <a:r>
+              <a:rPr lang="en-US" baseline="0" dirty="0"/>
+              <a:t> and procedure linkage tables without disassemble the entire application. We prevent the disclosure of randomized code using execute-only memory.</a:t>
             </a:r>
             <a:endParaRPr lang="en-US" dirty="0"/>
           </a:p>
@@ -889,7 +887,7 @@
           <a:p>
             <a:fld id="{0F7BB88C-87E2-44F9-A268-46B4C19CC696}" type="slidenum">
               <a:rPr lang="en-US" smtClean="0"/>
-              <a:t>27</a:t>
+              <a:t>24</a:t>
             </a:fld>
             <a:endParaRPr lang="en-US"/>
           </a:p>
@@ -898,7 +896,7 @@
     </p:spTree>
     <p:extLst>
       <p:ext uri="{BB962C8B-B14F-4D97-AF65-F5344CB8AC3E}">
-        <p14:creationId xmlns:p14="http://schemas.microsoft.com/office/powerpoint/2010/main" val="2111619502"/>
+        <p14:creationId xmlns:p14="http://schemas.microsoft.com/office/powerpoint/2010/main" val="1344077763"/>
       </p:ext>
     </p:extLst>
   </p:cSld>
@@ -953,65 +951,12 @@
           <a:lstStyle/>
           <a:p>
             <a:r>
-              <a:rPr lang="en-US" dirty="0" smtClean="0"/>
-              <a:t>Without</a:t>
-            </a:r>
-            <a:r>
-              <a:rPr lang="en-US" baseline="0" dirty="0" smtClean="0"/>
-              <a:t> protection, an adversary that can read arbitrary memory can read the </a:t>
-            </a:r>
-            <a:r>
-              <a:rPr lang="en-US" baseline="0" dirty="0" err="1" smtClean="0"/>
-              <a:t>vtable</a:t>
-            </a:r>
-            <a:r>
-              <a:rPr lang="en-US" baseline="0" dirty="0" smtClean="0"/>
-              <a:t> contents and disclose the function layout. In </a:t>
-            </a:r>
-            <a:r>
-              <a:rPr lang="en-US" baseline="0" dirty="0" err="1" smtClean="0"/>
-              <a:t>Readactor</a:t>
-            </a:r>
-            <a:r>
-              <a:rPr lang="en-US" baseline="0" dirty="0" smtClean="0"/>
-              <a:t>++ apps, the readable part of the </a:t>
-            </a:r>
-            <a:r>
-              <a:rPr lang="en-US" baseline="0" dirty="0" err="1" smtClean="0"/>
-              <a:t>vtables</a:t>
-            </a:r>
-            <a:r>
-              <a:rPr lang="en-US" baseline="0" dirty="0" smtClean="0"/>
-              <a:t> (</a:t>
-            </a:r>
-            <a:r>
-              <a:rPr lang="en-US" baseline="0" dirty="0" err="1" smtClean="0"/>
-              <a:t>rvtable</a:t>
-            </a:r>
-            <a:r>
-              <a:rPr lang="en-US" baseline="0" dirty="0" smtClean="0"/>
-              <a:t>) contain no code pointers and the executable randomized part (</a:t>
-            </a:r>
-            <a:r>
-              <a:rPr lang="en-US" baseline="0" dirty="0" err="1" smtClean="0"/>
-              <a:t>xvtable</a:t>
-            </a:r>
-            <a:r>
-              <a:rPr lang="en-US" baseline="0" dirty="0" smtClean="0"/>
-              <a:t>) is not readable</a:t>
-            </a:r>
-          </a:p>
-          <a:p>
-            <a:endParaRPr lang="en-US" baseline="0" dirty="0" smtClean="0"/>
-          </a:p>
-          <a:p>
-            <a:r>
-              <a:rPr lang="en-US" baseline="0" dirty="0" err="1" smtClean="0"/>
-              <a:t>rtti</a:t>
-            </a:r>
-            <a:r>
-              <a:rPr lang="en-US" baseline="0" dirty="0" smtClean="0"/>
-              <a:t>- runtime type information</a:t>
+              <a:rPr lang="en-US" dirty="0"/>
+              <a:t>In traditional</a:t>
+            </a:r>
+            <a:r>
+              <a:rPr lang="en-US" baseline="0" dirty="0"/>
+              <a:t> apps, adversaries can locate and read functions by following code pointers. We only store pointers to trampolines in readable memory. Trampolines prevent indirect disclosure of the function layout because trampolines are non-readable and their layout is randomized independently of other code.</a:t>
             </a:r>
             <a:endParaRPr lang="en-US" dirty="0"/>
           </a:p>
@@ -1034,7 +979,7 @@
           <a:p>
             <a:fld id="{0F7BB88C-87E2-44F9-A268-46B4C19CC696}" type="slidenum">
               <a:rPr lang="en-US" smtClean="0"/>
-              <a:t>30</a:t>
+              <a:t>27</a:t>
             </a:fld>
             <a:endParaRPr lang="en-US"/>
           </a:p>
@@ -1043,7 +988,7 @@
     </p:spTree>
     <p:extLst>
       <p:ext uri="{BB962C8B-B14F-4D97-AF65-F5344CB8AC3E}">
-        <p14:creationId xmlns:p14="http://schemas.microsoft.com/office/powerpoint/2010/main" val="1206388483"/>
+        <p14:creationId xmlns:p14="http://schemas.microsoft.com/office/powerpoint/2010/main" val="2111619502"/>
       </p:ext>
     </p:extLst>
   </p:cSld>
@@ -1098,20 +1043,65 @@
           <a:lstStyle/>
           <a:p>
             <a:r>
-              <a:rPr lang="en-US" dirty="0" smtClean="0"/>
-              <a:t>In traditional apps, functions call PLT entries. In </a:t>
-            </a:r>
-            <a:r>
-              <a:rPr lang="en-US" dirty="0" err="1" smtClean="0"/>
+              <a:rPr lang="en-US" dirty="0"/>
+              <a:t>Without</a:t>
+            </a:r>
+            <a:r>
+              <a:rPr lang="en-US" baseline="0" dirty="0"/>
+              <a:t> protection, an adversary that can read arbitrary memory can read the </a:t>
+            </a:r>
+            <a:r>
+              <a:rPr lang="en-US" baseline="0" dirty="0" err="1"/>
+              <a:t>vtable</a:t>
+            </a:r>
+            <a:r>
+              <a:rPr lang="en-US" baseline="0" dirty="0"/>
+              <a:t> contents and disclose the function layout. In </a:t>
+            </a:r>
+            <a:r>
+              <a:rPr lang="en-US" baseline="0" dirty="0" err="1"/>
               <a:t>Readactor</a:t>
             </a:r>
             <a:r>
-              <a:rPr lang="en-US" dirty="0" smtClean="0"/>
-              <a:t>++</a:t>
-            </a:r>
-            <a:r>
-              <a:rPr lang="en-US" baseline="0" dirty="0" smtClean="0"/>
-              <a:t> apps, functions first jump to a trampoline which performs the actual call, so that the actual return addresses are not leaked. Moreover, we resolve the targets of PLT entries, remove the global offset table (GOT), and add booby traps to deter probing.</a:t>
+              <a:rPr lang="en-US" baseline="0" dirty="0"/>
+              <a:t>++ apps, the readable part of the </a:t>
+            </a:r>
+            <a:r>
+              <a:rPr lang="en-US" baseline="0" dirty="0" err="1"/>
+              <a:t>vtables</a:t>
+            </a:r>
+            <a:r>
+              <a:rPr lang="en-US" baseline="0" dirty="0"/>
+              <a:t> (</a:t>
+            </a:r>
+            <a:r>
+              <a:rPr lang="en-US" baseline="0" dirty="0" err="1"/>
+              <a:t>rvtable</a:t>
+            </a:r>
+            <a:r>
+              <a:rPr lang="en-US" baseline="0" dirty="0"/>
+              <a:t>) contain no code pointers and the executable randomized part (</a:t>
+            </a:r>
+            <a:r>
+              <a:rPr lang="en-US" baseline="0" dirty="0" err="1"/>
+              <a:t>xvtable</a:t>
+            </a:r>
+            <a:r>
+              <a:rPr lang="en-US" baseline="0" dirty="0"/>
+              <a:t>) is not readable</a:t>
+            </a:r>
+          </a:p>
+          <a:p>
+            <a:endParaRPr lang="en-US" baseline="0" dirty="0"/>
+          </a:p>
+          <a:p>
+            <a:r>
+              <a:rPr lang="en-US" baseline="0" dirty="0" err="1"/>
+              <a:t>rtti</a:t>
+            </a:r>
+            <a:r>
+              <a:rPr lang="en-US" baseline="0" dirty="0"/>
+              <a:t>- runtime type information</a:t>
             </a:r>
             <a:endParaRPr lang="en-US" dirty="0"/>
           </a:p>
@@ -1134,7 +1124,7 @@
           <a:p>
             <a:fld id="{0F7BB88C-87E2-44F9-A268-46B4C19CC696}" type="slidenum">
               <a:rPr lang="en-US" smtClean="0"/>
-              <a:t>32</a:t>
+              <a:t>30</a:t>
             </a:fld>
             <a:endParaRPr lang="en-US"/>
           </a:p>
@@ -1143,7 +1133,7 @@
     </p:spTree>
     <p:extLst>
       <p:ext uri="{BB962C8B-B14F-4D97-AF65-F5344CB8AC3E}">
-        <p14:creationId xmlns:p14="http://schemas.microsoft.com/office/powerpoint/2010/main" val="2366124481"/>
+        <p14:creationId xmlns:p14="http://schemas.microsoft.com/office/powerpoint/2010/main" val="1206388483"/>
       </p:ext>
     </p:extLst>
   </p:cSld>
@@ -1198,43 +1188,143 @@
           <a:lstStyle/>
           <a:p>
             <a:r>
-              <a:rPr lang="en-US" dirty="0" smtClean="0"/>
+              <a:rPr lang="en-US" dirty="0"/>
+              <a:t>In traditional apps, functions call PLT entries. In </a:t>
+            </a:r>
+            <a:r>
+              <a:rPr lang="en-US" dirty="0" err="1"/>
+              <a:t>Readactor</a:t>
+            </a:r>
+            <a:r>
+              <a:rPr lang="en-US" dirty="0"/>
+              <a:t>++</a:t>
+            </a:r>
+            <a:r>
+              <a:rPr lang="en-US" baseline="0" dirty="0"/>
+              <a:t> apps, functions first jump to a trampoline which performs the actual call, so that the actual return addresses are not leaked. Moreover, we resolve the targets of PLT entries, remove the global offset table (GOT), and add booby traps to deter probing.</a:t>
+            </a:r>
+            <a:endParaRPr lang="en-US" dirty="0"/>
+          </a:p>
+        </p:txBody>
+      </p:sp>
+      <p:sp>
+        <p:nvSpPr>
+          <p:cNvPr id="4" name="Slide Number Placeholder 3"/>
+          <p:cNvSpPr>
+            <a:spLocks noGrp="1"/>
+          </p:cNvSpPr>
+          <p:nvPr>
+            <p:ph type="sldNum" sz="quarter" idx="10"/>
+          </p:nvPr>
+        </p:nvSpPr>
+        <p:spPr/>
+        <p:txBody>
+          <a:bodyPr/>
+          <a:lstStyle/>
+          <a:p>
+            <a:fld id="{0F7BB88C-87E2-44F9-A268-46B4C19CC696}" type="slidenum">
+              <a:rPr lang="en-US" smtClean="0"/>
+              <a:t>32</a:t>
+            </a:fld>
+            <a:endParaRPr lang="en-US"/>
+          </a:p>
+        </p:txBody>
+      </p:sp>
+    </p:spTree>
+    <p:extLst>
+      <p:ext uri="{BB962C8B-B14F-4D97-AF65-F5344CB8AC3E}">
+        <p14:creationId xmlns:p14="http://schemas.microsoft.com/office/powerpoint/2010/main" val="2366124481"/>
+      </p:ext>
+    </p:extLst>
+  </p:cSld>
+  <p:clrMapOvr>
+    <a:masterClrMapping/>
+  </p:clrMapOvr>
+</p:notes>
+</file>
+
+<file path=ppt/notesSlides/notesSlide8.xml><?xml version="1.0" encoding="utf-8"?>
+<p:notes xmlns:a="http://schemas.openxmlformats.org/drawingml/2006/main" xmlns:r="http://schemas.openxmlformats.org/officeDocument/2006/relationships" xmlns:p="http://schemas.openxmlformats.org/presentationml/2006/main">
+  <p:cSld>
+    <p:spTree>
+      <p:nvGrpSpPr>
+        <p:cNvPr id="1" name=""/>
+        <p:cNvGrpSpPr/>
+        <p:nvPr/>
+      </p:nvGrpSpPr>
+      <p:grpSpPr>
+        <a:xfrm>
+          <a:off x="0" y="0"/>
+          <a:ext cx="0" cy="0"/>
+          <a:chOff x="0" y="0"/>
+          <a:chExt cx="0" cy="0"/>
+        </a:xfrm>
+      </p:grpSpPr>
+      <p:sp>
+        <p:nvSpPr>
+          <p:cNvPr id="2" name="Slide Image Placeholder 1"/>
+          <p:cNvSpPr>
+            <a:spLocks noGrp="1" noRot="1" noChangeAspect="1"/>
+          </p:cNvSpPr>
+          <p:nvPr>
+            <p:ph type="sldImg"/>
+          </p:nvPr>
+        </p:nvSpPr>
+        <p:spPr/>
+      </p:sp>
+      <p:sp>
+        <p:nvSpPr>
+          <p:cNvPr id="3" name="Notes Placeholder 2"/>
+          <p:cNvSpPr>
+            <a:spLocks noGrp="1"/>
+          </p:cNvSpPr>
+          <p:nvPr>
+            <p:ph type="body" idx="1"/>
+          </p:nvPr>
+        </p:nvSpPr>
+        <p:spPr/>
+        <p:txBody>
+          <a:bodyPr/>
+          <a:lstStyle/>
+          <a:p>
+            <a:r>
+              <a:rPr lang="en-US" dirty="0"/>
               <a:t>A specialized</a:t>
             </a:r>
             <a:r>
-              <a:rPr lang="en-US" baseline="0" dirty="0" smtClean="0"/>
+              <a:rPr lang="en-US" baseline="0" dirty="0"/>
               <a:t> compiler creates </a:t>
             </a:r>
             <a:r>
-              <a:rPr lang="en-US" baseline="0" dirty="0" err="1" smtClean="0"/>
+              <a:rPr lang="en-US" baseline="0" dirty="0" err="1"/>
               <a:t>Readactor</a:t>
             </a:r>
             <a:r>
-              <a:rPr lang="en-US" baseline="0" dirty="0" smtClean="0"/>
+              <a:rPr lang="en-US" baseline="0" dirty="0"/>
               <a:t>++ apps that randomize their in memory representation. A small runtime component, </a:t>
             </a:r>
             <a:r>
-              <a:rPr lang="en-US" baseline="0" dirty="0" err="1" smtClean="0"/>
+              <a:rPr lang="en-US" baseline="0" dirty="0" err="1"/>
               <a:t>RandoLib</a:t>
             </a:r>
             <a:r>
-              <a:rPr lang="en-US" baseline="0" dirty="0" smtClean="0"/>
+              <a:rPr lang="en-US" baseline="0" dirty="0"/>
               <a:t> uses </a:t>
             </a:r>
             <a:r>
-              <a:rPr lang="en-US" baseline="0" dirty="0" err="1" smtClean="0"/>
+              <a:rPr lang="en-US" baseline="0" dirty="0" err="1"/>
               <a:t>TRaP</a:t>
             </a:r>
             <a:r>
-              <a:rPr lang="en-US" baseline="0" dirty="0" smtClean="0"/>
+              <a:rPr lang="en-US" baseline="0" dirty="0"/>
               <a:t> metadata embedded in binaries to safely permute the layout of </a:t>
             </a:r>
             <a:r>
-              <a:rPr lang="en-US" baseline="0" dirty="0" err="1" smtClean="0"/>
+              <a:rPr lang="en-US" baseline="0" dirty="0" err="1"/>
               <a:t>vtables</a:t>
             </a:r>
             <a:r>
-              <a:rPr lang="en-US" baseline="0" dirty="0" smtClean="0"/>
+              <a:rPr lang="en-US" baseline="0" dirty="0"/>
               <a:t> and procedure linkage tables without disassemble the entire application. We prevent the disclosure of randomized code using execute-only memory.</a:t>
             </a:r>
             <a:endParaRPr lang="en-US" dirty="0"/>
@@ -1277,7 +1367,7 @@
 </p:notes>
 </file>
 
-<file path=ppt/notesSlides/notesSlide8.xml><?xml version="1.0" encoding="utf-8"?>
+<file path=ppt/notesSlides/notesSlide9.xml><?xml version="1.0" encoding="utf-8"?>
 <p:notes xmlns:a="http://schemas.openxmlformats.org/drawingml/2006/main" xmlns:r="http://schemas.openxmlformats.org/officeDocument/2006/relationships" xmlns:p="http://schemas.openxmlformats.org/presentationml/2006/main">
   <p:cSld>
     <p:spTree>
@@ -1491,7 +1581,7 @@
           </a:lstStyle>
           <a:p>
             <a:r>
-              <a:rPr lang="en-US" smtClean="0"/>
+              <a:rPr lang="en-US"/>
               <a:t>Click to edit Master title style</a:t>
             </a:r>
             <a:endParaRPr lang="en-US" dirty="0"/>
@@ -1563,7 +1653,7 @@
           </a:lstStyle>
           <a:p>
             <a:r>
-              <a:rPr lang="en-US" smtClean="0"/>
+              <a:rPr lang="en-US"/>
               <a:t>Click to edit Master subtitle style</a:t>
             </a:r>
             <a:endParaRPr lang="en-US" dirty="0"/>
@@ -1587,7 +1677,7 @@
           <a:p>
             <a:fld id="{D39C8547-764F-417E-AA1B-D2C8B5082AF7}" type="datetimeFigureOut">
               <a:rPr lang="en-US" smtClean="0"/>
-              <a:t>4/20/2016</a:t>
+              <a:t>9/24/2017</a:t>
             </a:fld>
             <a:endParaRPr lang="en-US"/>
           </a:p>
@@ -1719,7 +1809,7 @@
           <a:lstStyle/>
           <a:p>
             <a:r>
-              <a:rPr lang="en-US" smtClean="0"/>
+              <a:rPr lang="en-US"/>
               <a:t>Click to edit Master title style</a:t>
             </a:r>
             <a:endParaRPr lang="en-US" dirty="0"/>
@@ -1743,35 +1833,35 @@
           <a:p>
             <a:pPr lvl="0"/>
             <a:r>
-              <a:rPr lang="en-US" smtClean="0"/>
+              <a:rPr lang="en-US"/>
               <a:t>Click to edit Master text styles</a:t>
             </a:r>
           </a:p>
           <a:p>
             <a:pPr lvl="1"/>
             <a:r>
-              <a:rPr lang="en-US" smtClean="0"/>
+              <a:rPr lang="en-US"/>
               <a:t>Second level</a:t>
             </a:r>
           </a:p>
           <a:p>
             <a:pPr lvl="2"/>
             <a:r>
-              <a:rPr lang="en-US" smtClean="0"/>
+              <a:rPr lang="en-US"/>
               <a:t>Third level</a:t>
             </a:r>
           </a:p>
           <a:p>
             <a:pPr lvl="3"/>
             <a:r>
-              <a:rPr lang="en-US" smtClean="0"/>
+              <a:rPr lang="en-US"/>
               <a:t>Fourth level</a:t>
             </a:r>
           </a:p>
           <a:p>
             <a:pPr lvl="4"/>
             <a:r>
-              <a:rPr lang="en-US" smtClean="0"/>
+              <a:rPr lang="en-US"/>
               <a:t>Fifth level</a:t>
             </a:r>
             <a:endParaRPr lang="en-US" dirty="0"/>
@@ -1795,7 +1885,7 @@
           <a:p>
             <a:fld id="{D39C8547-764F-417E-AA1B-D2C8B5082AF7}" type="datetimeFigureOut">
               <a:rPr lang="en-US" smtClean="0"/>
-              <a:t>4/20/2016</a:t>
+              <a:t>9/24/2017</a:t>
             </a:fld>
             <a:endParaRPr lang="en-US"/>
           </a:p>
@@ -1970,7 +2060,7 @@
           <a:lstStyle/>
           <a:p>
             <a:r>
-              <a:rPr lang="en-US" smtClean="0"/>
+              <a:rPr lang="en-US"/>
               <a:t>Click to edit Master title style</a:t>
             </a:r>
             <a:endParaRPr lang="en-US" dirty="0"/>
@@ -1999,35 +2089,35 @@
           <a:p>
             <a:pPr lvl="0"/>
             <a:r>
-              <a:rPr lang="en-US" smtClean="0"/>
+              <a:rPr lang="en-US"/>
               <a:t>Click to edit Master text styles</a:t>
             </a:r>
           </a:p>
           <a:p>
             <a:pPr lvl="1"/>
             <a:r>
-              <a:rPr lang="en-US" smtClean="0"/>
+              <a:rPr lang="en-US"/>
               <a:t>Second level</a:t>
             </a:r>
           </a:p>
           <a:p>
             <a:pPr lvl="2"/>
             <a:r>
-              <a:rPr lang="en-US" smtClean="0"/>
+              <a:rPr lang="en-US"/>
               <a:t>Third level</a:t>
             </a:r>
           </a:p>
           <a:p>
             <a:pPr lvl="3"/>
             <a:r>
-              <a:rPr lang="en-US" smtClean="0"/>
+              <a:rPr lang="en-US"/>
               <a:t>Fourth level</a:t>
             </a:r>
           </a:p>
           <a:p>
             <a:pPr lvl="4"/>
             <a:r>
-              <a:rPr lang="en-US" smtClean="0"/>
+              <a:rPr lang="en-US"/>
               <a:t>Fifth level</a:t>
             </a:r>
             <a:endParaRPr lang="en-US" dirty="0"/>
@@ -2051,7 +2141,7 @@
           <a:p>
             <a:fld id="{D39C8547-764F-417E-AA1B-D2C8B5082AF7}" type="datetimeFigureOut">
               <a:rPr lang="en-US" smtClean="0"/>
-              <a:t>4/20/2016</a:t>
+              <a:t>9/24/2017</a:t>
             </a:fld>
             <a:endParaRPr lang="en-US"/>
           </a:p>
@@ -2149,7 +2239,7 @@
           </a:lstStyle>
           <a:p>
             <a:r>
-              <a:rPr lang="en-US" smtClean="0"/>
+              <a:rPr lang="en-US"/>
               <a:t>Click to edit Master title style</a:t>
             </a:r>
             <a:endParaRPr lang="en-US" dirty="0"/>
@@ -2173,35 +2263,35 @@
           <a:p>
             <a:pPr lvl="0"/>
             <a:r>
-              <a:rPr lang="en-US" smtClean="0"/>
+              <a:rPr lang="en-US"/>
               <a:t>Click to edit Master text styles</a:t>
             </a:r>
           </a:p>
           <a:p>
             <a:pPr lvl="1"/>
             <a:r>
-              <a:rPr lang="en-US" smtClean="0"/>
+              <a:rPr lang="en-US"/>
               <a:t>Second level</a:t>
             </a:r>
           </a:p>
           <a:p>
             <a:pPr lvl="2"/>
             <a:r>
-              <a:rPr lang="en-US" smtClean="0"/>
+              <a:rPr lang="en-US"/>
               <a:t>Third level</a:t>
             </a:r>
           </a:p>
           <a:p>
             <a:pPr lvl="3"/>
             <a:r>
-              <a:rPr lang="en-US" smtClean="0"/>
+              <a:rPr lang="en-US"/>
               <a:t>Fourth level</a:t>
             </a:r>
           </a:p>
           <a:p>
             <a:pPr lvl="4"/>
             <a:r>
-              <a:rPr lang="en-US" smtClean="0"/>
+              <a:rPr lang="en-US"/>
               <a:t>Fifth level</a:t>
             </a:r>
             <a:endParaRPr lang="en-US" dirty="0"/>
@@ -2225,7 +2315,7 @@
           <a:p>
             <a:fld id="{D39C8547-764F-417E-AA1B-D2C8B5082AF7}" type="datetimeFigureOut">
               <a:rPr lang="en-US" smtClean="0"/>
-              <a:t>4/20/2016</a:t>
+              <a:t>9/24/2017</a:t>
             </a:fld>
             <a:endParaRPr lang="en-US"/>
           </a:p>
@@ -2424,7 +2514,7 @@
           </a:lstStyle>
           <a:p>
             <a:r>
-              <a:rPr lang="en-US" smtClean="0"/>
+              <a:rPr lang="en-US"/>
               <a:t>Click to edit Master title style</a:t>
             </a:r>
             <a:endParaRPr lang="en-US" dirty="0"/>
@@ -2545,7 +2635,7 @@
           <a:p>
             <a:pPr lvl="0"/>
             <a:r>
-              <a:rPr lang="en-US" smtClean="0"/>
+              <a:rPr lang="en-US"/>
               <a:t>Click to edit Master text styles</a:t>
             </a:r>
           </a:p>
@@ -2568,7 +2658,7 @@
           <a:p>
             <a:fld id="{D39C8547-764F-417E-AA1B-D2C8B5082AF7}" type="datetimeFigureOut">
               <a:rPr lang="en-US" smtClean="0"/>
-              <a:t>4/20/2016</a:t>
+              <a:t>9/24/2017</a:t>
             </a:fld>
             <a:endParaRPr lang="en-US"/>
           </a:p>
@@ -2705,7 +2795,7 @@
           <a:lstStyle/>
           <a:p>
             <a:r>
-              <a:rPr lang="en-US" smtClean="0"/>
+              <a:rPr lang="en-US"/>
               <a:t>Click to edit Master title style</a:t>
             </a:r>
             <a:endParaRPr lang="en-US" dirty="0"/>
@@ -2734,35 +2824,35 @@
           <a:p>
             <a:pPr lvl="0"/>
             <a:r>
-              <a:rPr lang="en-US" smtClean="0"/>
+              <a:rPr lang="en-US"/>
               <a:t>Click to edit Master text styles</a:t>
             </a:r>
           </a:p>
           <a:p>
             <a:pPr lvl="1"/>
             <a:r>
-              <a:rPr lang="en-US" smtClean="0"/>
+              <a:rPr lang="en-US"/>
               <a:t>Second level</a:t>
             </a:r>
           </a:p>
           <a:p>
             <a:pPr lvl="2"/>
             <a:r>
-              <a:rPr lang="en-US" smtClean="0"/>
+              <a:rPr lang="en-US"/>
               <a:t>Third level</a:t>
             </a:r>
           </a:p>
           <a:p>
             <a:pPr lvl="3"/>
             <a:r>
-              <a:rPr lang="en-US" smtClean="0"/>
+              <a:rPr lang="en-US"/>
               <a:t>Fourth level</a:t>
             </a:r>
           </a:p>
           <a:p>
             <a:pPr lvl="4"/>
             <a:r>
-              <a:rPr lang="en-US" smtClean="0"/>
+              <a:rPr lang="en-US"/>
               <a:t>Fifth level</a:t>
             </a:r>
             <a:endParaRPr lang="en-US" dirty="0"/>
@@ -2791,35 +2881,35 @@
           <a:p>
             <a:pPr lvl="0"/>
             <a:r>
-              <a:rPr lang="en-US" smtClean="0"/>
+              <a:rPr lang="en-US"/>
               <a:t>Click to edit Master text styles</a:t>
             </a:r>
           </a:p>
           <a:p>
             <a:pPr lvl="1"/>
             <a:r>
-              <a:rPr lang="en-US" smtClean="0"/>
+              <a:rPr lang="en-US"/>
               <a:t>Second level</a:t>
             </a:r>
           </a:p>
           <a:p>
             <a:pPr lvl="2"/>
             <a:r>
-              <a:rPr lang="en-US" smtClean="0"/>
+              <a:rPr lang="en-US"/>
               <a:t>Third level</a:t>
             </a:r>
           </a:p>
           <a:p>
             <a:pPr lvl="3"/>
             <a:r>
-              <a:rPr lang="en-US" smtClean="0"/>
+              <a:rPr lang="en-US"/>
               <a:t>Fourth level</a:t>
             </a:r>
           </a:p>
           <a:p>
             <a:pPr lvl="4"/>
             <a:r>
-              <a:rPr lang="en-US" smtClean="0"/>
+              <a:rPr lang="en-US"/>
               <a:t>Fifth level</a:t>
             </a:r>
             <a:endParaRPr lang="en-US" dirty="0"/>
@@ -2843,7 +2933,7 @@
           <a:p>
             <a:fld id="{D39C8547-764F-417E-AA1B-D2C8B5082AF7}" type="datetimeFigureOut">
               <a:rPr lang="en-US" smtClean="0"/>
-              <a:t>4/20/2016</a:t>
+              <a:t>9/24/2017</a:t>
             </a:fld>
             <a:endParaRPr lang="en-US"/>
           </a:p>
@@ -2942,7 +3032,7 @@
           <a:lstStyle/>
           <a:p>
             <a:r>
-              <a:rPr lang="en-US" smtClean="0"/>
+              <a:rPr lang="en-US"/>
               <a:t>Click to edit Master title style</a:t>
             </a:r>
             <a:endParaRPr lang="en-US" dirty="0"/>
@@ -3014,7 +3104,7 @@
           <a:p>
             <a:pPr lvl="0"/>
             <a:r>
-              <a:rPr lang="en-US" smtClean="0"/>
+              <a:rPr lang="en-US"/>
               <a:t>Click to edit Master text styles</a:t>
             </a:r>
           </a:p>
@@ -3042,35 +3132,35 @@
           <a:p>
             <a:pPr lvl="0"/>
             <a:r>
-              <a:rPr lang="en-US" smtClean="0"/>
+              <a:rPr lang="en-US"/>
               <a:t>Click to edit Master text styles</a:t>
             </a:r>
           </a:p>
           <a:p>
             <a:pPr lvl="1"/>
             <a:r>
-              <a:rPr lang="en-US" smtClean="0"/>
+              <a:rPr lang="en-US"/>
               <a:t>Second level</a:t>
             </a:r>
           </a:p>
           <a:p>
             <a:pPr lvl="2"/>
             <a:r>
-              <a:rPr lang="en-US" smtClean="0"/>
+              <a:rPr lang="en-US"/>
               <a:t>Third level</a:t>
             </a:r>
           </a:p>
           <a:p>
             <a:pPr lvl="3"/>
             <a:r>
-              <a:rPr lang="en-US" smtClean="0"/>
+              <a:rPr lang="en-US"/>
               <a:t>Fourth level</a:t>
             </a:r>
           </a:p>
           <a:p>
             <a:pPr lvl="4"/>
             <a:r>
-              <a:rPr lang="en-US" smtClean="0"/>
+              <a:rPr lang="en-US"/>
               <a:t>Fifth level</a:t>
             </a:r>
             <a:endParaRPr lang="en-US" dirty="0"/>
@@ -3142,7 +3232,7 @@
           <a:p>
             <a:pPr lvl="0"/>
             <a:r>
-              <a:rPr lang="en-US" smtClean="0"/>
+              <a:rPr lang="en-US"/>
               <a:t>Click to edit Master text styles</a:t>
             </a:r>
           </a:p>
@@ -3170,35 +3260,35 @@
           <a:p>
             <a:pPr lvl="0"/>
             <a:r>
-              <a:rPr lang="en-US" smtClean="0"/>
+              <a:rPr lang="en-US"/>
               <a:t>Click to edit Master text styles</a:t>
             </a:r>
           </a:p>
           <a:p>
             <a:pPr lvl="1"/>
             <a:r>
-              <a:rPr lang="en-US" smtClean="0"/>
+              <a:rPr lang="en-US"/>
               <a:t>Second level</a:t>
             </a:r>
           </a:p>
           <a:p>
             <a:pPr lvl="2"/>
             <a:r>
-              <a:rPr lang="en-US" smtClean="0"/>
+              <a:rPr lang="en-US"/>
               <a:t>Third level</a:t>
             </a:r>
           </a:p>
           <a:p>
             <a:pPr lvl="3"/>
             <a:r>
-              <a:rPr lang="en-US" smtClean="0"/>
+              <a:rPr lang="en-US"/>
               <a:t>Fourth level</a:t>
             </a:r>
           </a:p>
           <a:p>
             <a:pPr lvl="4"/>
             <a:r>
-              <a:rPr lang="en-US" smtClean="0"/>
+              <a:rPr lang="en-US"/>
               <a:t>Fifth level</a:t>
             </a:r>
             <a:endParaRPr lang="en-US" dirty="0"/>
@@ -3222,7 +3312,7 @@
           <a:p>
             <a:fld id="{D39C8547-764F-417E-AA1B-D2C8B5082AF7}" type="datetimeFigureOut">
               <a:rPr lang="en-US" smtClean="0"/>
-              <a:t>4/20/2016</a:t>
+              <a:t>9/24/2017</a:t>
             </a:fld>
             <a:endParaRPr lang="en-US"/>
           </a:p>
@@ -3316,7 +3406,7 @@
           <a:lstStyle/>
           <a:p>
             <a:r>
-              <a:rPr lang="en-US" smtClean="0"/>
+              <a:rPr lang="en-US"/>
               <a:t>Click to edit Master title style</a:t>
             </a:r>
             <a:endParaRPr lang="en-US" dirty="0"/>
@@ -3340,7 +3430,7 @@
           <a:p>
             <a:fld id="{D39C8547-764F-417E-AA1B-D2C8B5082AF7}" type="datetimeFigureOut">
               <a:rPr lang="en-US" smtClean="0"/>
-              <a:t>4/20/2016</a:t>
+              <a:t>9/24/2017</a:t>
             </a:fld>
             <a:endParaRPr lang="en-US"/>
           </a:p>
@@ -3511,7 +3601,7 @@
           <a:p>
             <a:fld id="{D39C8547-764F-417E-AA1B-D2C8B5082AF7}" type="datetimeFigureOut">
               <a:rPr lang="en-US" smtClean="0"/>
-              <a:t>4/20/2016</a:t>
+              <a:t>9/24/2017</a:t>
             </a:fld>
             <a:endParaRPr lang="en-US"/>
           </a:p>
@@ -3704,7 +3794,7 @@
           </a:lstStyle>
           <a:p>
             <a:r>
-              <a:rPr lang="en-US" smtClean="0"/>
+              <a:rPr lang="en-US"/>
               <a:t>Click to edit Master title style</a:t>
             </a:r>
             <a:endParaRPr lang="en-US" dirty="0"/>
@@ -3733,35 +3823,35 @@
           <a:p>
             <a:pPr lvl="0"/>
             <a:r>
-              <a:rPr lang="en-US" smtClean="0"/>
+              <a:rPr lang="en-US"/>
               <a:t>Click to edit Master text styles</a:t>
             </a:r>
           </a:p>
           <a:p>
             <a:pPr lvl="1"/>
             <a:r>
-              <a:rPr lang="en-US" smtClean="0"/>
+              <a:rPr lang="en-US"/>
               <a:t>Second level</a:t>
             </a:r>
           </a:p>
           <a:p>
             <a:pPr lvl="2"/>
             <a:r>
-              <a:rPr lang="en-US" smtClean="0"/>
+              <a:rPr lang="en-US"/>
               <a:t>Third level</a:t>
             </a:r>
           </a:p>
           <a:p>
             <a:pPr lvl="3"/>
             <a:r>
-              <a:rPr lang="en-US" smtClean="0"/>
+              <a:rPr lang="en-US"/>
               <a:t>Fourth level</a:t>
             </a:r>
           </a:p>
           <a:p>
             <a:pPr lvl="4"/>
             <a:r>
-              <a:rPr lang="en-US" smtClean="0"/>
+              <a:rPr lang="en-US"/>
               <a:t>Fifth level</a:t>
             </a:r>
             <a:endParaRPr lang="en-US" dirty="0"/>
@@ -3833,7 +3923,7 @@
           <a:p>
             <a:pPr lvl="0"/>
             <a:r>
-              <a:rPr lang="en-US" smtClean="0"/>
+              <a:rPr lang="en-US"/>
               <a:t>Click to edit Master text styles</a:t>
             </a:r>
           </a:p>
@@ -3865,7 +3955,7 @@
           <a:p>
             <a:fld id="{D39C8547-764F-417E-AA1B-D2C8B5082AF7}" type="datetimeFigureOut">
               <a:rPr lang="en-US" smtClean="0"/>
-              <a:t>4/20/2016</a:t>
+              <a:t>9/24/2017</a:t>
             </a:fld>
             <a:endParaRPr lang="en-US"/>
           </a:p>
@@ -4071,7 +4161,7 @@
           </a:lstStyle>
           <a:p>
             <a:r>
-              <a:rPr lang="en-US" smtClean="0"/>
+              <a:rPr lang="en-US"/>
               <a:t>Click to edit Master title style</a:t>
             </a:r>
             <a:endParaRPr lang="en-US" dirty="0"/>
@@ -4146,7 +4236,7 @@
           </a:lstStyle>
           <a:p>
             <a:r>
-              <a:rPr lang="en-US" smtClean="0"/>
+              <a:rPr lang="en-US"/>
               <a:t>Click icon to add picture</a:t>
             </a:r>
             <a:endParaRPr lang="en-US" dirty="0"/>
@@ -4224,7 +4314,7 @@
           <a:p>
             <a:pPr lvl="0"/>
             <a:r>
-              <a:rPr lang="en-US" smtClean="0"/>
+              <a:rPr lang="en-US"/>
               <a:t>Click to edit Master text styles</a:t>
             </a:r>
           </a:p>
@@ -4247,7 +4337,7 @@
           <a:p>
             <a:fld id="{D39C8547-764F-417E-AA1B-D2C8B5082AF7}" type="datetimeFigureOut">
               <a:rPr lang="en-US" smtClean="0"/>
-              <a:t>4/20/2016</a:t>
+              <a:t>9/24/2017</a:t>
             </a:fld>
             <a:endParaRPr lang="en-US"/>
           </a:p>
@@ -4432,7 +4522,7 @@
           <a:lstStyle/>
           <a:p>
             <a:r>
-              <a:rPr lang="en-US" smtClean="0"/>
+              <a:rPr lang="en-US"/>
               <a:t>Click to edit Master title style</a:t>
             </a:r>
             <a:endParaRPr lang="en-US" dirty="0"/>
@@ -4466,35 +4556,35 @@
           <a:p>
             <a:pPr lvl="0"/>
             <a:r>
-              <a:rPr lang="en-US" smtClean="0"/>
+              <a:rPr lang="en-US"/>
               <a:t>Click to edit Master text styles</a:t>
             </a:r>
           </a:p>
           <a:p>
             <a:pPr lvl="1"/>
             <a:r>
-              <a:rPr lang="en-US" smtClean="0"/>
+              <a:rPr lang="en-US"/>
               <a:t>Second level</a:t>
             </a:r>
           </a:p>
           <a:p>
             <a:pPr lvl="2"/>
             <a:r>
-              <a:rPr lang="en-US" smtClean="0"/>
+              <a:rPr lang="en-US"/>
               <a:t>Third level</a:t>
             </a:r>
           </a:p>
           <a:p>
             <a:pPr lvl="3"/>
             <a:r>
-              <a:rPr lang="en-US" smtClean="0"/>
+              <a:rPr lang="en-US"/>
               <a:t>Fourth level</a:t>
             </a:r>
           </a:p>
           <a:p>
             <a:pPr lvl="4"/>
             <a:r>
-              <a:rPr lang="en-US" smtClean="0"/>
+              <a:rPr lang="en-US"/>
               <a:t>Fifth level</a:t>
             </a:r>
             <a:endParaRPr lang="en-US" dirty="0"/>
@@ -4534,7 +4624,7 @@
           <a:p>
             <a:fld id="{D39C8547-764F-417E-AA1B-D2C8B5082AF7}" type="datetimeFigureOut">
               <a:rPr lang="en-US" smtClean="0"/>
-              <a:t>4/20/2016</a:t>
+              <a:t>9/24/2017</a:t>
             </a:fld>
             <a:endParaRPr lang="en-US"/>
           </a:p>
@@ -5076,25 +5166,24 @@
           <a:lstStyle/>
           <a:p>
             <a:r>
-              <a:rPr lang="en-US" sz="6000" dirty="0" smtClean="0"/>
+              <a:rPr lang="en-US" sz="6000" dirty="0"/>
               <a:t>It’s a </a:t>
             </a:r>
             <a:r>
-              <a:rPr lang="en-US" sz="6000" dirty="0" err="1" smtClean="0"/>
+              <a:rPr lang="en-US" sz="6000" dirty="0" err="1"/>
               <a:t>TRaP</a:t>
             </a:r>
             <a:r>
-              <a:rPr lang="en-US" sz="6000" dirty="0" smtClean="0"/>
+              <a:rPr lang="en-US" sz="6000" dirty="0"/>
               <a:t>: </a:t>
             </a:r>
             <a:br>
-              <a:rPr lang="en-US" sz="6000" dirty="0" smtClean="0"/>
+              <a:rPr lang="en-US" sz="6000" dirty="0"/>
             </a:br>
             <a:r>
-              <a:rPr lang="en-US" sz="6000" dirty="0" smtClean="0"/>
+              <a:rPr lang="en-US" sz="6000" dirty="0"/>
               <a:t>Table Randomization and Protection Against Function-Reuse Attacks</a:t>
             </a:r>
-            <a:endParaRPr lang="en-US" sz="6000" dirty="0"/>
           </a:p>
         </p:txBody>
       </p:sp>
@@ -5114,16 +5203,15 @@
           <a:lstStyle/>
           <a:p>
             <a:r>
-              <a:rPr lang="en-US" dirty="0" smtClean="0"/>
+              <a:rPr lang="en-US" dirty="0"/>
               <a:t>Written By: Crane et al.</a:t>
             </a:r>
           </a:p>
           <a:p>
             <a:r>
-              <a:rPr lang="en-US" dirty="0" smtClean="0"/>
+              <a:rPr lang="en-US" dirty="0"/>
               <a:t>Presented By: Bret Finley</a:t>
             </a:r>
-            <a:endParaRPr lang="en-US" dirty="0"/>
           </a:p>
         </p:txBody>
       </p:sp>
@@ -5173,10 +5261,9 @@
           <a:lstStyle/>
           <a:p>
             <a:r>
-              <a:rPr lang="en-US" dirty="0" smtClean="0"/>
+              <a:rPr lang="en-US" dirty="0"/>
               <a:t>Motivation</a:t>
             </a:r>
-            <a:endParaRPr lang="en-US" dirty="0"/>
           </a:p>
         </p:txBody>
       </p:sp>
@@ -5204,51 +5291,47 @@
           <a:p>
             <a:r>
               <a:rPr lang="en-US" sz="2800" dirty="0"/>
-              <a:t>Want to bolster </a:t>
-            </a:r>
-            <a:r>
-              <a:rPr lang="en-US" sz="2800" dirty="0" smtClean="0"/>
-              <a:t>randomization defenses for Code Reuse Attacks</a:t>
+              <a:t>Want to bolster randomization defenses for Code Reuse Attacks</a:t>
             </a:r>
           </a:p>
           <a:p>
             <a:pPr lvl="1"/>
             <a:r>
-              <a:rPr lang="en-US" sz="2800" dirty="0" smtClean="0"/>
+              <a:rPr lang="en-US" sz="2800" dirty="0"/>
               <a:t>RILC</a:t>
             </a:r>
           </a:p>
           <a:p>
             <a:pPr lvl="1"/>
             <a:r>
-              <a:rPr lang="en-US" sz="2800" dirty="0" smtClean="0"/>
+              <a:rPr lang="en-US" sz="2800" dirty="0"/>
               <a:t>COOP</a:t>
             </a:r>
           </a:p>
           <a:p>
             <a:r>
-              <a:rPr lang="en-US" sz="2800" dirty="0" smtClean="0"/>
+              <a:rPr lang="en-US" sz="2800" dirty="0"/>
               <a:t>Provide existing techniques with three contributions</a:t>
             </a:r>
           </a:p>
           <a:p>
             <a:pPr lvl="1"/>
             <a:r>
-              <a:rPr lang="en-US" sz="2800" dirty="0" smtClean="0"/>
+              <a:rPr lang="en-US" sz="2800" dirty="0"/>
               <a:t>Obfuscate object tables containing code pointers</a:t>
             </a:r>
           </a:p>
           <a:p>
             <a:pPr lvl="1"/>
             <a:r>
-              <a:rPr lang="en-US" sz="2800" dirty="0" smtClean="0"/>
+              <a:rPr lang="en-US" sz="2800" dirty="0"/>
               <a:t>Lay traps to discourage and diminish probing attacks</a:t>
             </a:r>
           </a:p>
           <a:p>
             <a:pPr lvl="1"/>
             <a:r>
-              <a:rPr lang="en-US" sz="2800" dirty="0" smtClean="0"/>
+              <a:rPr lang="en-US" sz="2800" dirty="0"/>
               <a:t>Modify virtual tables from read-access to execute-access, preventing layout disclosure</a:t>
             </a:r>
           </a:p>
@@ -5300,10 +5383,9 @@
           <a:lstStyle/>
           <a:p>
             <a:r>
-              <a:rPr lang="en-US" dirty="0" smtClean="0"/>
+              <a:rPr lang="en-US" dirty="0"/>
               <a:t>Inheritance in C++</a:t>
             </a:r>
-            <a:endParaRPr lang="en-US" dirty="0"/>
           </a:p>
         </p:txBody>
       </p:sp>
@@ -5330,49 +5412,45 @@
           <a:lstStyle/>
           <a:p>
             <a:r>
-              <a:rPr lang="en-US" sz="2800" dirty="0" smtClean="0"/>
+              <a:rPr lang="en-US" sz="2800" dirty="0"/>
               <a:t>Unlike Java, C++ supports multiple inheritance</a:t>
             </a:r>
           </a:p>
           <a:p>
             <a:r>
-              <a:rPr lang="en-US" sz="2800" dirty="0" smtClean="0"/>
-              <a:t>Inherited methods must be explicitly defined with the </a:t>
-            </a:r>
-            <a:r>
-              <a:rPr lang="en-US" sz="2800" i="1" dirty="0" smtClean="0"/>
+              <a:rPr lang="en-US" sz="2800" dirty="0"/>
+              <a:t>Inherited methods explicitly defined with the </a:t>
+            </a:r>
+            <a:r>
+              <a:rPr lang="en-US" sz="2800" i="1" dirty="0"/>
               <a:t>virtual </a:t>
             </a:r>
             <a:r>
-              <a:rPr lang="en-US" sz="2800" dirty="0" smtClean="0"/>
+              <a:rPr lang="en-US" sz="2800" dirty="0"/>
               <a:t>keyword</a:t>
             </a:r>
           </a:p>
           <a:p>
             <a:r>
               <a:rPr lang="en-US" sz="2800" dirty="0"/>
-              <a:t>If a method is not specified to be virtual then subclasses may not override </a:t>
-            </a:r>
-            <a:r>
-              <a:rPr lang="en-US" sz="2800" dirty="0" smtClean="0"/>
-              <a:t>it</a:t>
-            </a:r>
-          </a:p>
-          <a:p>
-            <a:r>
-              <a:rPr lang="en-US" sz="2800" dirty="0" smtClean="0"/>
+              <a:t>Non-virtual methods may not be overridden by subclasses</a:t>
+            </a:r>
+          </a:p>
+          <a:p>
+            <a:r>
+              <a:rPr lang="en-US" sz="2800" dirty="0"/>
               <a:t>Virtual methods have bodies, pure virtual (abstract) methods do not</a:t>
             </a:r>
           </a:p>
           <a:p>
             <a:r>
-              <a:rPr lang="en-US" sz="2800" dirty="0" smtClean="0"/>
+              <a:rPr lang="en-US" sz="2800" dirty="0"/>
               <a:t>Non-virtual methods are compiled statically and called directly</a:t>
             </a:r>
           </a:p>
           <a:p>
             <a:r>
-              <a:rPr lang="en-US" sz="2800" dirty="0" smtClean="0"/>
+              <a:rPr lang="en-US" sz="2800" dirty="0"/>
               <a:t>Virtual method calls depend on the calling context</a:t>
             </a:r>
           </a:p>
@@ -5424,10 +5502,9 @@
           <a:lstStyle/>
           <a:p>
             <a:r>
-              <a:rPr lang="en-US" dirty="0" smtClean="0"/>
+              <a:rPr lang="en-US" dirty="0"/>
               <a:t>Virtual Methods</a:t>
             </a:r>
-            <a:endParaRPr lang="en-US" dirty="0"/>
           </a:p>
         </p:txBody>
       </p:sp>
@@ -5449,30 +5526,29 @@
           <a:lstStyle/>
           <a:p>
             <a:r>
-              <a:rPr lang="en-US" sz="2800" dirty="0" smtClean="0"/>
+              <a:rPr lang="en-US" sz="2800" dirty="0"/>
               <a:t>Virtual method calls contain a pointer to a table</a:t>
             </a:r>
           </a:p>
           <a:p>
             <a:r>
-              <a:rPr lang="en-US" sz="2800" dirty="0" smtClean="0"/>
+              <a:rPr lang="en-US" sz="2800" dirty="0"/>
               <a:t>The </a:t>
             </a:r>
             <a:r>
-              <a:rPr lang="en-US" sz="2800" dirty="0" err="1" smtClean="0"/>
+              <a:rPr lang="en-US" sz="2800" dirty="0" err="1"/>
               <a:t>VTable</a:t>
             </a:r>
             <a:r>
-              <a:rPr lang="en-US" sz="2800" dirty="0" smtClean="0"/>
-              <a:t> (virtual table) contains all of the overridden versions of a method</a:t>
-            </a:r>
-          </a:p>
-          <a:p>
-            <a:r>
-              <a:rPr lang="en-US" sz="2800" dirty="0" smtClean="0"/>
-              <a:t>The pointer will select the correct entry in the virtual table when the function is called</a:t>
-            </a:r>
-            <a:endParaRPr lang="en-US" sz="2800" dirty="0"/>
+              <a:rPr lang="en-US" sz="2800" dirty="0"/>
+              <a:t> (virtual table) contains overridden versions of a method</a:t>
+            </a:r>
+          </a:p>
+          <a:p>
+            <a:r>
+              <a:rPr lang="en-US" sz="2800" dirty="0"/>
+              <a:t>Correct entry is selected at runtime, when the function is called</a:t>
+            </a:r>
           </a:p>
         </p:txBody>
       </p:sp>
@@ -5486,13 +5562,6 @@
   <p:clrMapOvr>
     <a:masterClrMapping/>
   </p:clrMapOvr>
-  <p:timing>
-    <p:tnLst>
-      <p:par>
-        <p:cTn id="1" dur="indefinite" restart="never" nodeType="tmRoot"/>
-      </p:par>
-    </p:tnLst>
-  </p:timing>
 </p:sld>
 </file>
 
@@ -5543,7 +5612,7 @@
           </p:nvPr>
         </p:nvPicPr>
         <p:blipFill>
-          <a:blip r:embed="rId2">
+          <a:blip r:embed="rId3">
             <a:extLst>
               <a:ext uri="{28A0092B-C50C-407E-A947-70E740481C1C}">
                 <a14:useLocalDpi xmlns:a14="http://schemas.microsoft.com/office/drawing/2010/main" val="0"/>
@@ -5570,7 +5639,7 @@
           <p:nvPr/>
         </p:nvPicPr>
         <p:blipFill>
-          <a:blip r:embed="rId3">
+          <a:blip r:embed="rId4">
             <a:extLst>
               <a:ext uri="{28A0092B-C50C-407E-A947-70E740481C1C}">
                 <a14:useLocalDpi xmlns:a14="http://schemas.microsoft.com/office/drawing/2010/main" val="0"/>
@@ -5601,13 +5670,6 @@
   <p:clrMapOvr>
     <a:masterClrMapping/>
   </p:clrMapOvr>
-  <p:timing>
-    <p:tnLst>
-      <p:par>
-        <p:cTn id="1" dur="indefinite" restart="never" nodeType="tmRoot"/>
-      </p:par>
-    </p:tnLst>
-  </p:timing>
 </p:sld>
 </file>
 
@@ -5644,10 +5706,9 @@
           <a:lstStyle/>
           <a:p>
             <a:r>
-              <a:rPr lang="en-US" dirty="0" smtClean="0"/>
+              <a:rPr lang="en-US" dirty="0"/>
               <a:t>Function Linking at Runtime</a:t>
             </a:r>
-            <a:endParaRPr lang="en-US" dirty="0"/>
           </a:p>
         </p:txBody>
       </p:sp>
@@ -5669,22 +5730,21 @@
           <a:lstStyle/>
           <a:p>
             <a:r>
-              <a:rPr lang="en-US" sz="2800" dirty="0" smtClean="0"/>
-              <a:t>Dynamic linking allows for late binding between symbols and their routines</a:t>
-            </a:r>
-          </a:p>
-          <a:p>
-            <a:r>
-              <a:rPr lang="en-US" sz="2800" dirty="0" smtClean="0"/>
-              <a:t>This allows for varied program behavior given a single function call</a:t>
-            </a:r>
-          </a:p>
-          <a:p>
-            <a:r>
-              <a:rPr lang="en-US" sz="2800" dirty="0" smtClean="0"/>
-              <a:t>Symbols-to-function addresses are kept in tables which can be looked up (and even modified) at runtime</a:t>
-            </a:r>
-            <a:endParaRPr lang="en-US" sz="2800" dirty="0"/>
+              <a:rPr lang="en-US" sz="2800" dirty="0"/>
+              <a:t>Dynamic linking allows late binding between symbols and their routines</a:t>
+            </a:r>
+          </a:p>
+          <a:p>
+            <a:r>
+              <a:rPr lang="en-US" sz="2800" dirty="0"/>
+              <a:t>Allows for varied program behavior given a single function call</a:t>
+            </a:r>
+          </a:p>
+          <a:p>
+            <a:r>
+              <a:rPr lang="en-US" sz="2800" dirty="0"/>
+              <a:t>Symbols-to-function addresses are kept in tables, resolved (and even modified) at runtime</a:t>
+            </a:r>
           </a:p>
         </p:txBody>
       </p:sp>
@@ -5698,13 +5758,6 @@
   <p:clrMapOvr>
     <a:masterClrMapping/>
   </p:clrMapOvr>
-  <p:timing>
-    <p:tnLst>
-      <p:par>
-        <p:cTn id="1" dur="indefinite" restart="never" nodeType="tmRoot"/>
-      </p:par>
-    </p:tnLst>
-  </p:timing>
 </p:sld>
 </file>
 
@@ -5741,11 +5794,11 @@
           <a:lstStyle/>
           <a:p>
             <a:r>
-              <a:rPr lang="en-US" dirty="0" smtClean="0"/>
+              <a:rPr lang="en-US" dirty="0"/>
               <a:t>Exploiting </a:t>
             </a:r>
             <a:r>
-              <a:rPr lang="en-US" dirty="0" err="1" smtClean="0"/>
+              <a:rPr lang="en-US" dirty="0" err="1"/>
               <a:t>VTables</a:t>
             </a:r>
             <a:endParaRPr lang="en-US" dirty="0"/>
@@ -5775,72 +5828,62 @@
           <a:lstStyle/>
           <a:p>
             <a:r>
-              <a:rPr lang="en-US" sz="2800" dirty="0" smtClean="0"/>
-              <a:t>The COOP attack works by replacing the legitimate </a:t>
-            </a:r>
-            <a:r>
-              <a:rPr lang="en-US" sz="2800" dirty="0" err="1" smtClean="0"/>
-              <a:t>vtable</a:t>
-            </a:r>
-            <a:r>
-              <a:rPr lang="en-US" sz="2800" dirty="0" smtClean="0"/>
+              <a:rPr lang="en-US" sz="2800" dirty="0"/>
+              <a:t>Virtual tables contain function pointers stored in read-only memory</a:t>
+            </a:r>
+          </a:p>
+          <a:p>
+            <a:r>
+              <a:rPr lang="en-US" sz="2800" dirty="0"/>
+              <a:t>However, The pointer to the table itself, is stored in writable memory</a:t>
+            </a:r>
+            <a:endParaRPr lang="en-US" sz="2800" dirty="0"/>
+          </a:p>
+          <a:p>
+            <a:r>
+              <a:rPr lang="en-US" sz="2800" dirty="0"/>
+              <a:t>COOP attack replaces the legitimate </a:t>
+            </a:r>
+            <a:r>
+              <a:rPr lang="en-US" sz="2800" dirty="0" err="1"/>
+              <a:t>VTable</a:t>
+            </a:r>
+            <a:r>
+              <a:rPr lang="en-US" sz="2800" dirty="0"/>
               <a:t> with a malicious </a:t>
             </a:r>
             <a:r>
-              <a:rPr lang="en-US" sz="2800" dirty="0" err="1" smtClean="0"/>
-              <a:t>vtable</a:t>
-            </a:r>
-            <a:r>
-              <a:rPr lang="en-US" sz="2800" dirty="0" smtClean="0"/>
-              <a:t> </a:t>
-            </a:r>
-          </a:p>
-          <a:p>
-            <a:r>
-              <a:rPr lang="en-US" sz="2800" dirty="0" smtClean="0"/>
-              <a:t>Virtual table contains function pointers which are stored in read-only memory</a:t>
-            </a:r>
-          </a:p>
-          <a:p>
-            <a:r>
-              <a:rPr lang="en-US" sz="2800" dirty="0" smtClean="0"/>
-              <a:t>However, The pointer to the table</a:t>
-            </a:r>
-            <a:r>
-              <a:rPr lang="en-US" sz="2800" dirty="0"/>
-              <a:t> </a:t>
-            </a:r>
-            <a:r>
-              <a:rPr lang="en-US" sz="2800" dirty="0" smtClean="0"/>
-              <a:t>itself, is stored in writable memory</a:t>
-            </a:r>
-          </a:p>
-          <a:p>
-            <a:r>
-              <a:rPr lang="en-US" sz="2800" dirty="0" smtClean="0"/>
+              <a:rPr lang="en-US" sz="2800" dirty="0" err="1"/>
+              <a:t>VTable</a:t>
+            </a:r>
+            <a:endParaRPr lang="en-US" sz="2800" dirty="0"/>
+          </a:p>
+          <a:p>
+            <a:r>
+              <a:rPr lang="en-US" sz="2800" dirty="0"/>
               <a:t>To execute the attack, the attacker must</a:t>
             </a:r>
           </a:p>
           <a:p>
             <a:pPr lvl="1"/>
             <a:r>
-              <a:rPr lang="en-US" sz="2600" dirty="0" smtClean="0"/>
-              <a:t>Craft their very own virtual table</a:t>
+              <a:rPr lang="en-US" sz="2600" dirty="0"/>
+              <a:t>Craft their own virtual table</a:t>
             </a:r>
           </a:p>
           <a:p>
             <a:pPr lvl="1"/>
             <a:r>
-              <a:rPr lang="en-US" sz="2600" dirty="0" smtClean="0"/>
-              <a:t>Overwrite the existing </a:t>
-            </a:r>
-            <a:r>
-              <a:rPr lang="en-US" sz="2600" dirty="0" err="1" smtClean="0"/>
-              <a:t>vtable</a:t>
-            </a:r>
-            <a:r>
-              <a:rPr lang="en-US" sz="2600" dirty="0" smtClean="0"/>
-              <a:t> pointer to their own virtual table</a:t>
+              <a:rPr lang="en-US" sz="2600" dirty="0"/>
+              <a:t>Overwrite existing </a:t>
+            </a:r>
+            <a:r>
+              <a:rPr lang="en-US" sz="2600" dirty="0" err="1"/>
+              <a:t>VTable</a:t>
+            </a:r>
+            <a:r>
+              <a:rPr lang="en-US" sz="2600" dirty="0"/>
+              <a:t> pointer to point to their virtual table</a:t>
             </a:r>
           </a:p>
         </p:txBody>
@@ -5855,13 +5898,6 @@
   <p:clrMapOvr>
     <a:masterClrMapping/>
   </p:clrMapOvr>
-  <p:timing>
-    <p:tnLst>
-      <p:par>
-        <p:cTn id="1" dur="indefinite" restart="never" nodeType="tmRoot"/>
-      </p:par>
-    </p:tnLst>
-  </p:timing>
 </p:sld>
 </file>
 
@@ -5898,18 +5934,17 @@
           <a:lstStyle/>
           <a:p>
             <a:r>
-              <a:rPr lang="en-US" dirty="0" smtClean="0"/>
+              <a:rPr lang="en-US" dirty="0"/>
               <a:t>Exploiting </a:t>
             </a:r>
             <a:r>
-              <a:rPr lang="en-US" dirty="0" err="1" smtClean="0"/>
+              <a:rPr lang="en-US" dirty="0" err="1"/>
               <a:t>VTables</a:t>
             </a:r>
             <a:r>
-              <a:rPr lang="en-US" dirty="0" smtClean="0"/>
+              <a:rPr lang="en-US" dirty="0"/>
               <a:t> Cont.</a:t>
             </a:r>
-            <a:endParaRPr lang="en-US" dirty="0"/>
           </a:p>
         </p:txBody>
       </p:sp>
@@ -5929,18 +5964,14 @@
           <a:lstStyle/>
           <a:p>
             <a:r>
-              <a:rPr lang="en-US" sz="2800" dirty="0" smtClean="0"/>
-              <a:t>Once this is done, the next virtual table lookup will point to the malicious table</a:t>
-            </a:r>
-          </a:p>
-          <a:p>
-            <a:r>
-              <a:rPr lang="en-US" sz="2800" dirty="0" smtClean="0"/>
-              <a:t>Essentially, the attacker interposes </a:t>
-            </a:r>
-            <a:r>
-              <a:rPr lang="en-US" sz="2800" dirty="0"/>
-              <a:t>their own virtual table</a:t>
+              <a:rPr lang="en-US" sz="2800" dirty="0"/>
+              <a:t>Once done, following table lookups will point to the malicious table</a:t>
+            </a:r>
+          </a:p>
+          <a:p>
+            <a:r>
+              <a:rPr lang="en-US" sz="2800" dirty="0"/>
+              <a:t>Essentially, the attacker interposes their own virtual table</a:t>
             </a:r>
           </a:p>
           <a:p>
@@ -5953,7 +5984,15 @@
           <a:p>
             <a:r>
               <a:rPr lang="en-US" sz="2800" dirty="0"/>
-              <a:t>Once corrupted, the attacker may inject their own methods in place of legitimate methods</a:t>
+              <a:t>With the </a:t>
+            </a:r>
+            <a:r>
+              <a:rPr lang="en-US" sz="2800" dirty="0" err="1"/>
+              <a:t>VTable</a:t>
+            </a:r>
+            <a:r>
+              <a:rPr lang="en-US" sz="2800" dirty="0"/>
+              <a:t> corrupted, the attacker may inject their own methods in place of legitimate methods</a:t>
             </a:r>
           </a:p>
           <a:p>
@@ -5971,13 +6010,6 @@
   <p:clrMapOvr>
     <a:masterClrMapping/>
   </p:clrMapOvr>
-  <p:timing>
-    <p:tnLst>
-      <p:par>
-        <p:cTn id="1" dur="indefinite" restart="never" nodeType="tmRoot"/>
-      </p:par>
-    </p:tnLst>
-  </p:timing>
 </p:sld>
 </file>
 
@@ -6014,10 +6046,9 @@
           <a:lstStyle/>
           <a:p>
             <a:r>
-              <a:rPr lang="en-US" dirty="0" smtClean="0"/>
-              <a:t>Main Loop Gadget</a:t>
-            </a:r>
-            <a:endParaRPr lang="en-US" dirty="0"/>
+              <a:rPr lang="en-US" dirty="0"/>
+              <a:t>ML-G</a:t>
+            </a:r>
           </a:p>
         </p:txBody>
       </p:sp>
@@ -6039,57 +6070,57 @@
           <a:lstStyle/>
           <a:p>
             <a:r>
-              <a:rPr lang="en-US" sz="2800" dirty="0" smtClean="0"/>
+              <a:rPr lang="en-US" sz="2800" dirty="0"/>
+              <a:t>“Main Loop Gadget”</a:t>
+            </a:r>
+          </a:p>
+          <a:p>
+            <a:r>
+              <a:rPr lang="en-US" sz="2800" dirty="0"/>
               <a:t>Analogue to gadgets from ROP</a:t>
             </a:r>
           </a:p>
           <a:p>
             <a:r>
-              <a:rPr lang="en-US" sz="2800" dirty="0" smtClean="0"/>
-              <a:t>Otherwise know as ML-G</a:t>
-            </a:r>
-          </a:p>
-          <a:p>
-            <a:r>
-              <a:rPr lang="en-US" sz="2800" dirty="0" smtClean="0"/>
-              <a:t>Defined as: “The first virtual function that is executed in a COOP attack and its role is to dispatch the other virtual functions, called </a:t>
-            </a:r>
-            <a:r>
-              <a:rPr lang="en-US" sz="2800" i="1" dirty="0" err="1" smtClean="0"/>
+              <a:rPr lang="en-US" sz="2800" dirty="0"/>
+              <a:t>“The first virtual function that is executed in a COOP attack and its role is to dispatch the other virtual functions, called </a:t>
+            </a:r>
+            <a:r>
+              <a:rPr lang="en-US" sz="2800" i="1" dirty="0" err="1"/>
               <a:t>vfgadgets</a:t>
             </a:r>
             <a:r>
-              <a:rPr lang="en-US" sz="2800" i="1" dirty="0" smtClean="0"/>
+              <a:rPr lang="en-US" sz="2800" i="1" dirty="0"/>
               <a:t> </a:t>
             </a:r>
             <a:r>
-              <a:rPr lang="en-US" sz="2800" dirty="0" smtClean="0"/>
+              <a:rPr lang="en-US" sz="2800" dirty="0"/>
               <a:t>that make up the COOP attack”</a:t>
             </a:r>
           </a:p>
           <a:p>
             <a:r>
-              <a:rPr lang="en-US" sz="2800" dirty="0" smtClean="0"/>
+              <a:rPr lang="en-US" sz="2800" dirty="0"/>
               <a:t>One might think that the COOP threat may be nullified by removing potential ML-Gs</a:t>
             </a:r>
           </a:p>
           <a:p>
             <a:r>
-              <a:rPr lang="en-US" sz="2800" dirty="0" smtClean="0"/>
+              <a:rPr lang="en-US" sz="2800" dirty="0"/>
               <a:t>To disprove this, the authors devised two ML-Gs of their own</a:t>
             </a:r>
           </a:p>
           <a:p>
             <a:pPr lvl="1"/>
             <a:r>
-              <a:rPr lang="en-US" sz="2800" dirty="0" smtClean="0"/>
+              <a:rPr lang="en-US" sz="2800" dirty="0"/>
               <a:t>Recursive COOP</a:t>
             </a:r>
           </a:p>
           <a:p>
             <a:pPr lvl="1"/>
             <a:r>
-              <a:rPr lang="en-US" sz="2800" dirty="0" smtClean="0"/>
+              <a:rPr lang="en-US" sz="2800" dirty="0"/>
               <a:t>Unrolled COOP</a:t>
             </a:r>
           </a:p>
@@ -6108,13 +6139,6 @@
   <p:clrMapOvr>
     <a:masterClrMapping/>
   </p:clrMapOvr>
-  <p:timing>
-    <p:tnLst>
-      <p:par>
-        <p:cTn id="1" dur="indefinite" restart="never" nodeType="tmRoot"/>
-      </p:par>
-    </p:tnLst>
-  </p:timing>
 </p:sld>
 </file>
 
@@ -6151,10 +6175,9 @@
           <a:lstStyle/>
           <a:p>
             <a:r>
-              <a:rPr lang="en-US" dirty="0" smtClean="0"/>
+              <a:rPr lang="en-US" dirty="0"/>
               <a:t>Recursive COOP</a:t>
             </a:r>
-            <a:endParaRPr lang="en-US" dirty="0"/>
           </a:p>
         </p:txBody>
       </p:sp>
@@ -6175,20 +6198,12 @@
           <a:p>
             <a:r>
               <a:rPr lang="en-US" sz="2800" dirty="0"/>
-              <a:t>A</a:t>
-            </a:r>
-            <a:r>
-              <a:rPr lang="en-US" sz="2800" dirty="0" smtClean="0"/>
-              <a:t>ny </a:t>
-            </a:r>
-            <a:r>
-              <a:rPr lang="en-US" sz="2800" dirty="0"/>
-              <a:t>virtual method which invokes further virtual methods is a candidate for attack</a:t>
-            </a:r>
-          </a:p>
-          <a:p>
-            <a:r>
-              <a:rPr lang="en-US" sz="2800" dirty="0" smtClean="0"/>
+              <a:t>Any virtual method which invokes further virtual methods is a candidate for attack</a:t>
+            </a:r>
+          </a:p>
+          <a:p>
+            <a:r>
+              <a:rPr lang="en-US" sz="2800" dirty="0"/>
               <a:t>Destructors which call further destructors are the most popular target</a:t>
             </a:r>
           </a:p>
@@ -6204,13 +6219,6 @@
   <p:clrMapOvr>
     <a:masterClrMapping/>
   </p:clrMapOvr>
-  <p:timing>
-    <p:tnLst>
-      <p:par>
-        <p:cTn id="1" dur="indefinite" restart="never" nodeType="tmRoot"/>
-      </p:par>
-    </p:tnLst>
-  </p:timing>
 </p:sld>
 </file>
 
@@ -6289,13 +6297,6 @@
   <p:clrMapOvr>
     <a:masterClrMapping/>
   </p:clrMapOvr>
-  <p:timing>
-    <p:tnLst>
-      <p:par>
-        <p:cTn id="1" dur="indefinite" restart="never" nodeType="tmRoot"/>
-      </p:par>
-    </p:tnLst>
-  </p:timing>
 </p:sld>
 </file>
 
@@ -6332,10 +6333,9 @@
           <a:lstStyle/>
           <a:p>
             <a:r>
-              <a:rPr lang="en-US" dirty="0" smtClean="0"/>
+              <a:rPr lang="en-US" dirty="0"/>
               <a:t>Memory Corruption Attacks</a:t>
             </a:r>
-            <a:endParaRPr lang="en-US" dirty="0"/>
           </a:p>
         </p:txBody>
       </p:sp>
@@ -6352,52 +6352,52 @@
         <p:spPr/>
         <p:txBody>
           <a:bodyPr>
-            <a:normAutofit lnSpcReduction="10000"/>
+            <a:normAutofit/>
           </a:bodyPr>
           <a:lstStyle/>
           <a:p>
             <a:r>
-              <a:rPr lang="en-US" sz="2800" dirty="0" smtClean="0"/>
-              <a:t>Sometimes referred to as stack-smashing</a:t>
-            </a:r>
-          </a:p>
-          <a:p>
-            <a:r>
-              <a:rPr lang="en-US" sz="2800" dirty="0" smtClean="0"/>
-              <a:t>These attacks exploit data stored in RAM</a:t>
+              <a:rPr lang="en-US" sz="2800" dirty="0"/>
+              <a:t>Known as stack-smashing</a:t>
+            </a:r>
+          </a:p>
+          <a:p>
+            <a:r>
+              <a:rPr lang="en-US" sz="2800" dirty="0"/>
+              <a:t>Exploit data stored in RAM</a:t>
             </a:r>
           </a:p>
           <a:p>
             <a:pPr lvl="1"/>
             <a:r>
-              <a:rPr lang="en-US" sz="2800" dirty="0" smtClean="0"/>
+              <a:rPr lang="en-US" sz="2800" dirty="0"/>
               <a:t>Execute data as machine instructions</a:t>
             </a:r>
           </a:p>
           <a:p>
             <a:pPr lvl="1"/>
             <a:r>
-              <a:rPr lang="en-US" sz="2800" dirty="0" smtClean="0"/>
+              <a:rPr lang="en-US" sz="2800" dirty="0"/>
               <a:t>Buffer-Overflow corrupts and overwrites legitimate data</a:t>
             </a:r>
           </a:p>
           <a:p>
             <a:pPr lvl="1"/>
             <a:r>
-              <a:rPr lang="en-US" sz="2800" dirty="0" smtClean="0"/>
-              <a:t>Overwriting return address can lead to the Program Counter (PC) being hijacked</a:t>
-            </a:r>
-          </a:p>
-          <a:p>
-            <a:r>
-              <a:rPr lang="en-US" sz="2800" dirty="0" smtClean="0"/>
-              <a:t>Especially prevalent in languages which utilize manual memory allocation/deallocation</a:t>
+              <a:rPr lang="en-US" sz="2800" dirty="0"/>
+              <a:t>Overwriting return address hijacks the Program Counter (PC)</a:t>
+            </a:r>
+          </a:p>
+          <a:p>
+            <a:r>
+              <a:rPr lang="en-US" sz="2800" dirty="0"/>
+              <a:t>Prevalent in languages with manual memory allocation/deallocation</a:t>
             </a:r>
           </a:p>
           <a:p>
             <a:pPr lvl="1"/>
             <a:r>
-              <a:rPr lang="en-US" sz="2800" dirty="0" smtClean="0"/>
+              <a:rPr lang="en-US" sz="2800" dirty="0"/>
               <a:t>Most notably C and C++</a:t>
             </a:r>
           </a:p>
@@ -6405,7 +6405,7 @@
             <a:pPr marL="0" indent="0">
               <a:buNone/>
             </a:pPr>
-            <a:endParaRPr lang="en-US" dirty="0" smtClean="0"/>
+            <a:endParaRPr lang="en-US" dirty="0"/>
           </a:p>
         </p:txBody>
       </p:sp>
@@ -6455,10 +6455,9 @@
           <a:lstStyle/>
           <a:p>
             <a:r>
-              <a:rPr lang="en-US" dirty="0" smtClean="0"/>
+              <a:rPr lang="en-US" dirty="0"/>
               <a:t>Unrolled COOP</a:t>
             </a:r>
-            <a:endParaRPr lang="en-US" dirty="0"/>
           </a:p>
         </p:txBody>
       </p:sp>
@@ -6478,20 +6477,20 @@
           <a:lstStyle/>
           <a:p>
             <a:r>
-              <a:rPr lang="en-US" sz="2800" dirty="0" smtClean="0"/>
+              <a:rPr lang="en-US" sz="2800" dirty="0"/>
               <a:t>Possible to devise an attack without recursion or iteration</a:t>
             </a:r>
           </a:p>
           <a:p>
             <a:r>
-              <a:rPr lang="en-US" sz="2800" dirty="0" smtClean="0"/>
-              <a:t>A series of two or more virtual method calls provide an opportunity for an ML-G</a:t>
-            </a:r>
-          </a:p>
-          <a:p>
-            <a:r>
-              <a:rPr lang="en-US" sz="2800" dirty="0" smtClean="0"/>
-              <a:t>Remember that the destructors called here need to be virtual</a:t>
+              <a:rPr lang="en-US" sz="2800" dirty="0"/>
+              <a:t>Two or more virtual calls provide an opportunity for an ML-G</a:t>
+            </a:r>
+          </a:p>
+          <a:p>
+            <a:r>
+              <a:rPr lang="en-US" sz="2800" dirty="0"/>
+              <a:t>Note that the destructors called here need to be virtual</a:t>
             </a:r>
           </a:p>
         </p:txBody>
@@ -6536,13 +6535,6 @@
   <p:clrMapOvr>
     <a:masterClrMapping/>
   </p:clrMapOvr>
-  <p:timing>
-    <p:tnLst>
-      <p:par>
-        <p:cTn id="1" dur="indefinite" restart="never" nodeType="tmRoot"/>
-      </p:par>
-    </p:tnLst>
-  </p:timing>
 </p:sld>
 </file>
 
@@ -6579,7 +6571,7 @@
           <a:lstStyle/>
           <a:p>
             <a:r>
-              <a:rPr lang="en-US" smtClean="0"/>
+              <a:rPr lang="en-US"/>
               <a:t>Security Requirements</a:t>
             </a:r>
             <a:endParaRPr lang="en-US" dirty="0"/>
@@ -6603,85 +6595,82 @@
           </a:xfrm>
         </p:spPr>
         <p:txBody>
-          <a:bodyPr/>
-          <a:lstStyle/>
-          <a:p>
-            <a:r>
-              <a:rPr lang="en-US" dirty="0" smtClean="0"/>
+          <a:bodyPr>
+            <a:noAutofit/>
+          </a:bodyPr>
+          <a:lstStyle/>
+          <a:p>
+            <a:r>
+              <a:rPr lang="en-US" sz="2400" dirty="0"/>
               <a:t>Writable OR Executable, not both</a:t>
             </a:r>
           </a:p>
           <a:p>
             <a:pPr lvl="1"/>
             <a:r>
-              <a:rPr lang="en-US" dirty="0" smtClean="0"/>
+              <a:rPr lang="en-US" sz="2000" dirty="0"/>
               <a:t>Table-splitting and randomization</a:t>
             </a:r>
           </a:p>
           <a:p>
             <a:r>
-              <a:rPr lang="en-US" dirty="0" smtClean="0"/>
+              <a:rPr lang="en-US" sz="2400" dirty="0"/>
               <a:t>Execute Only Instructions</a:t>
             </a:r>
           </a:p>
           <a:p>
             <a:pPr lvl="1"/>
             <a:r>
-              <a:rPr lang="en-US" dirty="0" smtClean="0"/>
+              <a:rPr lang="en-US" sz="2000" dirty="0"/>
               <a:t>CPU may fetch and execute instructions, but reading and writing instructions is not allowed</a:t>
             </a:r>
           </a:p>
           <a:p>
             <a:pPr lvl="1"/>
             <a:r>
-              <a:rPr lang="en-US" dirty="0" smtClean="0"/>
+              <a:rPr lang="en-US" sz="2000" dirty="0"/>
               <a:t>Store functions in execute-only memory</a:t>
             </a:r>
           </a:p>
           <a:p>
             <a:r>
-              <a:rPr lang="en-US" dirty="0" smtClean="0"/>
+              <a:rPr lang="en-US" sz="2400" dirty="0"/>
               <a:t>JIT Protection</a:t>
             </a:r>
           </a:p>
           <a:p>
             <a:pPr lvl="1"/>
             <a:r>
-              <a:rPr lang="en-US" dirty="0" smtClean="0"/>
+              <a:rPr lang="en-US" sz="2000" dirty="0"/>
               <a:t>Protect against real-time memory disclosure</a:t>
             </a:r>
           </a:p>
           <a:p>
             <a:pPr lvl="1"/>
             <a:r>
-              <a:rPr lang="en-US" dirty="0"/>
-              <a:t>T</a:t>
-            </a:r>
-            <a:r>
-              <a:rPr lang="en-US" dirty="0" smtClean="0"/>
-              <a:t>rampolines</a:t>
-            </a:r>
-          </a:p>
-          <a:p>
-            <a:r>
-              <a:rPr lang="en-US" dirty="0" smtClean="0"/>
+              <a:rPr lang="en-US" sz="2000" dirty="0"/>
+              <a:t>Trampolines</a:t>
+            </a:r>
+          </a:p>
+          <a:p>
+            <a:r>
+              <a:rPr lang="en-US" sz="2400" dirty="0"/>
               <a:t>Defense Against Brute Force and Probing</a:t>
             </a:r>
           </a:p>
           <a:p>
             <a:pPr lvl="1"/>
             <a:r>
-              <a:rPr lang="en-US" dirty="0" smtClean="0"/>
+              <a:rPr lang="en-US" sz="2000" dirty="0"/>
               <a:t>Brute-Force attacks could incrementally reveal the randomized address space</a:t>
             </a:r>
           </a:p>
           <a:p>
             <a:pPr lvl="1"/>
             <a:r>
-              <a:rPr lang="en-US" dirty="0" smtClean="0"/>
+              <a:rPr lang="en-US" sz="2000" dirty="0"/>
               <a:t>Booby-traps</a:t>
             </a:r>
-            <a:endParaRPr lang="en-US" dirty="0"/>
           </a:p>
         </p:txBody>
       </p:sp>
@@ -6731,10 +6720,9 @@
           <a:lstStyle/>
           <a:p>
             <a:r>
-              <a:rPr lang="en-US" dirty="0" smtClean="0"/>
+              <a:rPr lang="en-US" dirty="0"/>
               <a:t>Countering Attacks</a:t>
             </a:r>
-            <a:endParaRPr lang="en-US" dirty="0"/>
           </a:p>
         </p:txBody>
       </p:sp>
@@ -6756,7 +6744,7 @@
           <a:lstStyle/>
           <a:p>
             <a:r>
-              <a:rPr lang="en-US" sz="2800" dirty="0" smtClean="0"/>
+              <a:rPr lang="en-US" sz="2800" dirty="0"/>
               <a:t>“Show that probabilistic defenses can thwart function reuse attacks”</a:t>
             </a:r>
           </a:p>
@@ -6770,32 +6758,32 @@
               <a:t>Readactor</a:t>
             </a:r>
             <a:r>
-              <a:rPr lang="en-US" sz="2800" dirty="0" smtClean="0"/>
+              <a:rPr lang="en-US" sz="2800" dirty="0"/>
               <a:t>++</a:t>
             </a:r>
           </a:p>
           <a:p>
             <a:r>
-              <a:rPr lang="en-US" sz="2800" dirty="0" err="1" smtClean="0"/>
+              <a:rPr lang="en-US" sz="2800" dirty="0" err="1"/>
               <a:t>Readactor</a:t>
             </a:r>
             <a:r>
-              <a:rPr lang="en-US" sz="2800" dirty="0" smtClean="0"/>
+              <a:rPr lang="en-US" sz="2800" dirty="0"/>
               <a:t> is a security framework aimed at combatting ROP attacks</a:t>
             </a:r>
           </a:p>
           <a:p>
             <a:r>
-              <a:rPr lang="en-US" sz="2800" dirty="0" smtClean="0"/>
-              <a:t>Wanted to extend </a:t>
-            </a:r>
-            <a:r>
-              <a:rPr lang="en-US" sz="2800" dirty="0" err="1" smtClean="0"/>
+              <a:rPr lang="en-US" sz="2800" dirty="0"/>
+              <a:t>Aimed to extend </a:t>
+            </a:r>
+            <a:r>
+              <a:rPr lang="en-US" sz="2800" dirty="0" err="1"/>
               <a:t>Readactor</a:t>
             </a:r>
             <a:r>
-              <a:rPr lang="en-US" sz="2800" dirty="0" smtClean="0"/>
-              <a:t> so it could defend against COOP attacks as well</a:t>
+              <a:rPr lang="en-US" sz="2800" dirty="0"/>
+              <a:t> so it could defend against COOP attacks</a:t>
             </a:r>
           </a:p>
         </p:txBody>
@@ -6846,10 +6834,9 @@
           <a:lstStyle/>
           <a:p>
             <a:r>
-              <a:rPr lang="en-US" dirty="0" smtClean="0"/>
+              <a:rPr lang="en-US" dirty="0"/>
               <a:t>Countering Attacks Cont.</a:t>
             </a:r>
-            <a:endParaRPr lang="en-US" dirty="0"/>
           </a:p>
         </p:txBody>
       </p:sp>
@@ -6907,20 +6894,16 @@
             <a:pPr lvl="1"/>
             <a:r>
               <a:rPr lang="en-US" sz="2800" dirty="0"/>
-              <a:t>Randomize Virtual Table layout to make injection more </a:t>
-            </a:r>
-            <a:r>
-              <a:rPr lang="en-US" sz="2800" dirty="0" smtClean="0"/>
-              <a:t>difficult</a:t>
-            </a:r>
-          </a:p>
-          <a:p>
-            <a:r>
-              <a:rPr lang="en-US" sz="2800" dirty="0" err="1" smtClean="0"/>
+              <a:t>Randomize Virtual Table layout to make injection more difficult</a:t>
+            </a:r>
+          </a:p>
+          <a:p>
+            <a:r>
+              <a:rPr lang="en-US" sz="2800" dirty="0" err="1"/>
               <a:t>Readactor</a:t>
             </a:r>
             <a:r>
-              <a:rPr lang="en-US" sz="2800" dirty="0" smtClean="0"/>
+              <a:rPr lang="en-US" sz="2800" dirty="0"/>
               <a:t>++ took the form of a modified C++ compiler</a:t>
             </a:r>
             <a:endParaRPr lang="en-US" sz="3000" dirty="0"/>
@@ -6940,13 +6923,6 @@
   <p:clrMapOvr>
     <a:masterClrMapping/>
   </p:clrMapOvr>
-  <p:timing>
-    <p:tnLst>
-      <p:par>
-        <p:cTn id="1" dur="indefinite" restart="never" nodeType="tmRoot"/>
-      </p:par>
-    </p:tnLst>
-  </p:timing>
 </p:sld>
 </file>
 
@@ -6983,18 +6959,17 @@
           <a:lstStyle/>
           <a:p>
             <a:r>
-              <a:rPr lang="en-US" dirty="0" smtClean="0"/>
+              <a:rPr lang="en-US" dirty="0"/>
               <a:t>Overview of </a:t>
             </a:r>
             <a:r>
-              <a:rPr lang="en-US" dirty="0" err="1" smtClean="0"/>
+              <a:rPr lang="en-US" dirty="0" err="1"/>
               <a:t>Readactor</a:t>
             </a:r>
             <a:r>
-              <a:rPr lang="en-US" dirty="0" smtClean="0"/>
+              <a:rPr lang="en-US" dirty="0"/>
               <a:t>++</a:t>
             </a:r>
-            <a:endParaRPr lang="en-US" dirty="0"/>
           </a:p>
         </p:txBody>
       </p:sp>
@@ -7038,13 +7013,6 @@
   <p:clrMapOvr>
     <a:masterClrMapping/>
   </p:clrMapOvr>
-  <p:timing>
-    <p:tnLst>
-      <p:par>
-        <p:cTn id="1" dur="indefinite" restart="never" nodeType="tmRoot"/>
-      </p:par>
-    </p:tnLst>
-  </p:timing>
 </p:sld>
 </file>
 
@@ -7081,10 +7049,9 @@
           <a:lstStyle/>
           <a:p>
             <a:r>
-              <a:rPr lang="en-US" dirty="0" smtClean="0"/>
+              <a:rPr lang="en-US" dirty="0"/>
               <a:t>Memory Disclosure</a:t>
             </a:r>
-            <a:endParaRPr lang="en-US" dirty="0"/>
           </a:p>
         </p:txBody>
       </p:sp>
@@ -7106,52 +7073,39 @@
           <a:lstStyle/>
           <a:p>
             <a:r>
-              <a:rPr lang="en-US" sz="2800" dirty="0" smtClean="0"/>
-              <a:t>Attackers can use tricks to force the system to disclose its memory layout</a:t>
+              <a:rPr lang="en-US" sz="2800" dirty="0"/>
+              <a:t>Attackers use tricks to force system to disclose memory layout</a:t>
             </a:r>
           </a:p>
           <a:p>
             <a:pPr lvl="1"/>
             <a:r>
-              <a:rPr lang="en-US" sz="2800" dirty="0" smtClean="0"/>
+              <a:rPr lang="en-US" sz="2800" dirty="0"/>
               <a:t>Read the code segment of the program stack</a:t>
             </a:r>
           </a:p>
           <a:p>
             <a:pPr lvl="1"/>
             <a:r>
-              <a:rPr lang="en-US" sz="2800" dirty="0" smtClean="0"/>
+              <a:rPr lang="en-US" sz="2800" dirty="0"/>
               <a:t>Read code pointers from </a:t>
             </a:r>
             <a:r>
-              <a:rPr lang="en-US" sz="2800" dirty="0" err="1" smtClean="0"/>
-              <a:t>vtables</a:t>
-            </a:r>
-            <a:r>
-              <a:rPr lang="en-US" sz="2800" dirty="0" smtClean="0"/>
-              <a:t>, </a:t>
-            </a:r>
-            <a:r>
-              <a:rPr lang="en-US" sz="2800" dirty="0" smtClean="0"/>
-              <a:t>stack, </a:t>
-            </a:r>
-            <a:r>
-              <a:rPr lang="en-US" sz="2800" dirty="0" smtClean="0"/>
-              <a:t>or </a:t>
-            </a:r>
-            <a:r>
-              <a:rPr lang="en-US" sz="2800" dirty="0" smtClean="0"/>
-              <a:t>heap</a:t>
-            </a:r>
-            <a:endParaRPr lang="en-US" sz="2800" dirty="0" smtClean="0"/>
-          </a:p>
-          <a:p>
-            <a:r>
-              <a:rPr lang="en-US" sz="2800" dirty="0" err="1" smtClean="0"/>
+              <a:rPr lang="en-US" sz="2800" dirty="0" err="1"/>
+              <a:t>VTables</a:t>
+            </a:r>
+            <a:r>
+              <a:rPr lang="en-US" sz="2800" dirty="0"/>
+              <a:t>, stack, or heap</a:t>
+            </a:r>
+          </a:p>
+          <a:p>
+            <a:r>
+              <a:rPr lang="en-US" sz="2800" dirty="0" err="1"/>
               <a:t>Readactor</a:t>
             </a:r>
             <a:r>
-              <a:rPr lang="en-US" sz="2800" dirty="0" smtClean="0"/>
+              <a:rPr lang="en-US" sz="2800" dirty="0"/>
               <a:t>++ combats this by hiding all code pointers and replacing them with “trampolines”</a:t>
             </a:r>
           </a:p>
@@ -7167,13 +7121,6 @@
   <p:clrMapOvr>
     <a:masterClrMapping/>
   </p:clrMapOvr>
-  <p:timing>
-    <p:tnLst>
-      <p:par>
-        <p:cTn id="1" dur="indefinite" restart="never" nodeType="tmRoot"/>
-      </p:par>
-    </p:tnLst>
-  </p:timing>
 </p:sld>
 </file>
 
@@ -7210,10 +7157,9 @@
           <a:lstStyle/>
           <a:p>
             <a:r>
-              <a:rPr lang="en-US" dirty="0" smtClean="0"/>
+              <a:rPr lang="en-US" dirty="0"/>
               <a:t>Memory Disclosure Cont.</a:t>
             </a:r>
-            <a:endParaRPr lang="en-US" dirty="0"/>
           </a:p>
         </p:txBody>
       </p:sp>
@@ -7233,25 +7179,24 @@
           <a:lstStyle/>
           <a:p>
             <a:r>
-              <a:rPr lang="en-US" sz="2800" dirty="0"/>
-              <a:t>A trampoline is simply a jump instruction to the </a:t>
-            </a:r>
-            <a:r>
-              <a:rPr lang="en-US" sz="2800" dirty="0" smtClean="0"/>
-              <a:t>pointer</a:t>
-            </a:r>
-            <a:endParaRPr lang="en-US" sz="2800" dirty="0"/>
-          </a:p>
-          <a:p>
-            <a:r>
-              <a:rPr lang="en-US" sz="2800" dirty="0"/>
-              <a:t>Trampolines provide an extra layer of indirection which hides the code segment</a:t>
-            </a:r>
-          </a:p>
-          <a:p>
-            <a:r>
-              <a:rPr lang="en-US" sz="2800" dirty="0"/>
-              <a:t>Because trampolines may not be dereferenced (unlike pointers), attackers cannot force them to give away their memory layout</a:t>
+              <a:rPr lang="en-US" sz="2800" b="1" dirty="0"/>
+              <a:t>Trampoline</a:t>
+            </a:r>
+            <a:r>
+              <a:rPr lang="en-US" sz="2800" dirty="0"/>
+              <a:t> - a jump instruction to the function pointer</a:t>
+            </a:r>
+          </a:p>
+          <a:p>
+            <a:r>
+              <a:rPr lang="en-US" sz="2800" dirty="0"/>
+              <a:t>Trampolines provide extra layer of indirection, hides the code segment</a:t>
+            </a:r>
+          </a:p>
+          <a:p>
+            <a:r>
+              <a:rPr lang="en-US" sz="2800" dirty="0"/>
+              <a:t>Trampolines may not be dereferenced (unlike pointers), attackers cannot force them to disclose memory layout</a:t>
             </a:r>
           </a:p>
           <a:p>
@@ -7269,13 +7214,6 @@
   <p:clrMapOvr>
     <a:masterClrMapping/>
   </p:clrMapOvr>
-  <p:timing>
-    <p:tnLst>
-      <p:par>
-        <p:cTn id="1" dur="indefinite" restart="never" nodeType="tmRoot"/>
-      </p:par>
-    </p:tnLst>
-  </p:timing>
 </p:sld>
 </file>
 
@@ -7312,10 +7250,9 @@
           <a:lstStyle/>
           <a:p>
             <a:r>
-              <a:rPr lang="en-US" dirty="0" smtClean="0"/>
+              <a:rPr lang="en-US" dirty="0"/>
               <a:t>Trampolines</a:t>
             </a:r>
-            <a:endParaRPr lang="en-US" dirty="0"/>
           </a:p>
         </p:txBody>
       </p:sp>
@@ -7378,13 +7315,6 @@
   <p:clrMapOvr>
     <a:masterClrMapping/>
   </p:clrMapOvr>
-  <p:timing>
-    <p:tnLst>
-      <p:par>
-        <p:cTn id="1" dur="indefinite" restart="never" nodeType="tmRoot"/>
-      </p:par>
-    </p:tnLst>
-  </p:timing>
 </p:sld>
 </file>
 
@@ -7421,10 +7351,9 @@
           <a:lstStyle/>
           <a:p>
             <a:r>
-              <a:rPr lang="en-US" dirty="0" smtClean="0"/>
+              <a:rPr lang="en-US" dirty="0"/>
               <a:t>Virtual Table Randomization</a:t>
             </a:r>
-            <a:endParaRPr lang="en-US" dirty="0"/>
           </a:p>
         </p:txBody>
       </p:sp>
@@ -7451,33 +7380,36 @@
           <a:lstStyle/>
           <a:p>
             <a:r>
-              <a:rPr lang="en-US" sz="2800" dirty="0" smtClean="0"/>
-              <a:t>Every C++ object contains necessary metadata for pointing to its virtual table</a:t>
+              <a:rPr lang="en-US" sz="2800" dirty="0"/>
+              <a:t>Every C++ object contains metadata for pointing to its virtual table</a:t>
             </a:r>
           </a:p>
           <a:p>
             <a:pPr lvl="1"/>
             <a:r>
-              <a:rPr lang="en-US" sz="2800" dirty="0" smtClean="0"/>
-              <a:t>Known as the </a:t>
-            </a:r>
-            <a:r>
-              <a:rPr lang="en-US" sz="2800" dirty="0" err="1" smtClean="0"/>
+              <a:rPr lang="en-US" sz="2800" dirty="0"/>
+              <a:t>Known as the “</a:t>
+            </a:r>
+            <a:r>
+              <a:rPr lang="en-US" sz="2800" dirty="0" err="1"/>
               <a:t>vptr</a:t>
             </a:r>
-            <a:endParaRPr lang="en-US" sz="2800" dirty="0" smtClean="0"/>
-          </a:p>
-          <a:p>
-            <a:r>
-              <a:rPr lang="en-US" sz="2800" dirty="0" smtClean="0"/>
-              <a:t>Simply randomizing the object’s metadata layout is not enough</a:t>
+            <a:r>
+              <a:rPr lang="en-US" sz="2800" dirty="0"/>
+              <a:t>”</a:t>
+            </a:r>
+          </a:p>
+          <a:p>
+            <a:r>
+              <a:rPr lang="en-US" sz="2800" dirty="0"/>
+              <a:t>Randomizing object’s metadata layout is not enough</a:t>
             </a:r>
           </a:p>
           <a:p>
             <a:pPr lvl="1"/>
             <a:r>
-              <a:rPr lang="en-US" sz="2800" dirty="0" smtClean="0"/>
-              <a:t>Can be attacked much the same as address randomization</a:t>
+              <a:rPr lang="en-US" sz="2800" dirty="0"/>
+              <a:t>Can be attacked like address randomization</a:t>
             </a:r>
           </a:p>
         </p:txBody>
@@ -7492,13 +7424,6 @@
   <p:clrMapOvr>
     <a:masterClrMapping/>
   </p:clrMapOvr>
-  <p:timing>
-    <p:tnLst>
-      <p:par>
-        <p:cTn id="1" dur="indefinite" restart="never" nodeType="tmRoot"/>
-      </p:par>
-    </p:tnLst>
-  </p:timing>
 </p:sld>
 </file>
 
@@ -7535,10 +7460,9 @@
           <a:lstStyle/>
           <a:p>
             <a:r>
-              <a:rPr lang="en-US" dirty="0" smtClean="0"/>
+              <a:rPr lang="en-US" dirty="0"/>
               <a:t>Virtual Table Randomization Cont.</a:t>
             </a:r>
-            <a:endParaRPr lang="en-US" dirty="0"/>
           </a:p>
         </p:txBody>
       </p:sp>
@@ -7559,21 +7483,13 @@
           <a:p>
             <a:r>
               <a:rPr lang="en-US" sz="2800" dirty="0"/>
-              <a:t>The virtual table’s themselves are better candidates for randomization</a:t>
-            </a:r>
-          </a:p>
-          <a:p>
-            <a:r>
-              <a:rPr lang="en-US" sz="2800" dirty="0"/>
-              <a:t>O</a:t>
-            </a:r>
-            <a:r>
-              <a:rPr lang="en-US" sz="2800" dirty="0" smtClean="0"/>
-              <a:t>nce these tables are randomized, we need </a:t>
-            </a:r>
-            <a:r>
-              <a:rPr lang="en-US" sz="2800" dirty="0"/>
-              <a:t>to prevent code pointers from being read</a:t>
+              <a:t>Virtual tables are better candidates for randomization</a:t>
+            </a:r>
+          </a:p>
+          <a:p>
+            <a:r>
+              <a:rPr lang="en-US" sz="2800" dirty="0"/>
+              <a:t>Once tables are randomized, need to prevent code pointers from being read</a:t>
             </a:r>
           </a:p>
           <a:p>
@@ -7600,13 +7516,6 @@
   <p:clrMapOvr>
     <a:masterClrMapping/>
   </p:clrMapOvr>
-  <p:timing>
-    <p:tnLst>
-      <p:par>
-        <p:cTn id="1" dur="indefinite" restart="never" nodeType="tmRoot"/>
-      </p:par>
-    </p:tnLst>
-  </p:timing>
 </p:sld>
 </file>
 
@@ -7643,10 +7552,9 @@
           <a:lstStyle/>
           <a:p>
             <a:r>
-              <a:rPr lang="en-US" dirty="0" smtClean="0"/>
+              <a:rPr lang="en-US" dirty="0"/>
               <a:t>Code Injection Attack</a:t>
             </a:r>
-            <a:endParaRPr lang="en-US" dirty="0"/>
           </a:p>
         </p:txBody>
       </p:sp>
@@ -7668,26 +7576,27 @@
           <a:lstStyle/>
           <a:p>
             <a:r>
-              <a:rPr lang="en-US" sz="2800" dirty="0" smtClean="0"/>
-              <a:t>Code Injection seeks to supplant legitimate code with that of malicious code</a:t>
-            </a:r>
-          </a:p>
-          <a:p>
-            <a:r>
-              <a:rPr lang="en-US" sz="2800" dirty="0" smtClean="0"/>
+              <a:rPr lang="en-US" sz="2800" dirty="0"/>
+              <a:t>Supplants legitimate code with malicious code</a:t>
+            </a:r>
+          </a:p>
+          <a:p>
+            <a:r>
+              <a:rPr lang="en-US" sz="2800" dirty="0"/>
+              <a:t>Malicious code is introduced into the system from an outside source</a:t>
+            </a:r>
+            <a:endParaRPr lang="en-US" sz="2800" dirty="0"/>
+          </a:p>
+          <a:p>
+            <a:r>
+              <a:rPr lang="en-US" sz="2800" dirty="0"/>
               <a:t>Overflow a buffer with malicious, carefully crafted code</a:t>
             </a:r>
           </a:p>
           <a:p>
             <a:r>
-              <a:rPr lang="en-US" sz="2800" dirty="0" smtClean="0"/>
-              <a:t>The hijacked program counter will return into the attacker’s code</a:t>
-            </a:r>
-          </a:p>
-          <a:p>
-            <a:r>
-              <a:rPr lang="en-US" sz="2800" dirty="0" smtClean="0"/>
-              <a:t>Malicious code is freshly introduced into the system from an outside source</a:t>
+              <a:rPr lang="en-US" sz="2800" dirty="0"/>
+              <a:t>Hijacked program counter will return into the injected code</a:t>
             </a:r>
           </a:p>
         </p:txBody>
@@ -7811,13 +7720,6 @@
   <p:clrMapOvr>
     <a:masterClrMapping/>
   </p:clrMapOvr>
-  <p:timing>
-    <p:tnLst>
-      <p:par>
-        <p:cTn id="1" dur="indefinite" restart="never" nodeType="tmRoot"/>
-      </p:par>
-    </p:tnLst>
-  </p:timing>
 </p:sld>
 </file>
 
@@ -7854,10 +7756,9 @@
           <a:lstStyle/>
           <a:p>
             <a:r>
-              <a:rPr lang="en-US" dirty="0" smtClean="0"/>
+              <a:rPr lang="en-US" dirty="0"/>
               <a:t>Guessing Attacks</a:t>
             </a:r>
-            <a:endParaRPr lang="en-US" dirty="0"/>
           </a:p>
         </p:txBody>
       </p:sp>
@@ -7874,67 +7775,67 @@
         <p:spPr/>
         <p:txBody>
           <a:bodyPr>
-            <a:normAutofit lnSpcReduction="10000"/>
+            <a:normAutofit/>
           </a:bodyPr>
           <a:lstStyle/>
           <a:p>
             <a:r>
-              <a:rPr lang="en-US" sz="2800" dirty="0" smtClean="0"/>
-              <a:t>Brute force attacks on the virtual tables are a big concern</a:t>
-            </a:r>
-          </a:p>
-          <a:p>
-            <a:r>
-              <a:rPr lang="en-US" sz="2800" dirty="0" smtClean="0"/>
-              <a:t>Attacker could probe the randomized </a:t>
-            </a:r>
-            <a:r>
-              <a:rPr lang="en-US" sz="2800" dirty="0" err="1" smtClean="0"/>
-              <a:t>vtable</a:t>
-            </a:r>
-            <a:r>
-              <a:rPr lang="en-US" sz="2800" dirty="0" smtClean="0"/>
-              <a:t> until they are familiar with the layout</a:t>
-            </a:r>
-          </a:p>
-          <a:p>
-            <a:r>
-              <a:rPr lang="en-US" sz="2800" dirty="0" smtClean="0"/>
-              <a:t>Placing booby-traps in the execute-only portion of the </a:t>
-            </a:r>
-            <a:r>
-              <a:rPr lang="en-US" sz="2800" dirty="0" err="1" smtClean="0"/>
-              <a:t>vtable</a:t>
-            </a:r>
-            <a:r>
-              <a:rPr lang="en-US" sz="2800" dirty="0" smtClean="0"/>
+              <a:rPr lang="en-US" sz="2800" dirty="0"/>
+              <a:t>Brute force attacks can exploit virtual tables</a:t>
+            </a:r>
+          </a:p>
+          <a:p>
+            <a:r>
+              <a:rPr lang="en-US" sz="2800" dirty="0"/>
+              <a:t>Attacker probes the randomized </a:t>
+            </a:r>
+            <a:r>
+              <a:rPr lang="en-US" sz="2800" dirty="0" err="1"/>
+              <a:t>VTable</a:t>
+            </a:r>
+            <a:r>
+              <a:rPr lang="en-US" sz="2800" dirty="0"/>
+              <a:t> until familiar with the layout</a:t>
+            </a:r>
+          </a:p>
+          <a:p>
+            <a:r>
+              <a:rPr lang="en-US" sz="2800" dirty="0"/>
+              <a:t>Booby-traps in the execute-only </a:t>
+            </a:r>
+            <a:r>
+              <a:rPr lang="en-US" sz="2800" dirty="0" err="1"/>
+              <a:t>VTable</a:t>
+            </a:r>
+            <a:r>
+              <a:rPr lang="en-US" sz="2800" dirty="0"/>
               <a:t> will discourage probing</a:t>
             </a:r>
           </a:p>
           <a:p>
             <a:r>
-              <a:rPr lang="en-US" sz="2800" dirty="0" smtClean="0"/>
+              <a:rPr lang="en-US" sz="2800" dirty="0"/>
               <a:t>Triggering a booby trap</a:t>
             </a:r>
           </a:p>
           <a:p>
             <a:pPr lvl="1"/>
             <a:r>
-              <a:rPr lang="en-US" sz="2800" dirty="0" smtClean="0"/>
+              <a:rPr lang="en-US" sz="2800" dirty="0"/>
               <a:t>Program will immediately terminate</a:t>
             </a:r>
           </a:p>
           <a:p>
             <a:pPr lvl="1"/>
             <a:r>
-              <a:rPr lang="en-US" sz="2800" dirty="0" smtClean="0"/>
+              <a:rPr lang="en-US" sz="2800" dirty="0"/>
               <a:t>Virtual Table layout will freshly randomize</a:t>
             </a:r>
           </a:p>
           <a:p>
             <a:pPr lvl="1"/>
             <a:r>
-              <a:rPr lang="en-US" sz="2800" dirty="0" smtClean="0"/>
+              <a:rPr lang="en-US" sz="2800" dirty="0"/>
               <a:t>Application reports the activity to a system administrator</a:t>
             </a:r>
           </a:p>
@@ -7953,13 +7854,6 @@
   <p:clrMapOvr>
     <a:masterClrMapping/>
   </p:clrMapOvr>
-  <p:timing>
-    <p:tnLst>
-      <p:par>
-        <p:cTn id="1" dur="indefinite" restart="never" nodeType="tmRoot"/>
-      </p:par>
-    </p:tnLst>
-  </p:timing>
 </p:sld>
 </file>
 
@@ -8058,13 +7952,6 @@
   <p:clrMapOvr>
     <a:masterClrMapping/>
   </p:clrMapOvr>
-  <p:timing>
-    <p:tnLst>
-      <p:par>
-        <p:cTn id="1" dur="indefinite" restart="never" nodeType="tmRoot"/>
-      </p:par>
-    </p:tnLst>
-  </p:timing>
 </p:sld>
 </file>
 
@@ -8101,10 +7988,9 @@
           <a:lstStyle/>
           <a:p>
             <a:r>
-              <a:rPr lang="en-US" dirty="0" smtClean="0"/>
+              <a:rPr lang="en-US" dirty="0"/>
               <a:t>Procedure Linkage Table Randomization</a:t>
             </a:r>
-            <a:endParaRPr lang="en-US" dirty="0"/>
           </a:p>
         </p:txBody>
       </p:sp>
@@ -8126,55 +8012,51 @@
         </p:spPr>
         <p:txBody>
           <a:bodyPr>
-            <a:normAutofit lnSpcReduction="10000"/>
+            <a:normAutofit/>
           </a:bodyPr>
           <a:lstStyle/>
           <a:p>
             <a:r>
-              <a:rPr lang="en-US" sz="2800" dirty="0" smtClean="0"/>
-              <a:t>Acts as a map for dynamically linked library functions</a:t>
-            </a:r>
-          </a:p>
-          <a:p>
-            <a:r>
-              <a:rPr lang="en-US" sz="2800" dirty="0" smtClean="0"/>
+              <a:rPr lang="en-US" sz="2800" dirty="0"/>
+              <a:t>Map for dynamically linked library functions</a:t>
+            </a:r>
+          </a:p>
+          <a:p>
+            <a:r>
+              <a:rPr lang="en-US" sz="2800" dirty="0"/>
               <a:t>Exploiting this structure is vital to a RILC attack’s success</a:t>
             </a:r>
           </a:p>
           <a:p>
             <a:r>
-              <a:rPr lang="en-US" sz="2800" dirty="0" smtClean="0"/>
-              <a:t>Entries are usually organized in series, with the base addresses randomized</a:t>
-            </a:r>
-          </a:p>
-          <a:p>
-            <a:r>
-              <a:rPr lang="en-US" sz="2800" dirty="0" err="1" smtClean="0"/>
+              <a:rPr lang="en-US" sz="2800" dirty="0"/>
+              <a:t>Entries organized in series, with the base addresses randomized</a:t>
+            </a:r>
+          </a:p>
+          <a:p>
+            <a:r>
+              <a:rPr lang="en-US" sz="2800" dirty="0" err="1"/>
               <a:t>Readactor</a:t>
             </a:r>
             <a:r>
-              <a:rPr lang="en-US" sz="2800" dirty="0" smtClean="0"/>
-              <a:t>++ randomizes entries, as well as sets booby traps to protect against exploitation</a:t>
-            </a:r>
-          </a:p>
-          <a:p>
-            <a:r>
-              <a:rPr lang="en-US" sz="2800" dirty="0" smtClean="0"/>
-              <a:t>Trampolines are added to ensure the function locations cannot be dereferenced</a:t>
-            </a:r>
-          </a:p>
-          <a:p>
-            <a:r>
-              <a:rPr lang="en-US" sz="2800" dirty="0" smtClean="0"/>
-              <a:t>Lastly, </a:t>
-            </a:r>
-            <a:r>
-              <a:rPr lang="en-US" sz="2800" dirty="0" err="1" smtClean="0"/>
+              <a:rPr lang="en-US" sz="2800" dirty="0"/>
+              <a:t>++ randomizes entries, sets booby-traps to protect against exploitation</a:t>
+            </a:r>
+          </a:p>
+          <a:p>
+            <a:r>
+              <a:rPr lang="en-US" sz="2800" dirty="0"/>
+              <a:t>Trampolines ensure that function locations cannot be dereferenced</a:t>
+            </a:r>
+          </a:p>
+          <a:p>
+            <a:r>
+              <a:rPr lang="en-US" sz="2800" dirty="0" err="1"/>
               <a:t>TRaP</a:t>
             </a:r>
             <a:r>
-              <a:rPr lang="en-US" sz="2800" dirty="0" smtClean="0"/>
-              <a:t> data is collected in order to update call instructions with the new, random function address</a:t>
+              <a:rPr lang="en-US" sz="2800" dirty="0"/>
+              <a:t> data is collected to update call instructions with the new, randomized function address</a:t>
             </a:r>
           </a:p>
           <a:p>
@@ -8192,13 +8074,6 @@
   <p:clrMapOvr>
     <a:masterClrMapping/>
   </p:clrMapOvr>
-  <p:timing>
-    <p:tnLst>
-      <p:par>
-        <p:cTn id="1" dur="indefinite" restart="never" nodeType="tmRoot"/>
-      </p:par>
-    </p:tnLst>
-  </p:timing>
 </p:sld>
 </file>
 
@@ -8235,18 +8110,17 @@
           <a:lstStyle/>
           <a:p>
             <a:r>
-              <a:rPr lang="en-US" dirty="0" smtClean="0"/>
+              <a:rPr lang="en-US" dirty="0"/>
               <a:t>Overview of </a:t>
             </a:r>
             <a:r>
-              <a:rPr lang="en-US" dirty="0" err="1" smtClean="0"/>
+              <a:rPr lang="en-US" dirty="0" err="1"/>
               <a:t>Readactor</a:t>
             </a:r>
             <a:r>
-              <a:rPr lang="en-US" dirty="0" smtClean="0"/>
+              <a:rPr lang="en-US" dirty="0"/>
               <a:t>++</a:t>
             </a:r>
-            <a:endParaRPr lang="en-US" dirty="0"/>
           </a:p>
         </p:txBody>
       </p:sp>
@@ -8309,13 +8183,6 @@
   <p:clrMapOvr>
     <a:masterClrMapping/>
   </p:clrMapOvr>
-  <p:timing>
-    <p:tnLst>
-      <p:par>
-        <p:cTn id="1" dur="indefinite" restart="never" nodeType="tmRoot"/>
-      </p:par>
-    </p:tnLst>
-  </p:timing>
 </p:sld>
 </file>
 
@@ -8352,14 +8219,13 @@
           <a:lstStyle/>
           <a:p>
             <a:r>
-              <a:rPr lang="en-US" dirty="0" err="1" smtClean="0"/>
+              <a:rPr lang="en-US" dirty="0" err="1"/>
               <a:t>TRaP</a:t>
             </a:r>
             <a:r>
-              <a:rPr lang="en-US" dirty="0" smtClean="0"/>
+              <a:rPr lang="en-US" dirty="0"/>
               <a:t> Metadata</a:t>
             </a:r>
-            <a:endParaRPr lang="en-US" dirty="0"/>
           </a:p>
         </p:txBody>
       </p:sp>
@@ -8379,39 +8245,39 @@
           <a:lstStyle/>
           <a:p>
             <a:r>
-              <a:rPr lang="en-US" sz="2800" dirty="0" smtClean="0"/>
-              <a:t>Stands for “Table Randomization and Protection”</a:t>
-            </a:r>
-          </a:p>
-          <a:p>
-            <a:r>
-              <a:rPr lang="en-US" sz="2800" dirty="0" err="1" smtClean="0"/>
+              <a:rPr lang="en-US" sz="2800" dirty="0"/>
+              <a:t>“Table Randomization and Protection”</a:t>
+            </a:r>
+          </a:p>
+          <a:p>
+            <a:r>
+              <a:rPr lang="en-US" sz="2800" dirty="0" err="1"/>
               <a:t>TRaP</a:t>
             </a:r>
             <a:r>
-              <a:rPr lang="en-US" sz="2800" dirty="0" smtClean="0"/>
-              <a:t> info represents the newly randomized locations of dynamically loaded functions and </a:t>
-            </a:r>
-            <a:r>
-              <a:rPr lang="en-US" sz="2800" dirty="0" err="1" smtClean="0"/>
-              <a:t>vtables</a:t>
-            </a:r>
-            <a:endParaRPr lang="en-US" sz="2800" dirty="0" smtClean="0"/>
-          </a:p>
-          <a:p>
-            <a:r>
-              <a:rPr lang="en-US" sz="2800" dirty="0" err="1" smtClean="0"/>
+              <a:rPr lang="en-US" sz="2800" dirty="0"/>
+              <a:t> info denotes newly randomized locations of dynamically loaded functions and </a:t>
+            </a:r>
+            <a:r>
+              <a:rPr lang="en-US" sz="2800" dirty="0" err="1"/>
+              <a:t>VTables</a:t>
+            </a:r>
+            <a:endParaRPr lang="en-US" sz="2800" dirty="0"/>
+          </a:p>
+          <a:p>
+            <a:r>
+              <a:rPr lang="en-US" sz="2800" dirty="0" err="1"/>
               <a:t>TRaP</a:t>
             </a:r>
             <a:r>
-              <a:rPr lang="en-US" sz="2800" dirty="0" smtClean="0"/>
-              <a:t> is specialized metadata that is compiled into the binary directly</a:t>
-            </a:r>
-          </a:p>
-          <a:p>
-            <a:r>
-              <a:rPr lang="en-US" sz="2800" dirty="0" smtClean="0"/>
-              <a:t>Every dynamic function call and virtual call must be updated with the new address</a:t>
+              <a:rPr lang="en-US" sz="2800" dirty="0"/>
+              <a:t> is specialized metadata that is compiled directly into the binary</a:t>
+            </a:r>
+          </a:p>
+          <a:p>
+            <a:r>
+              <a:rPr lang="en-US" sz="2800" dirty="0"/>
+              <a:t>Dynamic function and virtual calls must be updated with the new address</a:t>
             </a:r>
           </a:p>
           <a:p>
@@ -8430,13 +8296,6 @@
   <p:clrMapOvr>
     <a:masterClrMapping/>
   </p:clrMapOvr>
-  <p:timing>
-    <p:tnLst>
-      <p:par>
-        <p:cTn id="1" dur="indefinite" restart="never" nodeType="tmRoot"/>
-      </p:par>
-    </p:tnLst>
-  </p:timing>
 </p:sld>
 </file>
 
@@ -8473,7 +8332,7 @@
           <a:lstStyle/>
           <a:p>
             <a:r>
-              <a:rPr lang="en-US" dirty="0" err="1" smtClean="0"/>
+              <a:rPr lang="en-US" dirty="0" err="1"/>
               <a:t>RandoLib</a:t>
             </a:r>
             <a:endParaRPr lang="en-US" dirty="0"/>
@@ -8498,10 +8357,9 @@
           <a:lstStyle/>
           <a:p>
             <a:r>
-              <a:rPr lang="en-US" sz="2800" dirty="0" smtClean="0"/>
+              <a:rPr lang="en-US" sz="2800" dirty="0"/>
               <a:t>Randomization engine for assigning new function addresses</a:t>
             </a:r>
-            <a:endParaRPr lang="en-US" sz="2800" dirty="0"/>
           </a:p>
           <a:p>
             <a:pPr marL="544068" lvl="1" indent="-342900">
@@ -8509,7 +8367,7 @@
               <a:buAutoNum type="arabicPeriod"/>
             </a:pPr>
             <a:r>
-              <a:rPr lang="en-US" sz="2800" dirty="0" smtClean="0"/>
+              <a:rPr lang="en-US" sz="2800" dirty="0"/>
               <a:t>Alter table layouts and locations</a:t>
             </a:r>
           </a:p>
@@ -8519,15 +8377,15 @@
               <a:buAutoNum type="arabicPeriod"/>
             </a:pPr>
             <a:r>
-              <a:rPr lang="en-US" sz="2800" dirty="0" smtClean="0"/>
+              <a:rPr lang="en-US" sz="2800" dirty="0"/>
               <a:t>Update call sites and references to change functions using the </a:t>
             </a:r>
             <a:r>
-              <a:rPr lang="en-US" sz="2800" dirty="0" err="1" smtClean="0"/>
+              <a:rPr lang="en-US" sz="2800" dirty="0" err="1"/>
               <a:t>TRaP</a:t>
             </a:r>
             <a:r>
-              <a:rPr lang="en-US" sz="2800" dirty="0" smtClean="0"/>
+              <a:rPr lang="en-US" sz="2800" dirty="0"/>
               <a:t> data</a:t>
             </a:r>
             <a:endParaRPr lang="en-US" sz="3000" dirty="0"/>
@@ -8544,13 +8402,6 @@
   <p:clrMapOvr>
     <a:masterClrMapping/>
   </p:clrMapOvr>
-  <p:timing>
-    <p:tnLst>
-      <p:par>
-        <p:cTn id="1" dur="indefinite" restart="never" nodeType="tmRoot"/>
-      </p:par>
-    </p:tnLst>
-  </p:timing>
 </p:sld>
 </file>
 
@@ -8587,10 +8438,9 @@
           <a:lstStyle/>
           <a:p>
             <a:r>
-              <a:rPr lang="en-US" dirty="0" smtClean="0"/>
+              <a:rPr lang="en-US" dirty="0"/>
               <a:t>Security Performance</a:t>
             </a:r>
-            <a:endParaRPr lang="en-US" dirty="0"/>
           </a:p>
         </p:txBody>
       </p:sp>
@@ -8617,86 +8467,71 @@
           <a:lstStyle/>
           <a:p>
             <a:r>
-              <a:rPr lang="en-US" sz="2800" dirty="0" smtClean="0"/>
+              <a:rPr lang="en-US" sz="2800" dirty="0"/>
               <a:t>Trampoline addresses are still readable</a:t>
             </a:r>
           </a:p>
           <a:p>
             <a:pPr lvl="1"/>
             <a:r>
-              <a:rPr lang="en-US" sz="2600" dirty="0" smtClean="0"/>
+              <a:rPr lang="en-US" sz="2600" dirty="0"/>
               <a:t>Possible security extension, could cause problems</a:t>
             </a:r>
-            <a:endParaRPr lang="en-US" sz="2600" dirty="0" smtClean="0"/>
-          </a:p>
-          <a:p>
-            <a:r>
-              <a:rPr lang="en-US" sz="2800" dirty="0" smtClean="0"/>
-              <a:t>Brute-Force </a:t>
-            </a:r>
-            <a:r>
-              <a:rPr lang="en-US" sz="2800" dirty="0" smtClean="0"/>
-              <a:t>Attacks</a:t>
+          </a:p>
+          <a:p>
+            <a:r>
+              <a:rPr lang="en-US" sz="2800" dirty="0"/>
+              <a:t>Brute-Force Attacks</a:t>
             </a:r>
           </a:p>
           <a:p>
             <a:pPr lvl="1"/>
             <a:r>
-              <a:rPr lang="en-US" sz="2800" dirty="0" smtClean="0"/>
-              <a:t>Probe the stack until the layout is </a:t>
-            </a:r>
-            <a:r>
-              <a:rPr lang="en-US" sz="2800" dirty="0" smtClean="0"/>
-              <a:t>known</a:t>
+              <a:rPr lang="en-US" sz="2800" dirty="0"/>
+              <a:t>Probe the stack until the layout is known</a:t>
             </a:r>
           </a:p>
           <a:p>
             <a:pPr lvl="1"/>
             <a:r>
-              <a:rPr lang="en-US" sz="2800" dirty="0" smtClean="0"/>
+              <a:rPr lang="en-US" sz="2800" dirty="0"/>
               <a:t>Booby-traps stopped almost all brute-force attacks</a:t>
             </a:r>
           </a:p>
           <a:p>
             <a:pPr lvl="1"/>
             <a:r>
-              <a:rPr lang="en-US" sz="2800" dirty="0" smtClean="0"/>
-              <a:t>Success rate was found to be about 0.0003%</a:t>
-            </a:r>
-            <a:endParaRPr lang="en-US" sz="2800" dirty="0" smtClean="0"/>
-          </a:p>
-          <a:p>
-            <a:r>
-              <a:rPr lang="en-US" sz="2800" dirty="0" smtClean="0"/>
+              <a:rPr lang="en-US" sz="2800" dirty="0"/>
+              <a:t>Success rate was 0.0003%</a:t>
+            </a:r>
+          </a:p>
+          <a:p>
+            <a:r>
+              <a:rPr lang="en-US" sz="2800" dirty="0"/>
               <a:t>Practical Attacks – Chromium Web Browser</a:t>
             </a:r>
           </a:p>
           <a:p>
             <a:pPr lvl="1"/>
             <a:r>
-              <a:rPr lang="en-US" sz="2800" dirty="0" smtClean="0"/>
-              <a:t>JavaScript was used to create read/write </a:t>
-            </a:r>
-            <a:r>
-              <a:rPr lang="en-US" sz="2800" dirty="0" smtClean="0"/>
-              <a:t>locations for both COOP and RILC attacks</a:t>
+              <a:rPr lang="en-US" sz="2800" dirty="0"/>
+              <a:t>JavaScript was used to create read/write locations for both COOP and RILC attacks</a:t>
             </a:r>
           </a:p>
           <a:p>
             <a:pPr lvl="1"/>
             <a:r>
-              <a:rPr lang="en-US" sz="2800" dirty="0" smtClean="0"/>
+              <a:rPr lang="en-US" sz="2800" dirty="0"/>
               <a:t>Both attacks were successful on vanilla Chromium and failed on Chromium compiled with </a:t>
             </a:r>
             <a:r>
-              <a:rPr lang="en-US" sz="2800" dirty="0" err="1" smtClean="0"/>
+              <a:rPr lang="en-US" sz="2800" dirty="0" err="1"/>
               <a:t>Readactor</a:t>
             </a:r>
             <a:r>
-              <a:rPr lang="en-US" sz="2800" dirty="0" smtClean="0"/>
+              <a:rPr lang="en-US" sz="2800" dirty="0"/>
               <a:t>++</a:t>
             </a:r>
-            <a:endParaRPr lang="en-US" sz="2800" dirty="0" smtClean="0"/>
           </a:p>
           <a:p>
             <a:endParaRPr lang="en-US" sz="3000" dirty="0"/>
@@ -8713,13 +8548,6 @@
   <p:clrMapOvr>
     <a:masterClrMapping/>
   </p:clrMapOvr>
-  <p:timing>
-    <p:tnLst>
-      <p:par>
-        <p:cTn id="1" dur="indefinite" restart="never" nodeType="tmRoot"/>
-      </p:par>
-    </p:tnLst>
-  </p:timing>
 </p:sld>
 </file>
 
@@ -8756,10 +8584,9 @@
           <a:lstStyle/>
           <a:p>
             <a:r>
-              <a:rPr lang="en-US" dirty="0" smtClean="0"/>
+              <a:rPr lang="en-US" dirty="0"/>
               <a:t>Runtime Efficiency Concerns</a:t>
             </a:r>
-            <a:endParaRPr lang="en-US" dirty="0"/>
           </a:p>
         </p:txBody>
       </p:sp>
@@ -8786,70 +8613,69 @@
           <a:lstStyle/>
           <a:p>
             <a:r>
-              <a:rPr lang="en-US" sz="2400" dirty="0" smtClean="0"/>
-              <a:t>Built the Chromium web browser using </a:t>
-            </a:r>
-            <a:r>
-              <a:rPr lang="en-US" sz="2400" dirty="0" err="1" smtClean="0"/>
+              <a:rPr lang="en-US" sz="2400" dirty="0"/>
+              <a:t>Chromium web browser was built using </a:t>
+            </a:r>
+            <a:r>
+              <a:rPr lang="en-US" sz="2400" dirty="0" err="1"/>
               <a:t>Readactor</a:t>
             </a:r>
             <a:r>
-              <a:rPr lang="en-US" sz="2400" dirty="0" smtClean="0"/>
+              <a:rPr lang="en-US" sz="2400" dirty="0"/>
               <a:t>++</a:t>
             </a:r>
           </a:p>
           <a:p>
             <a:r>
-              <a:rPr lang="en-US" sz="2400" dirty="0" smtClean="0"/>
+              <a:rPr lang="en-US" sz="2400" dirty="0"/>
               <a:t>Can only measure performance of C++ components in the Chromium system</a:t>
             </a:r>
           </a:p>
           <a:p>
             <a:r>
-              <a:rPr lang="en-US" sz="2400" dirty="0" smtClean="0"/>
+              <a:rPr lang="en-US" sz="2400" dirty="0"/>
               <a:t>Measured the performance of scrolling over a large web page</a:t>
             </a:r>
           </a:p>
           <a:p>
             <a:pPr lvl="1"/>
             <a:r>
-              <a:rPr lang="en-US" sz="2400" dirty="0" smtClean="0"/>
+              <a:rPr lang="en-US" sz="2400" dirty="0"/>
               <a:t>Google</a:t>
             </a:r>
           </a:p>
           <a:p>
             <a:pPr lvl="1"/>
             <a:r>
-              <a:rPr lang="en-US" sz="2400" dirty="0" smtClean="0"/>
+              <a:rPr lang="en-US" sz="2400" dirty="0"/>
               <a:t>Gmail</a:t>
             </a:r>
           </a:p>
           <a:p>
             <a:pPr lvl="1"/>
             <a:r>
-              <a:rPr lang="en-US" sz="2400" dirty="0" smtClean="0"/>
+              <a:rPr lang="en-US" sz="2400" dirty="0"/>
               <a:t>CNN</a:t>
             </a:r>
           </a:p>
           <a:p>
             <a:pPr lvl="1"/>
             <a:r>
-              <a:rPr lang="en-US" sz="2400" dirty="0" smtClean="0"/>
+              <a:rPr lang="en-US" sz="2400" dirty="0"/>
               <a:t>Facebook</a:t>
             </a:r>
           </a:p>
           <a:p>
             <a:r>
-              <a:rPr lang="en-US" sz="2400" dirty="0" smtClean="0"/>
-              <a:t>Table randomization alone resulted in about 1.0% overhead increase</a:t>
-            </a:r>
-          </a:p>
-          <a:p>
-            <a:r>
-              <a:rPr lang="en-US" sz="2400" dirty="0" smtClean="0"/>
-              <a:t>The addition of x-only memory and trampolines incurred a performance overhead of 7.9%</a:t>
-            </a:r>
-            <a:endParaRPr lang="en-US" sz="2400" dirty="0"/>
+              <a:rPr lang="en-US" sz="2400" dirty="0"/>
+              <a:t>Table randomization alone resulted in 1.0% overhead increase</a:t>
+            </a:r>
+          </a:p>
+          <a:p>
+            <a:r>
+              <a:rPr lang="en-US" sz="2400" dirty="0"/>
+              <a:t>The addition of x-only memory and trampolines incurred performance overhead of 7.9%</a:t>
+            </a:r>
           </a:p>
         </p:txBody>
       </p:sp>
@@ -8863,13 +8689,6 @@
   <p:clrMapOvr>
     <a:masterClrMapping/>
   </p:clrMapOvr>
-  <p:timing>
-    <p:tnLst>
-      <p:par>
-        <p:cTn id="1" dur="indefinite" restart="never" nodeType="tmRoot"/>
-      </p:par>
-    </p:tnLst>
-  </p:timing>
 </p:sld>
 </file>
 
@@ -8948,13 +8767,6 @@
   <p:clrMapOvr>
     <a:masterClrMapping/>
   </p:clrMapOvr>
-  <p:timing>
-    <p:tnLst>
-      <p:par>
-        <p:cTn id="1" dur="indefinite" restart="never" nodeType="tmRoot"/>
-      </p:par>
-    </p:tnLst>
-  </p:timing>
 </p:sld>
 </file>
 
@@ -8991,69 +8803,72 @@
           <a:lstStyle/>
           <a:p>
             <a:r>
-              <a:rPr lang="en-US" dirty="0" smtClean="0"/>
+              <a:rPr lang="en-US" dirty="0"/>
               <a:t>Code Reuse Attack</a:t>
             </a:r>
+          </a:p>
+        </p:txBody>
+      </p:sp>
+      <p:sp>
+        <p:nvSpPr>
+          <p:cNvPr id="3" name="Content Placeholder 2"/>
+          <p:cNvSpPr>
+            <a:spLocks noGrp="1"/>
+          </p:cNvSpPr>
+          <p:nvPr>
+            <p:ph idx="1"/>
+          </p:nvPr>
+        </p:nvSpPr>
+        <p:spPr/>
+        <p:txBody>
+          <a:bodyPr/>
+          <a:lstStyle/>
+          <a:p>
+            <a:r>
+              <a:rPr lang="en-US" sz="2800" dirty="0"/>
+              <a:t>Uses pre-existing system or library code, rather than injected code</a:t>
+            </a:r>
+          </a:p>
+          <a:p>
+            <a:r>
+              <a:rPr lang="en-US" sz="2800" dirty="0"/>
+              <a:t>Once again, a buffer is overflowed to hijack the program counter</a:t>
+            </a:r>
+          </a:p>
+          <a:p>
+            <a:r>
+              <a:rPr lang="en-US" sz="2800" dirty="0"/>
+              <a:t>Return-to-</a:t>
+            </a:r>
+            <a:r>
+              <a:rPr lang="en-US" sz="2800" dirty="0" err="1"/>
+              <a:t>Libc</a:t>
+            </a:r>
+            <a:r>
+              <a:rPr lang="en-US" sz="2800" dirty="0"/>
+              <a:t> is a famous Code Reuse Attack</a:t>
+            </a:r>
+          </a:p>
+          <a:p>
+            <a:pPr lvl="1"/>
+            <a:r>
+              <a:rPr lang="en-US" sz="2800" dirty="0" err="1"/>
+              <a:t>Libc</a:t>
+            </a:r>
+            <a:r>
+              <a:rPr lang="en-US" sz="2800" dirty="0"/>
+              <a:t> contains many system utility functions</a:t>
+            </a:r>
+          </a:p>
+          <a:p>
+            <a:pPr lvl="1"/>
+            <a:r>
+              <a:rPr lang="en-US" sz="2800" dirty="0"/>
+              <a:t>A veritable playground for attackers</a:t>
+            </a:r>
+          </a:p>
+          <a:p>
             <a:endParaRPr lang="en-US" dirty="0"/>
-          </a:p>
-        </p:txBody>
-      </p:sp>
-      <p:sp>
-        <p:nvSpPr>
-          <p:cNvPr id="3" name="Content Placeholder 2"/>
-          <p:cNvSpPr>
-            <a:spLocks noGrp="1"/>
-          </p:cNvSpPr>
-          <p:nvPr>
-            <p:ph idx="1"/>
-          </p:nvPr>
-        </p:nvSpPr>
-        <p:spPr/>
-        <p:txBody>
-          <a:bodyPr/>
-          <a:lstStyle/>
-          <a:p>
-            <a:r>
-              <a:rPr lang="en-US" sz="2800" dirty="0" smtClean="0"/>
-              <a:t>Focuses on using pre-existing system or library code, rather than injected code</a:t>
-            </a:r>
-          </a:p>
-          <a:p>
-            <a:r>
-              <a:rPr lang="en-US" sz="2800" dirty="0" smtClean="0"/>
-              <a:t>As before, the attacker must overflow a buffer in order to hijack the program counter</a:t>
-            </a:r>
-          </a:p>
-          <a:p>
-            <a:r>
-              <a:rPr lang="en-US" sz="2800" dirty="0" smtClean="0"/>
-              <a:t>Return-to-</a:t>
-            </a:r>
-            <a:r>
-              <a:rPr lang="en-US" sz="2800" dirty="0" err="1" smtClean="0"/>
-              <a:t>Libc</a:t>
-            </a:r>
-            <a:r>
-              <a:rPr lang="en-US" sz="2800" dirty="0" smtClean="0"/>
-              <a:t> is a famous example of a Code Reuse Attack</a:t>
-            </a:r>
-          </a:p>
-          <a:p>
-            <a:pPr lvl="1"/>
-            <a:r>
-              <a:rPr lang="en-US" sz="2800" dirty="0" smtClean="0"/>
-              <a:t>Contains many system utility functions</a:t>
-            </a:r>
-          </a:p>
-          <a:p>
-            <a:pPr lvl="1"/>
-            <a:r>
-              <a:rPr lang="en-US" sz="2800" dirty="0" smtClean="0"/>
-              <a:t>A veritable playground for attackers</a:t>
-            </a:r>
-          </a:p>
-          <a:p>
-            <a:endParaRPr lang="en-US" dirty="0" smtClean="0"/>
           </a:p>
           <a:p>
             <a:endParaRPr lang="en-US" dirty="0"/>
@@ -9106,10 +8921,9 @@
           <a:lstStyle/>
           <a:p>
             <a:r>
-              <a:rPr lang="en-US" dirty="0" smtClean="0"/>
+              <a:rPr lang="en-US" dirty="0"/>
               <a:t>Future Work</a:t>
             </a:r>
-            <a:endParaRPr lang="en-US" dirty="0"/>
           </a:p>
         </p:txBody>
       </p:sp>
@@ -9131,57 +8945,49 @@
           <a:lstStyle/>
           <a:p>
             <a:r>
-              <a:rPr lang="en-US" sz="2800" dirty="0" smtClean="0"/>
+              <a:rPr lang="en-US" sz="2800" dirty="0"/>
               <a:t>Other table based attacks</a:t>
             </a:r>
           </a:p>
           <a:p>
             <a:pPr lvl="1"/>
             <a:r>
-              <a:rPr lang="en-US" sz="2800" dirty="0" smtClean="0"/>
+              <a:rPr lang="en-US" sz="2800" dirty="0"/>
               <a:t>C Programming Language utilizes tables of function pointers</a:t>
             </a:r>
           </a:p>
           <a:p>
             <a:r>
-              <a:rPr lang="en-US" sz="2800" dirty="0" smtClean="0"/>
+              <a:rPr lang="en-US" sz="2800" dirty="0"/>
               <a:t>Randomization of data structure layouts</a:t>
             </a:r>
           </a:p>
           <a:p>
             <a:pPr lvl="1"/>
             <a:r>
-              <a:rPr lang="en-US" sz="2800" dirty="0" smtClean="0"/>
+              <a:rPr lang="en-US" sz="2800" dirty="0"/>
               <a:t>Further protect stack objects by randomizing their layout</a:t>
             </a:r>
           </a:p>
           <a:p>
             <a:r>
-              <a:rPr lang="en-US" sz="2800" dirty="0" smtClean="0"/>
+              <a:rPr lang="en-US" sz="2800" dirty="0"/>
               <a:t>Dynamically linked libraries</a:t>
             </a:r>
           </a:p>
           <a:p>
             <a:pPr lvl="1"/>
             <a:r>
-              <a:rPr lang="en-US" sz="2800" dirty="0" smtClean="0"/>
-              <a:t>These could be a potential attack vector for the clever hacker</a:t>
+              <a:rPr lang="en-US" sz="2800" dirty="0"/>
+              <a:t>These could be a potential attack vector for clever hackers</a:t>
             </a:r>
           </a:p>
           <a:p>
             <a:pPr lvl="1"/>
             <a:r>
-              <a:rPr lang="en-US" sz="2800" dirty="0" smtClean="0"/>
-              <a:t>Libraries loaded at runtime could be vulnerable to COOP attack</a:t>
-            </a:r>
-          </a:p>
-          <a:p>
-            <a:pPr lvl="1"/>
-            <a:r>
-              <a:rPr lang="en-US" sz="2800" dirty="0" smtClean="0"/>
-              <a:t>Want to provide protection at runtime for these libraries</a:t>
-            </a:r>
-            <a:endParaRPr lang="en-US" sz="2800" dirty="0"/>
+              <a:rPr lang="en-US" sz="2800" dirty="0"/>
+              <a:t>Libraries loaded at runtime are vulnerable to COOP attack</a:t>
+            </a:r>
           </a:p>
         </p:txBody>
       </p:sp>
@@ -9195,13 +9001,6 @@
   <p:clrMapOvr>
     <a:masterClrMapping/>
   </p:clrMapOvr>
-  <p:timing>
-    <p:tnLst>
-      <p:par>
-        <p:cTn id="1" dur="indefinite" restart="never" nodeType="tmRoot"/>
-      </p:par>
-    </p:tnLst>
-  </p:timing>
 </p:sld>
 </file>
 
@@ -9238,10 +9037,9 @@
           <a:lstStyle/>
           <a:p>
             <a:r>
-              <a:rPr lang="en-US" dirty="0" smtClean="0"/>
+              <a:rPr lang="en-US" dirty="0"/>
               <a:t>Limitations</a:t>
             </a:r>
-            <a:endParaRPr lang="en-US" dirty="0"/>
           </a:p>
         </p:txBody>
       </p:sp>
@@ -9263,42 +9061,37 @@
           <a:lstStyle/>
           <a:p>
             <a:r>
-              <a:rPr lang="en-US" sz="2800" dirty="0" err="1" smtClean="0"/>
+              <a:rPr lang="en-US" sz="2800" dirty="0" err="1"/>
               <a:t>Readactor</a:t>
             </a:r>
             <a:r>
-              <a:rPr lang="en-US" sz="2800" dirty="0" smtClean="0"/>
+              <a:rPr lang="en-US" sz="2800" dirty="0"/>
               <a:t>++ covers only those programs which adhere to the C++ language specification</a:t>
             </a:r>
           </a:p>
           <a:p>
             <a:r>
-              <a:rPr lang="en-US" sz="2800" dirty="0" smtClean="0"/>
+              <a:rPr lang="en-US" sz="2800" dirty="0"/>
               <a:t>Programs which rely on compiler-introduced changes to the </a:t>
             </a:r>
             <a:r>
-              <a:rPr lang="en-US" sz="2800" dirty="0" err="1" smtClean="0"/>
-              <a:t>vtable</a:t>
-            </a:r>
-            <a:r>
-              <a:rPr lang="en-US" sz="2800" dirty="0" smtClean="0"/>
+              <a:rPr lang="en-US" sz="2800" dirty="0" err="1"/>
+              <a:t>VTable</a:t>
+            </a:r>
+            <a:r>
+              <a:rPr lang="en-US" sz="2800" dirty="0"/>
               <a:t> are not protected</a:t>
             </a:r>
           </a:p>
           <a:p>
             <a:r>
               <a:rPr lang="en-US" sz="2800" dirty="0" err="1"/>
-              <a:t>Vtables</a:t>
-            </a:r>
-            <a:r>
-              <a:rPr lang="en-US" sz="2800" dirty="0"/>
-              <a:t> can have different implementations between platforms and </a:t>
-            </a:r>
-            <a:r>
-              <a:rPr lang="en-US" sz="2800" dirty="0" smtClean="0"/>
-              <a:t>compilers</a:t>
-            </a:r>
-            <a:endParaRPr lang="en-US" sz="2800" dirty="0"/>
+              <a:t>VTables</a:t>
+            </a:r>
+            <a:r>
+              <a:rPr lang="en-US" sz="2800" dirty="0"/>
+              <a:t> have different implementations between platforms and compilers</a:t>
+            </a:r>
           </a:p>
         </p:txBody>
       </p:sp>
@@ -9312,13 +9105,6 @@
   <p:clrMapOvr>
     <a:masterClrMapping/>
   </p:clrMapOvr>
-  <p:timing>
-    <p:tnLst>
-      <p:par>
-        <p:cTn id="1" dur="indefinite" restart="never" nodeType="tmRoot"/>
-      </p:par>
-    </p:tnLst>
-  </p:timing>
 </p:sld>
 </file>
 
@@ -9355,10 +9141,9 @@
           <a:lstStyle/>
           <a:p>
             <a:r>
-              <a:rPr lang="en-US" dirty="0" smtClean="0"/>
+              <a:rPr lang="en-US" dirty="0"/>
               <a:t>Limitations Cont.</a:t>
             </a:r>
-            <a:endParaRPr lang="en-US" dirty="0"/>
           </a:p>
         </p:txBody>
       </p:sp>
@@ -9378,41 +9163,24 @@
           <a:lstStyle/>
           <a:p>
             <a:r>
-              <a:rPr lang="en-US" sz="2800" dirty="0" smtClean="0"/>
-              <a:t>Programs </a:t>
-            </a:r>
-            <a:r>
-              <a:rPr lang="en-US" sz="2800" dirty="0"/>
-              <a:t>which include external libraries must be compiled with the same version as the external library</a:t>
+              <a:rPr lang="en-US" sz="2800" dirty="0"/>
+              <a:t>Programs which include external libraries must be compiled with same version as external library</a:t>
             </a:r>
           </a:p>
           <a:p>
             <a:pPr lvl="1"/>
             <a:r>
               <a:rPr lang="en-US" sz="2800" dirty="0"/>
-              <a:t>External libraries may be </a:t>
-            </a:r>
-            <a:r>
-              <a:rPr lang="en-US" sz="2800" dirty="0" smtClean="0"/>
-              <a:t>rebuilt with </a:t>
-            </a:r>
-            <a:r>
-              <a:rPr lang="en-US" sz="2800" dirty="0" err="1" smtClean="0"/>
+              <a:t>External libraries may be rebuilt with </a:t>
+            </a:r>
+            <a:r>
+              <a:rPr lang="en-US" sz="2800" dirty="0" err="1"/>
               <a:t>Readactor</a:t>
             </a:r>
             <a:r>
-              <a:rPr lang="en-US" sz="2800" dirty="0" smtClean="0"/>
-              <a:t>++ </a:t>
-            </a:r>
-            <a:r>
-              <a:rPr lang="en-US" sz="2800" dirty="0"/>
-              <a:t>to follow this </a:t>
-            </a:r>
-            <a:r>
-              <a:rPr lang="en-US" sz="2800" dirty="0" smtClean="0"/>
-              <a:t>rule</a:t>
-            </a:r>
-            <a:endParaRPr lang="en-US" sz="2800" dirty="0"/>
+              <a:rPr lang="en-US" sz="2800" dirty="0"/>
+              <a:t>++ to follow this rule</a:t>
+            </a:r>
           </a:p>
         </p:txBody>
       </p:sp>
@@ -9426,13 +9194,6 @@
   <p:clrMapOvr>
     <a:masterClrMapping/>
   </p:clrMapOvr>
-  <p:timing>
-    <p:tnLst>
-      <p:par>
-        <p:cTn id="1" dur="indefinite" restart="never" nodeType="tmRoot"/>
-      </p:par>
-    </p:tnLst>
-  </p:timing>
 </p:sld>
 </file>
 
@@ -9469,10 +9230,9 @@
           <a:lstStyle/>
           <a:p>
             <a:r>
-              <a:rPr lang="en-US" dirty="0" smtClean="0"/>
+              <a:rPr lang="en-US" dirty="0"/>
               <a:t>Related Work</a:t>
             </a:r>
-            <a:endParaRPr lang="en-US" dirty="0"/>
           </a:p>
         </p:txBody>
       </p:sp>
@@ -9499,49 +9259,49 @@
           <a:lstStyle/>
           <a:p>
             <a:r>
-              <a:rPr lang="en-US" sz="2800" dirty="0" smtClean="0"/>
+              <a:rPr lang="en-US" sz="2800" dirty="0"/>
               <a:t>There have been many studies concerning memory corruption and its defense</a:t>
             </a:r>
           </a:p>
           <a:p>
             <a:pPr lvl="1"/>
             <a:r>
-              <a:rPr lang="en-US" sz="2800" dirty="0" smtClean="0"/>
+              <a:rPr lang="en-US" sz="2800" dirty="0"/>
               <a:t>Code Layout Randomization</a:t>
             </a:r>
           </a:p>
           <a:p>
             <a:pPr lvl="2"/>
             <a:r>
-              <a:rPr lang="en-US" sz="2800" dirty="0" smtClean="0"/>
+              <a:rPr lang="en-US" sz="2800" dirty="0"/>
               <a:t>Defense schemes for obfuscating and combatting memory layout disclosure</a:t>
             </a:r>
           </a:p>
           <a:p>
             <a:pPr lvl="1"/>
             <a:r>
-              <a:rPr lang="en-US" sz="2800" dirty="0" smtClean="0"/>
+              <a:rPr lang="en-US" sz="2800" dirty="0"/>
               <a:t>Control-Flow Integrity</a:t>
             </a:r>
           </a:p>
           <a:p>
             <a:pPr lvl="2"/>
             <a:r>
-              <a:rPr lang="en-US" sz="2800" dirty="0" smtClean="0"/>
+              <a:rPr lang="en-US" sz="2800" dirty="0"/>
               <a:t>Defend against illegal program states</a:t>
             </a:r>
           </a:p>
           <a:p>
             <a:pPr lvl="1"/>
             <a:r>
-              <a:rPr lang="en-US" sz="2800" dirty="0" smtClean="0"/>
+              <a:rPr lang="en-US" sz="2800" dirty="0"/>
               <a:t>Code Pointer Integrity</a:t>
             </a:r>
           </a:p>
           <a:p>
             <a:pPr lvl="2"/>
             <a:r>
-              <a:rPr lang="en-US" sz="2800" dirty="0" smtClean="0"/>
+              <a:rPr lang="en-US" sz="2800" dirty="0"/>
               <a:t>Defend against code pointer exploitation</a:t>
             </a:r>
           </a:p>
@@ -9560,13 +9320,6 @@
   <p:clrMapOvr>
     <a:masterClrMapping/>
   </p:clrMapOvr>
-  <p:timing>
-    <p:tnLst>
-      <p:par>
-        <p:cTn id="1" dur="indefinite" restart="never" nodeType="tmRoot"/>
-      </p:par>
-    </p:tnLst>
-  </p:timing>
 </p:sld>
 </file>
 
@@ -9603,10 +9356,9 @@
           <a:lstStyle/>
           <a:p>
             <a:r>
-              <a:rPr lang="en-US" dirty="0" smtClean="0"/>
+              <a:rPr lang="en-US" dirty="0"/>
               <a:t>Code Layout Randomization</a:t>
             </a:r>
-            <a:endParaRPr lang="en-US" dirty="0"/>
           </a:p>
         </p:txBody>
       </p:sp>
@@ -9628,81 +9380,49 @@
           <a:lstStyle/>
           <a:p>
             <a:r>
-              <a:rPr lang="en-US" sz="2800" dirty="0" smtClean="0"/>
+              <a:rPr lang="en-US" sz="2800" dirty="0"/>
               <a:t>Oxymoron—scheme for hiding direct code references</a:t>
             </a:r>
           </a:p>
           <a:p>
             <a:pPr lvl="1"/>
             <a:r>
-              <a:rPr lang="en-US" sz="2800" dirty="0" smtClean="0"/>
-              <a:t>Oxymoron – Making Fine-Grained </a:t>
-            </a:r>
-            <a:r>
-              <a:rPr lang="en-US" sz="2800" dirty="0"/>
-              <a:t>M</a:t>
-            </a:r>
-            <a:r>
-              <a:rPr lang="en-US" sz="2800" dirty="0" smtClean="0"/>
-              <a:t>emory Randomization </a:t>
-            </a:r>
-            <a:r>
-              <a:rPr lang="en-US" sz="2800" dirty="0"/>
-              <a:t>P</a:t>
-            </a:r>
-            <a:r>
-              <a:rPr lang="en-US" sz="2800" dirty="0" smtClean="0"/>
-              <a:t>ractical by Allowing </a:t>
-            </a:r>
-            <a:r>
-              <a:rPr lang="en-US" sz="2800" dirty="0"/>
-              <a:t>C</a:t>
-            </a:r>
-            <a:r>
-              <a:rPr lang="en-US" sz="2800" dirty="0" smtClean="0"/>
-              <a:t>ode </a:t>
-            </a:r>
-            <a:r>
-              <a:rPr lang="en-US" sz="2800" dirty="0"/>
-              <a:t>S</a:t>
-            </a:r>
-            <a:r>
-              <a:rPr lang="en-US" sz="2800" dirty="0" smtClean="0"/>
-              <a:t>haring by M. </a:t>
-            </a:r>
-            <a:r>
-              <a:rPr lang="en-US" sz="2800" dirty="0" err="1" smtClean="0"/>
+              <a:rPr lang="en-US" sz="2800" dirty="0"/>
+              <a:t>Oxymoron – Making Fine-Grained Memory Randomization Practical by Allowing Code Sharing by M. </a:t>
+            </a:r>
+            <a:r>
+              <a:rPr lang="en-US" sz="2800" dirty="0" err="1"/>
               <a:t>Backes</a:t>
             </a:r>
             <a:r>
-              <a:rPr lang="en-US" sz="2800" dirty="0" smtClean="0"/>
+              <a:rPr lang="en-US" sz="2800" dirty="0"/>
               <a:t> and S. </a:t>
             </a:r>
             <a:r>
-              <a:rPr lang="en-US" sz="2800" dirty="0" err="1" smtClean="0"/>
+              <a:rPr lang="en-US" sz="2800" dirty="0" err="1"/>
               <a:t>Nurnberger</a:t>
             </a:r>
-            <a:endParaRPr lang="en-US" sz="2800" dirty="0" smtClean="0"/>
+            <a:endParaRPr lang="en-US" sz="2800" dirty="0"/>
           </a:p>
           <a:p>
             <a:pPr lvl="1"/>
             <a:r>
-              <a:rPr lang="en-US" sz="2800" dirty="0" smtClean="0"/>
+              <a:rPr lang="en-US" sz="2800" dirty="0"/>
               <a:t>Defends against memory disclosure by disallowing direct code references</a:t>
             </a:r>
           </a:p>
           <a:p>
             <a:pPr lvl="2"/>
             <a:r>
-              <a:rPr lang="en-US" sz="2800" dirty="0" smtClean="0"/>
+              <a:rPr lang="en-US" sz="2800" dirty="0"/>
               <a:t>Very similar to trampolines</a:t>
             </a:r>
           </a:p>
           <a:p>
             <a:pPr lvl="1"/>
             <a:r>
-              <a:rPr lang="en-US" sz="2800" dirty="0" smtClean="0"/>
-              <a:t>Vulnerable to clever use of JIT-ROP as code pages are still readable</a:t>
+              <a:rPr lang="en-US" sz="2800" dirty="0"/>
+              <a:t>Vulnerable to clever use of JIT-ROP, code pages are readable</a:t>
             </a:r>
           </a:p>
         </p:txBody>
@@ -9717,13 +9437,6 @@
   <p:clrMapOvr>
     <a:masterClrMapping/>
   </p:clrMapOvr>
-  <p:timing>
-    <p:tnLst>
-      <p:par>
-        <p:cTn id="1" dur="indefinite" restart="never" nodeType="tmRoot"/>
-      </p:par>
-    </p:tnLst>
-  </p:timing>
 </p:sld>
 </file>
 
@@ -9760,10 +9473,9 @@
           <a:lstStyle/>
           <a:p>
             <a:r>
-              <a:rPr lang="en-US" dirty="0" smtClean="0"/>
+              <a:rPr lang="en-US" dirty="0"/>
               <a:t>Control-Flow Integrity</a:t>
             </a:r>
-            <a:endParaRPr lang="en-US" dirty="0"/>
           </a:p>
         </p:txBody>
       </p:sp>
@@ -9785,86 +9497,53 @@
           <a:lstStyle/>
           <a:p>
             <a:r>
-              <a:rPr lang="en-US" sz="2800" dirty="0" smtClean="0"/>
+              <a:rPr lang="en-US" sz="2800" dirty="0"/>
               <a:t>COOP Safe Compiler</a:t>
             </a:r>
           </a:p>
           <a:p>
             <a:pPr lvl="1"/>
             <a:r>
-              <a:rPr lang="en-US" sz="2800" dirty="0" smtClean="0"/>
-              <a:t>Secure C++ Virtual Calls </a:t>
-            </a:r>
-            <a:r>
-              <a:rPr lang="en-US" sz="2800" dirty="0"/>
-              <a:t>F</a:t>
-            </a:r>
-            <a:r>
-              <a:rPr lang="en-US" sz="2800" dirty="0" smtClean="0"/>
-              <a:t>rom </a:t>
-            </a:r>
-            <a:r>
-              <a:rPr lang="en-US" sz="2800" dirty="0"/>
-              <a:t>M</a:t>
-            </a:r>
-            <a:r>
-              <a:rPr lang="en-US" sz="2800" dirty="0" smtClean="0"/>
-              <a:t>emory </a:t>
-            </a:r>
-            <a:r>
-              <a:rPr lang="en-US" sz="2800" dirty="0"/>
-              <a:t>C</a:t>
-            </a:r>
-            <a:r>
-              <a:rPr lang="en-US" sz="2800" dirty="0" smtClean="0"/>
-              <a:t>orruption </a:t>
-            </a:r>
-            <a:r>
-              <a:rPr lang="en-US" sz="2800" dirty="0"/>
-              <a:t>A</a:t>
-            </a:r>
-            <a:r>
-              <a:rPr lang="en-US" sz="2800" dirty="0" smtClean="0"/>
-              <a:t>ttacks by D. Jang, Z. </a:t>
-            </a:r>
-            <a:r>
-              <a:rPr lang="en-US" sz="2800" dirty="0" err="1" smtClean="0"/>
+              <a:rPr lang="en-US" sz="2800" dirty="0"/>
+              <a:t>Secure C++ Virtual Calls From Memory Corruption Attacks by D. Jang, Z. </a:t>
+            </a:r>
+            <a:r>
+              <a:rPr lang="en-US" sz="2800" dirty="0" err="1"/>
               <a:t>Tatlock</a:t>
             </a:r>
             <a:r>
-              <a:rPr lang="en-US" sz="2800" dirty="0" smtClean="0"/>
+              <a:rPr lang="en-US" sz="2800" dirty="0"/>
               <a:t>, and S. Lerner</a:t>
             </a:r>
           </a:p>
           <a:p>
             <a:pPr lvl="1"/>
             <a:r>
-              <a:rPr lang="en-US" sz="2800" dirty="0" smtClean="0"/>
+              <a:rPr lang="en-US" sz="2800" dirty="0"/>
               <a:t>Protect </a:t>
             </a:r>
             <a:r>
-              <a:rPr lang="en-US" sz="2800" dirty="0" err="1" smtClean="0"/>
-              <a:t>vtable</a:t>
-            </a:r>
-            <a:r>
-              <a:rPr lang="en-US" sz="2800" dirty="0" smtClean="0"/>
+              <a:rPr lang="en-US" sz="2800" dirty="0" err="1"/>
+              <a:t>VTable</a:t>
+            </a:r>
+            <a:r>
+              <a:rPr lang="en-US" sz="2800" dirty="0"/>
               <a:t> pointer from modification</a:t>
             </a:r>
           </a:p>
           <a:p>
             <a:pPr lvl="1"/>
             <a:r>
-              <a:rPr lang="en-US" sz="2800" dirty="0" smtClean="0"/>
+              <a:rPr lang="en-US" sz="2800" dirty="0"/>
               <a:t>Attacker is unable to point it to their malicious code</a:t>
             </a:r>
           </a:p>
           <a:p>
             <a:pPr lvl="1"/>
             <a:r>
-              <a:rPr lang="en-US" sz="2800" dirty="0" smtClean="0"/>
-              <a:t>Unfortunately, their method is vulnerable to RILC attacks as they do not protect return instructions</a:t>
-            </a:r>
-            <a:endParaRPr lang="en-US" sz="2800" dirty="0"/>
+              <a:rPr lang="en-US" sz="2800" dirty="0"/>
+              <a:t>Method is vulnerable to RILC attacks as return instructions are not protected</a:t>
+            </a:r>
           </a:p>
         </p:txBody>
       </p:sp>
@@ -9878,13 +9557,6 @@
   <p:clrMapOvr>
     <a:masterClrMapping/>
   </p:clrMapOvr>
-  <p:timing>
-    <p:tnLst>
-      <p:par>
-        <p:cTn id="1" dur="indefinite" restart="never" nodeType="tmRoot"/>
-      </p:par>
-    </p:tnLst>
-  </p:timing>
 </p:sld>
 </file>
 
@@ -9921,10 +9593,9 @@
           <a:lstStyle/>
           <a:p>
             <a:r>
-              <a:rPr lang="en-US" dirty="0" smtClean="0"/>
+              <a:rPr lang="en-US" dirty="0"/>
               <a:t>Code-Pointer Integrity</a:t>
             </a:r>
-            <a:endParaRPr lang="en-US" dirty="0"/>
           </a:p>
         </p:txBody>
       </p:sp>
@@ -9946,7 +9617,7 @@
           <a:lstStyle/>
           <a:p>
             <a:r>
-              <a:rPr lang="en-US" sz="2800" dirty="0" smtClean="0"/>
+              <a:rPr lang="en-US" sz="2800" dirty="0"/>
               <a:t>Separate code pointers and pointers to code pointers</a:t>
             </a:r>
           </a:p>
@@ -9962,41 +9633,36 @@
             </a:r>
             <a:r>
               <a:rPr lang="en-US" sz="2800" dirty="0"/>
-              <a:t>, M. Payer, T. Wei, and D. </a:t>
-            </a:r>
-            <a:r>
-              <a:rPr lang="en-US" sz="2800" dirty="0" smtClean="0"/>
-              <a:t>Song</a:t>
+              <a:t>, M. Payer, T. Wei, and D. Song</a:t>
             </a:r>
           </a:p>
           <a:p>
             <a:pPr lvl="1"/>
             <a:r>
-              <a:rPr lang="en-US" sz="2800" dirty="0" smtClean="0"/>
-              <a:t>These pointers are put in a safe memory area</a:t>
+              <a:rPr lang="en-US" sz="2800" dirty="0"/>
+              <a:t>Pointers are stored in safe memory area</a:t>
             </a:r>
           </a:p>
           <a:p>
             <a:pPr lvl="1"/>
             <a:r>
-              <a:rPr lang="en-US" sz="2800" dirty="0" smtClean="0"/>
-              <a:t>Only functions determined “trustworthy” may be given access to these pointers</a:t>
+              <a:rPr lang="en-US" sz="2800" dirty="0"/>
+              <a:t>Only functions deemed “trustworthy” may be given access to these pointers</a:t>
             </a:r>
           </a:p>
           <a:p>
             <a:pPr lvl="2"/>
             <a:r>
-              <a:rPr lang="en-US" sz="2800" dirty="0" smtClean="0"/>
+              <a:rPr lang="en-US" sz="2800" dirty="0"/>
               <a:t>Trustworthiness is determined at compile-time, not runtime</a:t>
             </a:r>
           </a:p>
           <a:p>
             <a:pPr lvl="1"/>
             <a:r>
-              <a:rPr lang="en-US" sz="2800" dirty="0" smtClean="0"/>
+              <a:rPr lang="en-US" sz="2800" dirty="0"/>
               <a:t>While this scheme runs efficiently in C, programs in C++ incur a stiff overhead (&gt;40%)</a:t>
             </a:r>
-            <a:endParaRPr lang="en-US" sz="2800" dirty="0"/>
           </a:p>
         </p:txBody>
       </p:sp>
@@ -10010,13 +9676,6 @@
   <p:clrMapOvr>
     <a:masterClrMapping/>
   </p:clrMapOvr>
-  <p:timing>
-    <p:tnLst>
-      <p:par>
-        <p:cTn id="1" dur="indefinite" restart="never" nodeType="tmRoot"/>
-      </p:par>
-    </p:tnLst>
-  </p:timing>
 </p:sld>
 </file>
 
@@ -10053,10 +9712,9 @@
           <a:lstStyle/>
           <a:p>
             <a:r>
-              <a:rPr lang="en-US" dirty="0" smtClean="0"/>
+              <a:rPr lang="en-US" dirty="0"/>
               <a:t>Conclusions</a:t>
             </a:r>
-            <a:endParaRPr lang="en-US" dirty="0"/>
           </a:p>
         </p:txBody>
       </p:sp>
@@ -10083,63 +9741,57 @@
           <a:lstStyle/>
           <a:p>
             <a:r>
-              <a:rPr lang="en-US" sz="2800" dirty="0" smtClean="0"/>
+              <a:rPr lang="en-US" sz="2800" dirty="0"/>
               <a:t>Code Reuse attacks, namely ROP and COOP attacks have become increasingly troublesome</a:t>
             </a:r>
           </a:p>
           <a:p>
             <a:r>
-              <a:rPr lang="en-US" sz="2800" dirty="0" err="1" smtClean="0"/>
+              <a:rPr lang="en-US" sz="2800" dirty="0" err="1"/>
               <a:t>Readactor</a:t>
             </a:r>
             <a:r>
-              <a:rPr lang="en-US" sz="2800" dirty="0" smtClean="0"/>
+              <a:rPr lang="en-US" sz="2800" dirty="0"/>
               <a:t>++ is an interesting and novel defense against COOP attacks</a:t>
             </a:r>
           </a:p>
           <a:p>
             <a:r>
-              <a:rPr lang="en-US" sz="2800" dirty="0" err="1" smtClean="0"/>
+              <a:rPr lang="en-US" sz="2800" dirty="0" err="1"/>
               <a:t>Readactor</a:t>
             </a:r>
             <a:r>
-              <a:rPr lang="en-US" sz="2800" dirty="0" smtClean="0"/>
-              <a:t>++ has been shown to</a:t>
+              <a:rPr lang="en-US" sz="2800" dirty="0"/>
+              <a:t>++ has been shown to:</a:t>
             </a:r>
           </a:p>
           <a:p>
             <a:pPr lvl="1"/>
             <a:r>
-              <a:rPr lang="en-US" sz="2800" dirty="0" smtClean="0"/>
+              <a:rPr lang="en-US" sz="2800" dirty="0"/>
               <a:t>Resist information disclosure</a:t>
             </a:r>
           </a:p>
           <a:p>
             <a:pPr lvl="1"/>
             <a:r>
-              <a:rPr lang="en-US" sz="2800" dirty="0" smtClean="0"/>
-              <a:t>Identify attacks and notify the </a:t>
-            </a:r>
-            <a:r>
-              <a:rPr lang="en-US" sz="2800" smtClean="0"/>
-              <a:t>host system</a:t>
-            </a:r>
-            <a:endParaRPr lang="en-US" sz="2800" dirty="0" smtClean="0"/>
-          </a:p>
-          <a:p>
-            <a:r>
-              <a:rPr lang="en-US" sz="2800" dirty="0" smtClean="0"/>
+              <a:rPr lang="en-US" sz="2800" dirty="0"/>
+              <a:t>Identify attacks and notify the host system</a:t>
+            </a:r>
+          </a:p>
+          <a:p>
+            <a:r>
+              <a:rPr lang="en-US" sz="2800" dirty="0"/>
               <a:t>When using clever configuration options, </a:t>
             </a:r>
             <a:r>
-              <a:rPr lang="en-US" sz="2800" dirty="0" err="1" smtClean="0"/>
+              <a:rPr lang="en-US" sz="2800" dirty="0" err="1"/>
               <a:t>Readactor</a:t>
             </a:r>
             <a:r>
-              <a:rPr lang="en-US" sz="2800" dirty="0" smtClean="0"/>
+              <a:rPr lang="en-US" sz="2800" dirty="0"/>
               <a:t>++ has been shown to have negligible affect on system performance</a:t>
             </a:r>
-            <a:endParaRPr lang="en-US" sz="2800" dirty="0"/>
           </a:p>
         </p:txBody>
       </p:sp>
@@ -10153,13 +9805,6 @@
   <p:clrMapOvr>
     <a:masterClrMapping/>
   </p:clrMapOvr>
-  <p:timing>
-    <p:tnLst>
-      <p:par>
-        <p:cTn id="1" dur="indefinite" restart="never" nodeType="tmRoot"/>
-      </p:par>
-    </p:tnLst>
-  </p:timing>
 </p:sld>
 </file>
 
@@ -10196,10 +9841,9 @@
           <a:lstStyle/>
           <a:p>
             <a:r>
-              <a:rPr lang="en-US" dirty="0" smtClean="0"/>
+              <a:rPr lang="en-US" dirty="0"/>
               <a:t>Questions?</a:t>
             </a:r>
-            <a:endParaRPr lang="en-US" dirty="0"/>
           </a:p>
         </p:txBody>
       </p:sp>
@@ -10268,10 +9912,9 @@
           <a:lstStyle/>
           <a:p>
             <a:r>
-              <a:rPr lang="en-US" dirty="0" smtClean="0"/>
+              <a:rPr lang="en-US" dirty="0"/>
               <a:t>ROP Attack</a:t>
             </a:r>
-            <a:endParaRPr lang="en-US" dirty="0"/>
           </a:p>
         </p:txBody>
       </p:sp>
@@ -10298,56 +9941,39 @@
           <a:lstStyle/>
           <a:p>
             <a:r>
-              <a:rPr lang="en-US" sz="2800" dirty="0" smtClean="0"/>
+              <a:rPr lang="en-US" sz="2800" dirty="0"/>
+              <a:t>“Return Oriented Programming”</a:t>
+            </a:r>
+          </a:p>
+          <a:p>
+            <a:r>
+              <a:rPr lang="en-US" sz="2800" dirty="0"/>
               <a:t>A variety of Code Reuse Attack</a:t>
             </a:r>
           </a:p>
           <a:p>
             <a:r>
-              <a:rPr lang="en-US" sz="2800" dirty="0" smtClean="0"/>
-              <a:t>ROP stands for Return Oriented Programming</a:t>
-            </a:r>
-          </a:p>
-          <a:p>
-            <a:r>
-              <a:rPr lang="en-US" sz="2800" dirty="0" smtClean="0"/>
-              <a:t>Once </a:t>
-            </a:r>
-            <a:r>
-              <a:rPr lang="en-US" sz="2800" dirty="0"/>
-              <a:t>the control flow is hijacked, the attacker employs a sequence of machine instructions called “gadgets</a:t>
-            </a:r>
-            <a:r>
-              <a:rPr lang="en-US" sz="2800" dirty="0" smtClean="0"/>
-              <a:t>”</a:t>
-            </a:r>
-          </a:p>
-          <a:p>
-            <a:r>
-              <a:rPr lang="en-US" sz="2800" dirty="0" smtClean="0"/>
-              <a:t>Each </a:t>
-            </a:r>
-            <a:r>
-              <a:rPr lang="en-US" sz="2800" dirty="0"/>
-              <a:t>gadget terminates with a return instruction (ret</a:t>
-            </a:r>
-            <a:r>
-              <a:rPr lang="en-US" sz="2800" dirty="0" smtClean="0"/>
-              <a:t>)</a:t>
+              <a:rPr lang="en-US" sz="2800" dirty="0"/>
+              <a:t>Once the PC is hijacked, the attacker employs a sequence of machine instructions called “gadgets”</a:t>
+            </a:r>
+          </a:p>
+          <a:p>
+            <a:r>
+              <a:rPr lang="en-US" sz="2800" dirty="0"/>
+              <a:t>Each gadget terminates with return instruction (ret)</a:t>
             </a:r>
           </a:p>
           <a:p>
             <a:pPr lvl="1"/>
             <a:r>
-              <a:rPr lang="en-US" sz="2800" dirty="0" smtClean="0"/>
+              <a:rPr lang="en-US" sz="2800" dirty="0"/>
               <a:t>Transfers control to the next gadget</a:t>
             </a:r>
-            <a:endParaRPr lang="en-US" sz="2800" dirty="0"/>
-          </a:p>
-          <a:p>
-            <a:r>
-              <a:rPr lang="en-US" sz="2800" dirty="0"/>
-              <a:t>Gadgets may be chained together in order to execute a sequence of subroutines</a:t>
+          </a:p>
+          <a:p>
+            <a:r>
+              <a:rPr lang="en-US" sz="2800" dirty="0"/>
+              <a:t>Gadgets are chained together to execute a sequence of subroutines</a:t>
             </a:r>
           </a:p>
           <a:p>
@@ -10401,10 +10027,9 @@
           <a:lstStyle/>
           <a:p>
             <a:r>
-              <a:rPr lang="en-US" dirty="0" smtClean="0"/>
+              <a:rPr lang="en-US" dirty="0"/>
               <a:t>JIT-ROP</a:t>
             </a:r>
-            <a:endParaRPr lang="en-US" dirty="0"/>
           </a:p>
         </p:txBody>
       </p:sp>
@@ -10426,31 +10051,31 @@
           <a:lstStyle/>
           <a:p>
             <a:r>
-              <a:rPr lang="en-US" sz="2800" dirty="0" smtClean="0"/>
-              <a:t>JIT-ROP stands for Just-In-Time Return-Oriented-Programming</a:t>
-            </a:r>
-          </a:p>
-          <a:p>
-            <a:r>
-              <a:rPr lang="en-US" sz="2800" dirty="0" smtClean="0"/>
+              <a:rPr lang="en-US" sz="2800" dirty="0"/>
+              <a:t>“Just-In-Time Return-Oriented-Programming”</a:t>
+            </a:r>
+          </a:p>
+          <a:p>
+            <a:r>
+              <a:rPr lang="en-US" sz="2800" dirty="0"/>
               <a:t>Developed to overcome address randomization</a:t>
             </a:r>
           </a:p>
           <a:p>
             <a:r>
-              <a:rPr lang="en-US" sz="2800" dirty="0" smtClean="0"/>
-              <a:t>Abuse memory disclosure in order to map memory on the fly</a:t>
-            </a:r>
-          </a:p>
-          <a:p>
-            <a:r>
-              <a:rPr lang="en-US" sz="2800" dirty="0" smtClean="0"/>
-              <a:t>Tricks the machine into disclosing the new randomized layout</a:t>
-            </a:r>
-          </a:p>
-          <a:p>
-            <a:r>
-              <a:rPr lang="en-US" sz="2800" dirty="0" smtClean="0"/>
+              <a:rPr lang="en-US" sz="2800" dirty="0"/>
+              <a:t>Abuse memory disclosure in order to map memory</a:t>
+            </a:r>
+          </a:p>
+          <a:p>
+            <a:r>
+              <a:rPr lang="en-US" sz="2800" dirty="0"/>
+              <a:t>Trick machine into disclosing the new randomized layout</a:t>
+            </a:r>
+          </a:p>
+          <a:p>
+            <a:r>
+              <a:rPr lang="en-US" sz="2800" dirty="0"/>
               <a:t>Construct and compile malicious application on the fly</a:t>
             </a:r>
           </a:p>
@@ -10502,68 +10127,67 @@
           <a:lstStyle/>
           <a:p>
             <a:r>
-              <a:rPr lang="en-US" dirty="0" smtClean="0"/>
+              <a:rPr lang="en-US" dirty="0"/>
               <a:t>COOP Attack</a:t>
             </a:r>
+          </a:p>
+        </p:txBody>
+      </p:sp>
+      <p:sp>
+        <p:nvSpPr>
+          <p:cNvPr id="3" name="Content Placeholder 2"/>
+          <p:cNvSpPr>
+            <a:spLocks noGrp="1"/>
+          </p:cNvSpPr>
+          <p:nvPr>
+            <p:ph idx="1"/>
+          </p:nvPr>
+        </p:nvSpPr>
+        <p:spPr/>
+        <p:txBody>
+          <a:bodyPr/>
+          <a:lstStyle/>
+          <a:p>
+            <a:r>
+              <a:rPr lang="en-US" sz="2800" dirty="0"/>
+              <a:t>“Counterfeit Object-Oriented Programming”</a:t>
+            </a:r>
+          </a:p>
+          <a:p>
+            <a:r>
+              <a:rPr lang="en-US" sz="2800" dirty="0"/>
+              <a:t>Exploits a vulnerability in C++ inheritance</a:t>
+            </a:r>
+          </a:p>
+          <a:p>
+            <a:r>
+              <a:rPr lang="en-US" sz="2800" dirty="0"/>
+              <a:t>External library calls are stored and looked up in a table at runtime (dynamically-bound functions)</a:t>
+            </a:r>
+          </a:p>
+          <a:p>
+            <a:pPr lvl="1"/>
+            <a:r>
+              <a:rPr lang="en-US" sz="2800" dirty="0"/>
+              <a:t>Allows for method selection at runtime</a:t>
+            </a:r>
+          </a:p>
+          <a:p>
+            <a:r>
+              <a:rPr lang="en-US" sz="2800" dirty="0"/>
+              <a:t>Semantically similar to Return-to-</a:t>
+            </a:r>
+            <a:r>
+              <a:rPr lang="en-US" sz="2800" dirty="0" err="1"/>
+              <a:t>Libc</a:t>
+            </a:r>
+            <a:r>
+              <a:rPr lang="en-US" sz="2800" dirty="0"/>
+              <a:t>, but exploits virtual (inherited) functions</a:t>
+            </a:r>
+          </a:p>
+          <a:p>
             <a:endParaRPr lang="en-US" dirty="0"/>
-          </a:p>
-        </p:txBody>
-      </p:sp>
-      <p:sp>
-        <p:nvSpPr>
-          <p:cNvPr id="3" name="Content Placeholder 2"/>
-          <p:cNvSpPr>
-            <a:spLocks noGrp="1"/>
-          </p:cNvSpPr>
-          <p:nvPr>
-            <p:ph idx="1"/>
-          </p:nvPr>
-        </p:nvSpPr>
-        <p:spPr/>
-        <p:txBody>
-          <a:bodyPr/>
-          <a:lstStyle/>
-          <a:p>
-            <a:r>
-              <a:rPr lang="en-US" sz="2800" dirty="0" smtClean="0"/>
-              <a:t>COOP stands for Counterfeit Object-Oriented Programming</a:t>
-            </a:r>
-          </a:p>
-          <a:p>
-            <a:r>
-              <a:rPr lang="en-US" sz="2800" dirty="0" smtClean="0"/>
-              <a:t>Focuses on exploiting a vulnerability in C++ inheritance</a:t>
-            </a:r>
-          </a:p>
-          <a:p>
-            <a:r>
-              <a:rPr lang="en-US" sz="2800" dirty="0" smtClean="0"/>
-              <a:t>External library calls are stored and looked up in a table at runtime (dynamically-bound functions)</a:t>
-            </a:r>
-          </a:p>
-          <a:p>
-            <a:pPr lvl="1"/>
-            <a:r>
-              <a:rPr lang="en-US" sz="2800" dirty="0" smtClean="0"/>
-              <a:t>Allows for method selection at runtime</a:t>
-            </a:r>
-          </a:p>
-          <a:p>
-            <a:r>
-              <a:rPr lang="en-US" sz="2800" dirty="0" smtClean="0"/>
-              <a:t>Semantically similar to Return-to-</a:t>
-            </a:r>
-            <a:r>
-              <a:rPr lang="en-US" sz="2800" dirty="0" err="1" smtClean="0"/>
-              <a:t>Libc</a:t>
-            </a:r>
-            <a:r>
-              <a:rPr lang="en-US" sz="2800" dirty="0" smtClean="0"/>
-              <a:t>, but exploits virtual (inherited) functions</a:t>
-            </a:r>
-          </a:p>
-          <a:p>
-            <a:endParaRPr lang="en-US" dirty="0" smtClean="0"/>
           </a:p>
           <a:p>
             <a:pPr lvl="1"/>
@@ -10617,10 +10241,9 @@
           <a:lstStyle/>
           <a:p>
             <a:r>
-              <a:rPr lang="en-US" dirty="0" smtClean="0"/>
+              <a:rPr lang="en-US" dirty="0"/>
               <a:t>The Fall of Code Injection</a:t>
             </a:r>
-            <a:endParaRPr lang="en-US" dirty="0"/>
           </a:p>
         </p:txBody>
       </p:sp>
@@ -10641,27 +10264,22 @@
           <a:p>
             <a:r>
               <a:rPr lang="en-US" sz="2800" dirty="0"/>
-              <a:t>Data Execution Prevention (DEP) has </a:t>
-            </a:r>
-            <a:r>
-              <a:rPr lang="en-US" sz="2800" dirty="0" smtClean="0"/>
-              <a:t>resulted in the downfall Code Injection</a:t>
-            </a:r>
-            <a:endParaRPr lang="en-US" sz="2800" dirty="0"/>
+              <a:t>Data Execution Prevention (DEP) has resulted in Code Injection disuse</a:t>
+            </a:r>
           </a:p>
           <a:p>
             <a:pPr lvl="1"/>
             <a:r>
-              <a:rPr lang="en-US" sz="2800" dirty="0" err="1" smtClean="0"/>
+              <a:rPr lang="en-US" sz="2800" dirty="0"/>
+              <a:t>“</a:t>
+            </a:r>
+            <a:r>
+              <a:rPr lang="en-US" sz="2800" dirty="0" err="1"/>
               <a:t>noexecstack</a:t>
             </a:r>
             <a:r>
-              <a:rPr lang="en-US" sz="2800" dirty="0" smtClean="0"/>
-              <a:t> </a:t>
-            </a:r>
-            <a:r>
-              <a:rPr lang="en-US" sz="2800" dirty="0"/>
-              <a:t>in </a:t>
+              <a:rPr lang="en-US" sz="2800" dirty="0"/>
+              <a:t>” in </a:t>
             </a:r>
             <a:r>
               <a:rPr lang="en-US" sz="2800" dirty="0" err="1"/>
@@ -10680,22 +10298,18 @@
             <a:pPr lvl="1"/>
             <a:r>
               <a:rPr lang="en-US" sz="2800" dirty="0"/>
-              <a:t>Very problematic for code </a:t>
-            </a:r>
-            <a:r>
-              <a:rPr lang="en-US" sz="2800" dirty="0" smtClean="0"/>
-              <a:t>injection</a:t>
-            </a:r>
-          </a:p>
-          <a:p>
-            <a:r>
-              <a:rPr lang="en-US" sz="2800" dirty="0" smtClean="0"/>
+              <a:t>Very problematic for code injection</a:t>
+            </a:r>
+          </a:p>
+          <a:p>
+            <a:r>
+              <a:rPr lang="en-US" sz="2800" dirty="0"/>
               <a:t>Address randomization has further complicated Code Injection</a:t>
             </a:r>
           </a:p>
           <a:p>
             <a:r>
-              <a:rPr lang="en-US" sz="2800" dirty="0" smtClean="0"/>
+              <a:rPr lang="en-US" sz="2800" dirty="0"/>
               <a:t>These advancements led to the increased popularity of Code Reuse Attacks</a:t>
             </a:r>
           </a:p>
@@ -10750,10 +10364,9 @@
           <a:lstStyle/>
           <a:p>
             <a:r>
-              <a:rPr lang="en-US" dirty="0" smtClean="0"/>
+              <a:rPr lang="en-US" dirty="0"/>
               <a:t>Defending Against Reuse Attacks</a:t>
             </a:r>
-            <a:endParaRPr lang="en-US" dirty="0"/>
           </a:p>
         </p:txBody>
       </p:sp>
@@ -10780,62 +10393,61 @@
           <a:lstStyle/>
           <a:p>
             <a:r>
-              <a:rPr lang="en-US" sz="2800" dirty="0" smtClean="0"/>
+              <a:rPr lang="en-US" sz="2800" dirty="0"/>
               <a:t>Address Randomization</a:t>
             </a:r>
           </a:p>
           <a:p>
             <a:pPr lvl="1"/>
             <a:r>
-              <a:rPr lang="en-US" sz="2800" dirty="0" smtClean="0"/>
-              <a:t>Can’t assume address layout as base address is random between executions</a:t>
+              <a:rPr lang="en-US" sz="2800" dirty="0"/>
+              <a:t>Can’t assume address layout, base address is random between executions</a:t>
             </a:r>
           </a:p>
           <a:p>
             <a:pPr lvl="1"/>
             <a:r>
-              <a:rPr lang="en-US" sz="2800" dirty="0" smtClean="0"/>
+              <a:rPr lang="en-US" sz="2800" dirty="0"/>
               <a:t>Not a silver bullet</a:t>
             </a:r>
           </a:p>
           <a:p>
             <a:pPr lvl="2"/>
             <a:r>
-              <a:rPr lang="en-US" sz="2800" dirty="0" smtClean="0"/>
-              <a:t>Just-In-Time Compilation allows for attacker to learn address layout on the fly</a:t>
-            </a:r>
-          </a:p>
-          <a:p>
-            <a:r>
-              <a:rPr lang="en-US" sz="2800" dirty="0" err="1" smtClean="0"/>
+              <a:rPr lang="en-US" sz="2800" dirty="0"/>
+              <a:t>Just-In-Time Compilation allows learns address layout on the fly</a:t>
+            </a:r>
+          </a:p>
+          <a:p>
+            <a:r>
+              <a:rPr lang="en-US" sz="2800" dirty="0" err="1"/>
               <a:t>Readactor</a:t>
             </a:r>
             <a:r>
-              <a:rPr lang="en-US" sz="2800" dirty="0" smtClean="0"/>
+              <a:rPr lang="en-US" sz="2800" dirty="0"/>
               <a:t> Security Framework</a:t>
             </a:r>
           </a:p>
           <a:p>
             <a:pPr lvl="1"/>
             <a:r>
-              <a:rPr lang="en-US" sz="2800" dirty="0" smtClean="0"/>
+              <a:rPr lang="en-US" sz="2800" dirty="0"/>
               <a:t>Aimed at defending against JIT-ROP attacks</a:t>
             </a:r>
           </a:p>
           <a:p>
             <a:pPr lvl="1"/>
             <a:r>
-              <a:rPr lang="en-US" sz="2800" dirty="0" smtClean="0"/>
+              <a:rPr lang="en-US" sz="2800" dirty="0"/>
               <a:t>Hides code pointers and late-binding code from attackers</a:t>
             </a:r>
           </a:p>
           <a:p>
             <a:pPr lvl="1"/>
             <a:r>
-              <a:rPr lang="en-US" sz="2800" dirty="0" smtClean="0"/>
+              <a:rPr lang="en-US" sz="2800" dirty="0"/>
               <a:t>Cannot stop COOP attacks</a:t>
             </a:r>
-            <a:endParaRPr lang="en-US" sz="2800" dirty="0"/>
           </a:p>
         </p:txBody>
       </p:sp>

--- a/COOP.pptx
+++ b/COOP.pptx
@@ -174,6 +174,10 @@
 </p:cmAuthorLst>
 </file>
 
+<file path=ppt/revisionInfo.xml><?xml version="1.0" encoding="utf-8"?>
+<p1510:revInfo xmlns:a="http://schemas.openxmlformats.org/drawingml/2006/main" xmlns:r="http://schemas.openxmlformats.org/officeDocument/2006/relationships" xmlns:p1510="http://schemas.microsoft.com/office/powerpoint/2015/10/main"/>
+</file>
+
 <file path=ppt/notesMasters/notesMaster1.xml><?xml version="1.0" encoding="utf-8"?>
 <p:notesMaster xmlns:a="http://schemas.openxmlformats.org/drawingml/2006/main" xmlns:r="http://schemas.openxmlformats.org/officeDocument/2006/relationships" xmlns:p="http://schemas.openxmlformats.org/presentationml/2006/main">
   <p:cSld>
@@ -256,7 +260,7 @@
           <a:p>
             <a:fld id="{9E2966B5-D90F-4948-8BCC-BB9CA59B2E06}" type="datetimeFigureOut">
               <a:rPr lang="en-US" smtClean="0"/>
-              <a:t>9/24/2017</a:t>
+              <a:t>10/16/2017</a:t>
             </a:fld>
             <a:endParaRPr lang="en-US"/>
           </a:p>
@@ -1677,7 +1681,7 @@
           <a:p>
             <a:fld id="{D39C8547-764F-417E-AA1B-D2C8B5082AF7}" type="datetimeFigureOut">
               <a:rPr lang="en-US" smtClean="0"/>
-              <a:t>9/24/2017</a:t>
+              <a:t>10/16/2017</a:t>
             </a:fld>
             <a:endParaRPr lang="en-US"/>
           </a:p>
@@ -1885,7 +1889,7 @@
           <a:p>
             <a:fld id="{D39C8547-764F-417E-AA1B-D2C8B5082AF7}" type="datetimeFigureOut">
               <a:rPr lang="en-US" smtClean="0"/>
-              <a:t>9/24/2017</a:t>
+              <a:t>10/16/2017</a:t>
             </a:fld>
             <a:endParaRPr lang="en-US"/>
           </a:p>
@@ -2141,7 +2145,7 @@
           <a:p>
             <a:fld id="{D39C8547-764F-417E-AA1B-D2C8B5082AF7}" type="datetimeFigureOut">
               <a:rPr lang="en-US" smtClean="0"/>
-              <a:t>9/24/2017</a:t>
+              <a:t>10/16/2017</a:t>
             </a:fld>
             <a:endParaRPr lang="en-US"/>
           </a:p>
@@ -2315,7 +2319,7 @@
           <a:p>
             <a:fld id="{D39C8547-764F-417E-AA1B-D2C8B5082AF7}" type="datetimeFigureOut">
               <a:rPr lang="en-US" smtClean="0"/>
-              <a:t>9/24/2017</a:t>
+              <a:t>10/16/2017</a:t>
             </a:fld>
             <a:endParaRPr lang="en-US"/>
           </a:p>
@@ -2658,7 +2662,7 @@
           <a:p>
             <a:fld id="{D39C8547-764F-417E-AA1B-D2C8B5082AF7}" type="datetimeFigureOut">
               <a:rPr lang="en-US" smtClean="0"/>
-              <a:t>9/24/2017</a:t>
+              <a:t>10/16/2017</a:t>
             </a:fld>
             <a:endParaRPr lang="en-US"/>
           </a:p>
@@ -2933,7 +2937,7 @@
           <a:p>
             <a:fld id="{D39C8547-764F-417E-AA1B-D2C8B5082AF7}" type="datetimeFigureOut">
               <a:rPr lang="en-US" smtClean="0"/>
-              <a:t>9/24/2017</a:t>
+              <a:t>10/16/2017</a:t>
             </a:fld>
             <a:endParaRPr lang="en-US"/>
           </a:p>
@@ -3312,7 +3316,7 @@
           <a:p>
             <a:fld id="{D39C8547-764F-417E-AA1B-D2C8B5082AF7}" type="datetimeFigureOut">
               <a:rPr lang="en-US" smtClean="0"/>
-              <a:t>9/24/2017</a:t>
+              <a:t>10/16/2017</a:t>
             </a:fld>
             <a:endParaRPr lang="en-US"/>
           </a:p>
@@ -3430,7 +3434,7 @@
           <a:p>
             <a:fld id="{D39C8547-764F-417E-AA1B-D2C8B5082AF7}" type="datetimeFigureOut">
               <a:rPr lang="en-US" smtClean="0"/>
-              <a:t>9/24/2017</a:t>
+              <a:t>10/16/2017</a:t>
             </a:fld>
             <a:endParaRPr lang="en-US"/>
           </a:p>
@@ -3601,7 +3605,7 @@
           <a:p>
             <a:fld id="{D39C8547-764F-417E-AA1B-D2C8B5082AF7}" type="datetimeFigureOut">
               <a:rPr lang="en-US" smtClean="0"/>
-              <a:t>9/24/2017</a:t>
+              <a:t>10/16/2017</a:t>
             </a:fld>
             <a:endParaRPr lang="en-US"/>
           </a:p>
@@ -3955,7 +3959,7 @@
           <a:p>
             <a:fld id="{D39C8547-764F-417E-AA1B-D2C8B5082AF7}" type="datetimeFigureOut">
               <a:rPr lang="en-US" smtClean="0"/>
-              <a:t>9/24/2017</a:t>
+              <a:t>10/16/2017</a:t>
             </a:fld>
             <a:endParaRPr lang="en-US"/>
           </a:p>
@@ -4337,7 +4341,7 @@
           <a:p>
             <a:fld id="{D39C8547-764F-417E-AA1B-D2C8B5082AF7}" type="datetimeFigureOut">
               <a:rPr lang="en-US" smtClean="0"/>
-              <a:t>9/24/2017</a:t>
+              <a:t>10/16/2017</a:t>
             </a:fld>
             <a:endParaRPr lang="en-US"/>
           </a:p>
@@ -4624,7 +4628,7 @@
           <a:p>
             <a:fld id="{D39C8547-764F-417E-AA1B-D2C8B5082AF7}" type="datetimeFigureOut">
               <a:rPr lang="en-US" smtClean="0"/>
-              <a:t>9/24/2017</a:t>
+              <a:t>10/16/2017</a:t>
             </a:fld>
             <a:endParaRPr lang="en-US"/>
           </a:p>
@@ -5731,13 +5735,17 @@
           <a:p>
             <a:r>
               <a:rPr lang="en-US" sz="2800" dirty="0"/>
-              <a:t>Dynamic linking allows late binding between symbols and their routines</a:t>
-            </a:r>
-          </a:p>
-          <a:p>
-            <a:r>
-              <a:rPr lang="en-US" sz="2800" dirty="0"/>
-              <a:t>Allows for varied program behavior given a single function call</a:t>
+              <a:t>Dynamic linking provides late binding between symbols and their routines</a:t>
+            </a:r>
+          </a:p>
+          <a:p>
+            <a:r>
+              <a:rPr lang="en-US" sz="2800"/>
+              <a:t>Varied </a:t>
+            </a:r>
+            <a:r>
+              <a:rPr lang="en-US" sz="2800" dirty="0"/>
+              <a:t>program behavior given a single function call</a:t>
             </a:r>
           </a:p>
           <a:p>
@@ -5837,7 +5845,6 @@
               <a:rPr lang="en-US" sz="2800" dirty="0"/>
               <a:t>However, The pointer to the table itself, is stored in writable memory</a:t>
             </a:r>
-            <a:endParaRPr lang="en-US" sz="2800" dirty="0"/>
           </a:p>
           <a:p>
             <a:r>
@@ -7585,7 +7592,6 @@
               <a:rPr lang="en-US" sz="2800" dirty="0"/>
               <a:t>Malicious code is introduced into the system from an outside source</a:t>
             </a:r>
-            <a:endParaRPr lang="en-US" sz="2800" dirty="0"/>
           </a:p>
           <a:p>
             <a:r>
@@ -10415,7 +10421,7 @@
             <a:pPr lvl="2"/>
             <a:r>
               <a:rPr lang="en-US" sz="2800" dirty="0"/>
-              <a:t>Just-In-Time Compilation allows learns address layout on the fly</a:t>
+              <a:t>Just-In-Time Compilation learns address layout on the fly</a:t>
             </a:r>
           </a:p>
           <a:p>

--- a/COOP.pptx
+++ b/COOP.pptx
@@ -260,7 +260,7 @@
           <a:p>
             <a:fld id="{9E2966B5-D90F-4948-8BCC-BB9CA59B2E06}" type="datetimeFigureOut">
               <a:rPr lang="en-US" smtClean="0"/>
-              <a:t>10/16/2017</a:t>
+              <a:t>11/13/2017</a:t>
             </a:fld>
             <a:endParaRPr lang="en-US"/>
           </a:p>
@@ -1681,7 +1681,7 @@
           <a:p>
             <a:fld id="{D39C8547-764F-417E-AA1B-D2C8B5082AF7}" type="datetimeFigureOut">
               <a:rPr lang="en-US" smtClean="0"/>
-              <a:t>10/16/2017</a:t>
+              <a:t>11/13/2017</a:t>
             </a:fld>
             <a:endParaRPr lang="en-US"/>
           </a:p>
@@ -1889,7 +1889,7 @@
           <a:p>
             <a:fld id="{D39C8547-764F-417E-AA1B-D2C8B5082AF7}" type="datetimeFigureOut">
               <a:rPr lang="en-US" smtClean="0"/>
-              <a:t>10/16/2017</a:t>
+              <a:t>11/13/2017</a:t>
             </a:fld>
             <a:endParaRPr lang="en-US"/>
           </a:p>
@@ -2145,7 +2145,7 @@
           <a:p>
             <a:fld id="{D39C8547-764F-417E-AA1B-D2C8B5082AF7}" type="datetimeFigureOut">
               <a:rPr lang="en-US" smtClean="0"/>
-              <a:t>10/16/2017</a:t>
+              <a:t>11/13/2017</a:t>
             </a:fld>
             <a:endParaRPr lang="en-US"/>
           </a:p>
@@ -2319,7 +2319,7 @@
           <a:p>
             <a:fld id="{D39C8547-764F-417E-AA1B-D2C8B5082AF7}" type="datetimeFigureOut">
               <a:rPr lang="en-US" smtClean="0"/>
-              <a:t>10/16/2017</a:t>
+              <a:t>11/13/2017</a:t>
             </a:fld>
             <a:endParaRPr lang="en-US"/>
           </a:p>
@@ -2662,7 +2662,7 @@
           <a:p>
             <a:fld id="{D39C8547-764F-417E-AA1B-D2C8B5082AF7}" type="datetimeFigureOut">
               <a:rPr lang="en-US" smtClean="0"/>
-              <a:t>10/16/2017</a:t>
+              <a:t>11/13/2017</a:t>
             </a:fld>
             <a:endParaRPr lang="en-US"/>
           </a:p>
@@ -2937,7 +2937,7 @@
           <a:p>
             <a:fld id="{D39C8547-764F-417E-AA1B-D2C8B5082AF7}" type="datetimeFigureOut">
               <a:rPr lang="en-US" smtClean="0"/>
-              <a:t>10/16/2017</a:t>
+              <a:t>11/13/2017</a:t>
             </a:fld>
             <a:endParaRPr lang="en-US"/>
           </a:p>
@@ -3316,7 +3316,7 @@
           <a:p>
             <a:fld id="{D39C8547-764F-417E-AA1B-D2C8B5082AF7}" type="datetimeFigureOut">
               <a:rPr lang="en-US" smtClean="0"/>
-              <a:t>10/16/2017</a:t>
+              <a:t>11/13/2017</a:t>
             </a:fld>
             <a:endParaRPr lang="en-US"/>
           </a:p>
@@ -3434,7 +3434,7 @@
           <a:p>
             <a:fld id="{D39C8547-764F-417E-AA1B-D2C8B5082AF7}" type="datetimeFigureOut">
               <a:rPr lang="en-US" smtClean="0"/>
-              <a:t>10/16/2017</a:t>
+              <a:t>11/13/2017</a:t>
             </a:fld>
             <a:endParaRPr lang="en-US"/>
           </a:p>
@@ -3605,7 +3605,7 @@
           <a:p>
             <a:fld id="{D39C8547-764F-417E-AA1B-D2C8B5082AF7}" type="datetimeFigureOut">
               <a:rPr lang="en-US" smtClean="0"/>
-              <a:t>10/16/2017</a:t>
+              <a:t>11/13/2017</a:t>
             </a:fld>
             <a:endParaRPr lang="en-US"/>
           </a:p>
@@ -3959,7 +3959,7 @@
           <a:p>
             <a:fld id="{D39C8547-764F-417E-AA1B-D2C8B5082AF7}" type="datetimeFigureOut">
               <a:rPr lang="en-US" smtClean="0"/>
-              <a:t>10/16/2017</a:t>
+              <a:t>11/13/2017</a:t>
             </a:fld>
             <a:endParaRPr lang="en-US"/>
           </a:p>
@@ -4341,7 +4341,7 @@
           <a:p>
             <a:fld id="{D39C8547-764F-417E-AA1B-D2C8B5082AF7}" type="datetimeFigureOut">
               <a:rPr lang="en-US" smtClean="0"/>
-              <a:t>10/16/2017</a:t>
+              <a:t>11/13/2017</a:t>
             </a:fld>
             <a:endParaRPr lang="en-US"/>
           </a:p>
@@ -4628,7 +4628,7 @@
           <a:p>
             <a:fld id="{D39C8547-764F-417E-AA1B-D2C8B5082AF7}" type="datetimeFigureOut">
               <a:rPr lang="en-US" smtClean="0"/>
-              <a:t>10/16/2017</a:t>
+              <a:t>11/13/2017</a:t>
             </a:fld>
             <a:endParaRPr lang="en-US"/>
           </a:p>
@@ -5315,7 +5315,7 @@
           <a:p>
             <a:r>
               <a:rPr lang="en-US" sz="2800" dirty="0"/>
-              <a:t>Provide existing techniques with three contributions</a:t>
+              <a:t>Three contributions</a:t>
             </a:r>
           </a:p>
           <a:p>
@@ -5336,7 +5336,7 @@
             <a:pPr lvl="1"/>
             <a:r>
               <a:rPr lang="en-US" sz="2800" dirty="0"/>
-              <a:t>Modify virtual tables from read-access to execute-access, preventing layout disclosure</a:t>
+              <a:t>Modify virtual tables from read-access to execute-access - preventing layout disclosure</a:t>
             </a:r>
           </a:p>
         </p:txBody>
@@ -5417,7 +5417,7 @@
           <a:p>
             <a:r>
               <a:rPr lang="en-US" sz="2800" dirty="0"/>
-              <a:t>Unlike Java, C++ supports multiple inheritance</a:t>
+              <a:t>C++ supports multiple inheritance</a:t>
             </a:r>
           </a:p>
           <a:p>
@@ -5531,7 +5531,15 @@
           <a:p>
             <a:r>
               <a:rPr lang="en-US" sz="2800" dirty="0"/>
-              <a:t>Virtual method calls contain a pointer to a table</a:t>
+              <a:t>Virtual method calls rely on a pointer to a </a:t>
+            </a:r>
+            <a:r>
+              <a:rPr lang="en-US" sz="2800" dirty="0" err="1"/>
+              <a:t>Vtable</a:t>
+            </a:r>
+            <a:r>
+              <a:rPr lang="en-US" sz="2800" dirty="0"/>
+              <a:t> (virtual table)</a:t>
             </a:r>
           </a:p>
           <a:p>
@@ -5545,13 +5553,13 @@
             </a:r>
             <a:r>
               <a:rPr lang="en-US" sz="2800" dirty="0"/>
-              <a:t> (virtual table) contains overridden versions of a method</a:t>
-            </a:r>
-          </a:p>
-          <a:p>
-            <a:r>
-              <a:rPr lang="en-US" sz="2800" dirty="0"/>
-              <a:t>Correct entry is selected at runtime, when the function is called</a:t>
+              <a:t> contains overridden versions of a method</a:t>
+            </a:r>
+          </a:p>
+          <a:p>
+            <a:r>
+              <a:rPr lang="en-US" sz="2800" dirty="0"/>
+              <a:t>Correct entry selected when the function is called</a:t>
             </a:r>
           </a:p>
         </p:txBody>
@@ -5740,12 +5748,8 @@
           </a:p>
           <a:p>
             <a:r>
-              <a:rPr lang="en-US" sz="2800"/>
-              <a:t>Varied </a:t>
-            </a:r>
-            <a:r>
-              <a:rPr lang="en-US" sz="2800" dirty="0"/>
-              <a:t>program behavior given a single function call</a:t>
+              <a:rPr lang="en-US" sz="2800" dirty="0"/>
+              <a:t>Varied program behavior from a single function call</a:t>
             </a:r>
           </a:p>
           <a:p>
@@ -5843,7 +5847,7 @@
           <a:p>
             <a:r>
               <a:rPr lang="en-US" sz="2800" dirty="0"/>
-              <a:t>However, The pointer to the table itself, is stored in writable memory</a:t>
+              <a:t>However, The pointer to the table itself is stored in writable memory</a:t>
             </a:r>
           </a:p>
           <a:p>
@@ -5874,22 +5878,22 @@
           <a:p>
             <a:pPr lvl="1"/>
             <a:r>
-              <a:rPr lang="en-US" sz="2600" dirty="0"/>
+              <a:rPr lang="en-US" sz="2800" dirty="0"/>
               <a:t>Craft their own virtual table</a:t>
             </a:r>
           </a:p>
           <a:p>
             <a:pPr lvl="1"/>
             <a:r>
-              <a:rPr lang="en-US" sz="2600" dirty="0"/>
+              <a:rPr lang="en-US" sz="2800" dirty="0"/>
               <a:t>Overwrite existing </a:t>
             </a:r>
             <a:r>
-              <a:rPr lang="en-US" sz="2600" dirty="0" err="1"/>
+              <a:rPr lang="en-US" sz="2800" dirty="0" err="1"/>
               <a:t>VTable</a:t>
             </a:r>
             <a:r>
-              <a:rPr lang="en-US" sz="2600" dirty="0"/>
+              <a:rPr lang="en-US" sz="2800" dirty="0"/>
               <a:t> pointer to point to their virtual table</a:t>
             </a:r>
           </a:p>
@@ -6072,7 +6076,7 @@
         <p:spPr/>
         <p:txBody>
           <a:bodyPr>
-            <a:normAutofit fontScale="92500" lnSpcReduction="20000"/>
+            <a:normAutofit/>
           </a:bodyPr>
           <a:lstStyle/>
           <a:p>
@@ -6084,7 +6088,7 @@
           <a:p>
             <a:r>
               <a:rPr lang="en-US" sz="2800" dirty="0"/>
-              <a:t>Analogue to gadgets from ROP</a:t>
+              <a:t>Analogous to gadgets from ROP</a:t>
             </a:r>
           </a:p>
           <a:p>
@@ -6108,13 +6112,7 @@
           <a:p>
             <a:r>
               <a:rPr lang="en-US" sz="2800" dirty="0"/>
-              <a:t>One might think that the COOP threat may be nullified by removing potential ML-Gs</a:t>
-            </a:r>
-          </a:p>
-          <a:p>
-            <a:r>
-              <a:rPr lang="en-US" sz="2800" dirty="0"/>
-              <a:t>To disprove this, the authors devised two ML-Gs of their own</a:t>
+              <a:t>COOP cannot be nullified by removing potential ML-Gs</a:t>
             </a:r>
           </a:p>
           <a:p>
@@ -6211,7 +6209,7 @@
           <a:p>
             <a:r>
               <a:rPr lang="en-US" sz="2800" dirty="0"/>
-              <a:t>Destructors which call further destructors are the most popular target</a:t>
+              <a:t>Destructors which call further destructors are a popular target</a:t>
             </a:r>
           </a:p>
         </p:txBody>
@@ -6771,18 +6769,14 @@
           </a:p>
           <a:p>
             <a:r>
-              <a:rPr lang="en-US" sz="2800" dirty="0" err="1"/>
-              <a:t>Readactor</a:t>
-            </a:r>
-            <a:r>
-              <a:rPr lang="en-US" sz="2800" dirty="0"/>
-              <a:t> is a security framework aimed at combatting ROP attacks</a:t>
-            </a:r>
-          </a:p>
-          <a:p>
-            <a:r>
-              <a:rPr lang="en-US" sz="2800" dirty="0"/>
-              <a:t>Aimed to extend </a:t>
+              <a:rPr lang="en-US" sz="2800" dirty="0"/>
+              <a:t>A security framework aimed at combatting ROP attacks</a:t>
+            </a:r>
+          </a:p>
+          <a:p>
+            <a:r>
+              <a:rPr lang="en-US" sz="2800" dirty="0"/>
+              <a:t>Extended </a:t>
             </a:r>
             <a:r>
               <a:rPr lang="en-US" sz="2800" dirty="0" err="1"/>
@@ -7088,7 +7082,7 @@
             <a:pPr lvl="1"/>
             <a:r>
               <a:rPr lang="en-US" sz="2800" dirty="0"/>
-              <a:t>Read the code segment of the program stack</a:t>
+              <a:t>Read code segment of the program stack</a:t>
             </a:r>
           </a:p>
           <a:p>
@@ -7113,7 +7107,7 @@
             </a:r>
             <a:r>
               <a:rPr lang="en-US" sz="2800" dirty="0"/>
-              <a:t>++ combats this by hiding all code pointers and replacing them with “trampolines”</a:t>
+              <a:t>++ hides all code pointers and replaces them with “trampolines”</a:t>
             </a:r>
           </a:p>
         </p:txBody>
@@ -7197,13 +7191,19 @@
           <a:p>
             <a:r>
               <a:rPr lang="en-US" sz="2800" dirty="0"/>
-              <a:t>Trampolines provide extra layer of indirection, hides the code segment</a:t>
-            </a:r>
-          </a:p>
-          <a:p>
-            <a:r>
-              <a:rPr lang="en-US" sz="2800" dirty="0"/>
-              <a:t>Trampolines may not be dereferenced (unlike pointers), attackers cannot force them to disclose memory layout</a:t>
+              <a:t>Trampolines provide extra layer of indirection</a:t>
+            </a:r>
+          </a:p>
+          <a:p>
+            <a:r>
+              <a:rPr lang="en-US" sz="2800" dirty="0"/>
+              <a:t>Hides the code segment</a:t>
+            </a:r>
+          </a:p>
+          <a:p>
+            <a:r>
+              <a:rPr lang="en-US" sz="2800" dirty="0"/>
+              <a:t>Trampolines cannot be dereferenced (unlike pointers), attackers cannot force them to disclose memory layout</a:t>
             </a:r>
           </a:p>
           <a:p>
@@ -7395,7 +7395,7 @@
             <a:pPr lvl="1"/>
             <a:r>
               <a:rPr lang="en-US" sz="2800" dirty="0"/>
-              <a:t>Known as the “</a:t>
+              <a:t>“</a:t>
             </a:r>
             <a:r>
               <a:rPr lang="en-US" sz="2800" dirty="0" err="1"/>
@@ -7409,7 +7409,7 @@
           <a:p>
             <a:r>
               <a:rPr lang="en-US" sz="2800" dirty="0"/>
-              <a:t>Randomizing object’s metadata layout is not enough</a:t>
+              <a:t>Randomizing object’s metadata layout is insufficient</a:t>
             </a:r>
           </a:p>
           <a:p>
@@ -7496,7 +7496,7 @@
           <a:p>
             <a:r>
               <a:rPr lang="en-US" sz="2800" dirty="0"/>
-              <a:t>Once tables are randomized, need to prevent code pointers from being read</a:t>
+              <a:t>Once layout is randomized, need to prevent code pointers from being read</a:t>
             </a:r>
           </a:p>
           <a:p>
@@ -7590,7 +7590,7 @@
           <a:p>
             <a:r>
               <a:rPr lang="en-US" sz="2800" dirty="0"/>
-              <a:t>Malicious code is introduced into the system from an outside source</a:t>
+              <a:t>Malicious code introduced into system from outside source</a:t>
             </a:r>
           </a:p>
           <a:p>
@@ -7602,7 +7602,7 @@
           <a:p>
             <a:r>
               <a:rPr lang="en-US" sz="2800" dirty="0"/>
-              <a:t>Hijacked program counter will return into the injected code</a:t>
+              <a:t>Hijacked program counter returns into injected code</a:t>
             </a:r>
           </a:p>
         </p:txBody>
@@ -7787,13 +7787,13 @@
           <a:p>
             <a:r>
               <a:rPr lang="en-US" sz="2800" dirty="0"/>
-              <a:t>Brute force attacks can exploit virtual tables</a:t>
-            </a:r>
-          </a:p>
-          <a:p>
-            <a:r>
-              <a:rPr lang="en-US" sz="2800" dirty="0"/>
-              <a:t>Attacker probes the randomized </a:t>
+              <a:t>Brute force attacks exploit virtual tables</a:t>
+            </a:r>
+          </a:p>
+          <a:p>
+            <a:r>
+              <a:rPr lang="en-US" sz="2800" dirty="0"/>
+              <a:t>Attacker probes randomized </a:t>
             </a:r>
             <a:r>
               <a:rPr lang="en-US" sz="2800" dirty="0" err="1"/>
@@ -7801,13 +7801,13 @@
             </a:r>
             <a:r>
               <a:rPr lang="en-US" sz="2800" dirty="0"/>
-              <a:t> until familiar with the layout</a:t>
-            </a:r>
-          </a:p>
-          <a:p>
-            <a:r>
-              <a:rPr lang="en-US" sz="2800" dirty="0"/>
-              <a:t>Booby-traps in the execute-only </a:t>
+              <a:t> until familiar with layout</a:t>
+            </a:r>
+          </a:p>
+          <a:p>
+            <a:r>
+              <a:rPr lang="en-US" sz="2800" dirty="0"/>
+              <a:t>Booby-traps in execute-only </a:t>
             </a:r>
             <a:r>
               <a:rPr lang="en-US" sz="2800" dirty="0" err="1"/>
@@ -7815,7 +7815,7 @@
             </a:r>
             <a:r>
               <a:rPr lang="en-US" sz="2800" dirty="0"/>
-              <a:t> will discourage probing</a:t>
+              <a:t> discourage probing</a:t>
             </a:r>
           </a:p>
           <a:p>
@@ -7834,15 +7834,19 @@
           <a:p>
             <a:pPr lvl="1"/>
             <a:r>
-              <a:rPr lang="en-US" sz="2800" dirty="0"/>
-              <a:t>Virtual Table layout will freshly randomize</a:t>
+              <a:rPr lang="en-US" sz="2800" dirty="0" err="1"/>
+              <a:t>VTable</a:t>
+            </a:r>
+            <a:r>
+              <a:rPr lang="en-US" sz="2800" dirty="0"/>
+              <a:t> layout will freshly randomize</a:t>
             </a:r>
           </a:p>
           <a:p>
             <a:pPr lvl="1"/>
             <a:r>
               <a:rPr lang="en-US" sz="2800" dirty="0"/>
-              <a:t>Application reports the activity to a system administrator</a:t>
+              <a:t>Application reports activity to system administrator</a:t>
             </a:r>
           </a:p>
           <a:p>
@@ -8030,13 +8034,13 @@
           <a:p>
             <a:r>
               <a:rPr lang="en-US" sz="2800" dirty="0"/>
-              <a:t>Exploiting this structure is vital to a RILC attack’s success</a:t>
-            </a:r>
-          </a:p>
-          <a:p>
-            <a:r>
-              <a:rPr lang="en-US" sz="2800" dirty="0"/>
-              <a:t>Entries organized in series, with the base addresses randomized</a:t>
+              <a:t>Exploiting this structure is vital to RILC attack’s success</a:t>
+            </a:r>
+          </a:p>
+          <a:p>
+            <a:r>
+              <a:rPr lang="en-US" sz="2800" dirty="0"/>
+              <a:t>Entries organized in series, with base addresses randomized</a:t>
             </a:r>
           </a:p>
           <a:p>
@@ -8481,7 +8485,7 @@
             <a:pPr lvl="1"/>
             <a:r>
               <a:rPr lang="en-US" sz="2600" dirty="0"/>
-              <a:t>Possible security extension, could cause problems</a:t>
+              <a:t>Possible security extension</a:t>
             </a:r>
           </a:p>
           <a:p>
@@ -8494,7 +8498,7 @@
             <a:pPr lvl="1"/>
             <a:r>
               <a:rPr lang="en-US" sz="2800" dirty="0"/>
-              <a:t>Probe the stack until the layout is known</a:t>
+              <a:t>Probe stack until layout is known</a:t>
             </a:r>
           </a:p>
           <a:p>
@@ -8634,7 +8638,7 @@
           <a:p>
             <a:r>
               <a:rPr lang="en-US" sz="2400" dirty="0"/>
-              <a:t>Can only measure performance of C++ components in the Chromium system</a:t>
+              <a:t>Can only measure performance of C++ components in Chromium system</a:t>
             </a:r>
           </a:p>
           <a:p>
@@ -8838,7 +8842,7 @@
           <a:p>
             <a:r>
               <a:rPr lang="en-US" sz="2800" dirty="0"/>
-              <a:t>Once again, a buffer is overflowed to hijack the program counter</a:t>
+              <a:t>Once again, a buffer is overflowed to hijack program counter</a:t>
             </a:r>
           </a:p>
           <a:p>
@@ -8852,7 +8856,7 @@
             </a:r>
             <a:r>
               <a:rPr lang="en-US" sz="2800" dirty="0"/>
-              <a:t> is a famous Code Reuse Attack</a:t>
+              <a:t> - famous Code Reuse Attack</a:t>
             </a:r>
           </a:p>
           <a:p>
@@ -8864,13 +8868,6 @@
             <a:r>
               <a:rPr lang="en-US" sz="2800" dirty="0"/>
               <a:t> contains many system utility functions</a:t>
-            </a:r>
-          </a:p>
-          <a:p>
-            <a:pPr lvl="1"/>
-            <a:r>
-              <a:rPr lang="en-US" sz="2800" dirty="0"/>
-              <a:t>A veritable playground for attackers</a:t>
             </a:r>
           </a:p>
           <a:p>
@@ -8985,14 +8982,14 @@
             <a:pPr lvl="1"/>
             <a:r>
               <a:rPr lang="en-US" sz="2800" dirty="0"/>
-              <a:t>These could be a potential attack vector for clever hackers</a:t>
+              <a:t>Potential attack vector for clever hackers</a:t>
             </a:r>
           </a:p>
           <a:p>
             <a:pPr lvl="1"/>
             <a:r>
               <a:rPr lang="en-US" sz="2800" dirty="0"/>
-              <a:t>Libraries loaded at runtime are vulnerable to COOP attack</a:t>
+              <a:t>Libraries loaded at runtime vulnerable to COOP attack</a:t>
             </a:r>
           </a:p>
         </p:txBody>
@@ -9072,7 +9069,7 @@
             </a:r>
             <a:r>
               <a:rPr lang="en-US" sz="2800" dirty="0"/>
-              <a:t>++ covers only those programs which adhere to the C++ language specification</a:t>
+              <a:t>++ covers programs which adhere to the C++ language specification</a:t>
             </a:r>
           </a:p>
           <a:p>
@@ -9096,7 +9093,7 @@
             </a:r>
             <a:r>
               <a:rPr lang="en-US" sz="2800" dirty="0"/>
-              <a:t> have different implementations between platforms and compilers</a:t>
+              <a:t> have different implementations between architectures</a:t>
             </a:r>
           </a:p>
         </p:txBody>
@@ -9265,49 +9262,40 @@
           <a:lstStyle/>
           <a:p>
             <a:r>
-              <a:rPr lang="en-US" sz="2800" dirty="0"/>
-              <a:t>There have been many studies concerning memory corruption and its defense</a:t>
+              <a:rPr lang="en-US" sz="3000" dirty="0"/>
+              <a:t>Code Layout Randomization</a:t>
             </a:r>
           </a:p>
           <a:p>
             <a:pPr lvl="1"/>
             <a:r>
-              <a:rPr lang="en-US" sz="2800" dirty="0"/>
-              <a:t>Code Layout Randomization</a:t>
-            </a:r>
-          </a:p>
-          <a:p>
-            <a:pPr lvl="2"/>
-            <a:r>
-              <a:rPr lang="en-US" sz="2800" dirty="0"/>
+              <a:rPr lang="en-US" sz="3200" dirty="0"/>
               <a:t>Defense schemes for obfuscating and combatting memory layout disclosure</a:t>
             </a:r>
           </a:p>
           <a:p>
+            <a:r>
+              <a:rPr lang="en-US" sz="3000" dirty="0"/>
+              <a:t>Control-Flow Integrity</a:t>
+            </a:r>
+          </a:p>
+          <a:p>
             <a:pPr lvl="1"/>
             <a:r>
-              <a:rPr lang="en-US" sz="2800" dirty="0"/>
-              <a:t>Control-Flow Integrity</a:t>
-            </a:r>
-          </a:p>
-          <a:p>
-            <a:pPr lvl="2"/>
-            <a:r>
-              <a:rPr lang="en-US" sz="2800" dirty="0"/>
+              <a:rPr lang="en-US" sz="3200" dirty="0"/>
               <a:t>Defend against illegal program states</a:t>
             </a:r>
           </a:p>
           <a:p>
+            <a:r>
+              <a:rPr lang="en-US" sz="3000" dirty="0"/>
+              <a:t>Code Pointer Integrity</a:t>
+            </a:r>
+          </a:p>
+          <a:p>
             <a:pPr lvl="1"/>
             <a:r>
-              <a:rPr lang="en-US" sz="2800" dirty="0"/>
-              <a:t>Code Pointer Integrity</a:t>
-            </a:r>
-          </a:p>
-          <a:p>
-            <a:pPr lvl="2"/>
-            <a:r>
-              <a:rPr lang="en-US" sz="2800" dirty="0"/>
+              <a:rPr lang="en-US" sz="3200" dirty="0"/>
               <a:t>Defend against code pointer exploitation</a:t>
             </a:r>
           </a:p>
@@ -9548,7 +9536,7 @@
             <a:pPr lvl="1"/>
             <a:r>
               <a:rPr lang="en-US" sz="2800" dirty="0"/>
-              <a:t>Method is vulnerable to RILC attacks as return instructions are not protected</a:t>
+              <a:t>Method is vulnerable to RILC attacks - return instructions not protected</a:t>
             </a:r>
           </a:p>
         </p:txBody>
@@ -9653,7 +9641,7 @@
             <a:pPr lvl="1"/>
             <a:r>
               <a:rPr lang="en-US" sz="2800" dirty="0"/>
-              <a:t>Only functions deemed “trustworthy” may be given access to these pointers</a:t>
+              <a:t>Only functions deemed “trustworthy” given access to these pointers</a:t>
             </a:r>
           </a:p>
           <a:p>
@@ -9748,7 +9736,7 @@
           <a:p>
             <a:r>
               <a:rPr lang="en-US" sz="2800" dirty="0"/>
-              <a:t>Code Reuse attacks, namely ROP and COOP attacks have become increasingly troublesome</a:t>
+              <a:t>Code Reuse attacks (ROP, COOP) are problematic</a:t>
             </a:r>
           </a:p>
           <a:p>
@@ -9758,7 +9746,7 @@
             </a:r>
             <a:r>
               <a:rPr lang="en-US" sz="2800" dirty="0"/>
-              <a:t>++ is an interesting and novel defense against COOP attacks</a:t>
+              <a:t>++ is a novel defense against COOP attacks</a:t>
             </a:r>
           </a:p>
           <a:p>
@@ -9788,7 +9776,7 @@
           <a:p>
             <a:r>
               <a:rPr lang="en-US" sz="2800" dirty="0"/>
-              <a:t>When using clever configuration options, </a:t>
+              <a:t>Using clever configuration options, </a:t>
             </a:r>
             <a:r>
               <a:rPr lang="en-US" sz="2800" dirty="0" err="1"/>
@@ -9796,7 +9784,15 @@
             </a:r>
             <a:r>
               <a:rPr lang="en-US" sz="2800" dirty="0"/>
-              <a:t>++ has been shown to have negligible affect on system performance</a:t>
+              <a:t>++ </a:t>
+            </a:r>
+            <a:r>
+              <a:rPr lang="en-US" sz="2800"/>
+              <a:t>has negligible </a:t>
+            </a:r>
+            <a:r>
+              <a:rPr lang="en-US" sz="2800" dirty="0"/>
+              <a:t>affect on system performance</a:t>
             </a:r>
           </a:p>
         </p:txBody>
@@ -9979,7 +9975,7 @@
           <a:p>
             <a:r>
               <a:rPr lang="en-US" sz="2800" dirty="0"/>
-              <a:t>Gadgets are chained together to execute a sequence of subroutines</a:t>
+              <a:t>Gadgets chained together to execute a sequence of subroutines</a:t>
             </a:r>
           </a:p>
           <a:p>
@@ -10168,14 +10164,14 @@
           <a:p>
             <a:r>
               <a:rPr lang="en-US" sz="2800" dirty="0"/>
-              <a:t>External library calls are stored and looked up in a table at runtime (dynamically-bound functions)</a:t>
+              <a:t>External library calls are stored and looked up at runtime</a:t>
             </a:r>
           </a:p>
           <a:p>
             <a:pPr lvl="1"/>
             <a:r>
               <a:rPr lang="en-US" sz="2800" dirty="0"/>
-              <a:t>Allows for method selection at runtime</a:t>
+              <a:t>Enables method selection at runtime</a:t>
             </a:r>
           </a:p>
           <a:p>
@@ -10270,7 +10266,7 @@
           <a:p>
             <a:r>
               <a:rPr lang="en-US" sz="2800" dirty="0"/>
-              <a:t>Data Execution Prevention (DEP) has resulted in Code Injection disuse</a:t>
+              <a:t>Data Execution Prevention (DEP) resulted in Code Injection disuse</a:t>
             </a:r>
           </a:p>
           <a:p>
@@ -10297,26 +10293,26 @@
             <a:pPr lvl="1"/>
             <a:r>
               <a:rPr lang="en-US" sz="2800" dirty="0"/>
-              <a:t>Prevents data from being interpreted as machine instructions</a:t>
+              <a:t>Prevents data being interpreted as machine instructions</a:t>
             </a:r>
           </a:p>
           <a:p>
             <a:pPr lvl="1"/>
             <a:r>
               <a:rPr lang="en-US" sz="2800" dirty="0"/>
-              <a:t>Very problematic for code injection</a:t>
-            </a:r>
-          </a:p>
-          <a:p>
-            <a:r>
-              <a:rPr lang="en-US" sz="2800" dirty="0"/>
-              <a:t>Address randomization has further complicated Code Injection</a:t>
-            </a:r>
-          </a:p>
-          <a:p>
-            <a:r>
-              <a:rPr lang="en-US" sz="2800" dirty="0"/>
-              <a:t>These advancements led to the increased popularity of Code Reuse Attacks</a:t>
+              <a:t>Defeats Code Injection</a:t>
+            </a:r>
+          </a:p>
+          <a:p>
+            <a:r>
+              <a:rPr lang="en-US" sz="2800" dirty="0"/>
+              <a:t>Address randomization further complicates Code Injection</a:t>
+            </a:r>
+          </a:p>
+          <a:p>
+            <a:r>
+              <a:rPr lang="en-US" sz="2800" dirty="0"/>
+              <a:t>Increased the popularity of Code Reuse Attacks</a:t>
             </a:r>
           </a:p>
           <a:p>
@@ -10407,13 +10403,20 @@
             <a:pPr lvl="1"/>
             <a:r>
               <a:rPr lang="en-US" sz="2800" dirty="0"/>
-              <a:t>Can’t assume address layout, base address is random between executions</a:t>
+              <a:t>Can’t assume address layout</a:t>
             </a:r>
           </a:p>
           <a:p>
             <a:pPr lvl="1"/>
             <a:r>
               <a:rPr lang="en-US" sz="2800" dirty="0"/>
+              <a:t>Base address random between executions</a:t>
+            </a:r>
+          </a:p>
+          <a:p>
+            <a:pPr lvl="1"/>
+            <a:r>
+              <a:rPr lang="en-US" sz="2800" dirty="0"/>
               <a:t>Not a silver bullet</a:t>
             </a:r>
           </a:p>
@@ -10421,7 +10424,7 @@
             <a:pPr lvl="2"/>
             <a:r>
               <a:rPr lang="en-US" sz="2800" dirty="0"/>
-              <a:t>Just-In-Time Compilation learns address layout on the fly</a:t>
+              <a:t>Just-In-Time Compilation learns address layout dynamically</a:t>
             </a:r>
           </a:p>
           <a:p>
@@ -10438,7 +10441,7 @@
             <a:pPr lvl="1"/>
             <a:r>
               <a:rPr lang="en-US" sz="2800" dirty="0"/>
-              <a:t>Aimed at defending against JIT-ROP attacks</a:t>
+              <a:t>Defends against JIT-ROP attacks</a:t>
             </a:r>
           </a:p>
           <a:p>
